--- a/pptx/Presentation_LucaDiBello.pptx
+++ b/pptx/Presentation_LucaDiBello.pptx
@@ -13,42 +13,38 @@
     <p:sldId id="274" r:id="rId8"/>
     <p:sldId id="275" r:id="rId9"/>
     <p:sldId id="304" r:id="rId10"/>
-    <p:sldId id="305" r:id="rId11"/>
-    <p:sldId id="306" r:id="rId12"/>
-    <p:sldId id="307" r:id="rId13"/>
-    <p:sldId id="315" r:id="rId14"/>
-    <p:sldId id="276" r:id="rId15"/>
-    <p:sldId id="279" r:id="rId16"/>
-    <p:sldId id="316" r:id="rId17"/>
-    <p:sldId id="277" r:id="rId18"/>
-    <p:sldId id="328" r:id="rId19"/>
-    <p:sldId id="329" r:id="rId20"/>
-    <p:sldId id="317" r:id="rId21"/>
-    <p:sldId id="311" r:id="rId22"/>
-    <p:sldId id="312" r:id="rId23"/>
-    <p:sldId id="324" r:id="rId24"/>
-    <p:sldId id="318" r:id="rId25"/>
-    <p:sldId id="319" r:id="rId26"/>
-    <p:sldId id="320" r:id="rId27"/>
-    <p:sldId id="321" r:id="rId28"/>
-    <p:sldId id="322" r:id="rId29"/>
-    <p:sldId id="326" r:id="rId30"/>
-    <p:sldId id="327" r:id="rId31"/>
-    <p:sldId id="330" r:id="rId32"/>
-    <p:sldId id="331" r:id="rId33"/>
-    <p:sldId id="332" r:id="rId34"/>
-    <p:sldId id="333" r:id="rId35"/>
-    <p:sldId id="334" r:id="rId36"/>
-    <p:sldId id="336" r:id="rId37"/>
-    <p:sldId id="337" r:id="rId38"/>
-    <p:sldId id="338" r:id="rId39"/>
-    <p:sldId id="339" r:id="rId40"/>
-    <p:sldId id="341" r:id="rId41"/>
-    <p:sldId id="342" r:id="rId42"/>
-    <p:sldId id="281" r:id="rId43"/>
-    <p:sldId id="282" r:id="rId44"/>
-    <p:sldId id="283" r:id="rId45"/>
-    <p:sldId id="270" r:id="rId46"/>
+    <p:sldId id="315" r:id="rId11"/>
+    <p:sldId id="276" r:id="rId12"/>
+    <p:sldId id="279" r:id="rId13"/>
+    <p:sldId id="316" r:id="rId14"/>
+    <p:sldId id="277" r:id="rId15"/>
+    <p:sldId id="328" r:id="rId16"/>
+    <p:sldId id="329" r:id="rId17"/>
+    <p:sldId id="317" r:id="rId18"/>
+    <p:sldId id="311" r:id="rId19"/>
+    <p:sldId id="312" r:id="rId20"/>
+    <p:sldId id="324" r:id="rId21"/>
+    <p:sldId id="318" r:id="rId22"/>
+    <p:sldId id="319" r:id="rId23"/>
+    <p:sldId id="320" r:id="rId24"/>
+    <p:sldId id="321" r:id="rId25"/>
+    <p:sldId id="326" r:id="rId26"/>
+    <p:sldId id="327" r:id="rId27"/>
+    <p:sldId id="330" r:id="rId28"/>
+    <p:sldId id="331" r:id="rId29"/>
+    <p:sldId id="332" r:id="rId30"/>
+    <p:sldId id="333" r:id="rId31"/>
+    <p:sldId id="334" r:id="rId32"/>
+    <p:sldId id="336" r:id="rId33"/>
+    <p:sldId id="337" r:id="rId34"/>
+    <p:sldId id="338" r:id="rId35"/>
+    <p:sldId id="339" r:id="rId36"/>
+    <p:sldId id="341" r:id="rId37"/>
+    <p:sldId id="342" r:id="rId38"/>
+    <p:sldId id="281" r:id="rId39"/>
+    <p:sldId id="282" r:id="rId40"/>
+    <p:sldId id="283" r:id="rId41"/>
+    <p:sldId id="270" r:id="rId42"/>
   </p:sldIdLst>
   <p:sldSz cx="9144000" cy="6858000" type="screen4x3"/>
   <p:notesSz cx="6858000" cy="9144000"/>
@@ -253,9 +249,6 @@
           <p14:sldIdLst>
             <p14:sldId id="275"/>
             <p14:sldId id="304"/>
-            <p14:sldId id="305"/>
-            <p14:sldId id="306"/>
-            <p14:sldId id="307"/>
           </p14:sldIdLst>
         </p14:section>
         <p14:section name="Architettura del sistema" id="{623d990e-b781-4f4d-8f6c-a0ddf4bb6cfb}">
@@ -271,28 +264,27 @@
             <p14:sldId id="277"/>
             <p14:sldId id="328"/>
             <p14:sldId id="329"/>
+            <p14:sldId id="317"/>
             <p14:sldId id="311"/>
             <p14:sldId id="312"/>
             <p14:sldId id="324"/>
             <p14:sldId id="318"/>
             <p14:sldId id="319"/>
             <p14:sldId id="320"/>
-            <p14:sldId id="317"/>
             <p14:sldId id="321"/>
-            <p14:sldId id="322"/>
             <p14:sldId id="326"/>
-            <p14:sldId id="330"/>
             <p14:sldId id="331"/>
             <p14:sldId id="332"/>
             <p14:sldId id="333"/>
             <p14:sldId id="334"/>
             <p14:sldId id="336"/>
-            <p14:sldId id="327"/>
             <p14:sldId id="337"/>
             <p14:sldId id="338"/>
             <p14:sldId id="339"/>
             <p14:sldId id="341"/>
             <p14:sldId id="342"/>
+            <p14:sldId id="327"/>
+            <p14:sldId id="330"/>
           </p14:sldIdLst>
         </p14:section>
         <p14:section name="Test + Finale" id="{198b792a-e1c8-4ec2-a12d-30d4f25f242c}">
@@ -6837,430 +6829,6 @@
         <p:txBody>
           <a:bodyPr/>
           <a:p>
-            <a:pPr algn="r"/>
-            <a:r>
-              <a:rPr lang="en-US" sz="4800" b="1" dirty="0">
-                <a:latin typeface="Arial" panose="02080604020202020204" pitchFamily="34" charset="0"/>
-                <a:cs typeface="Arial" panose="02080604020202020204" pitchFamily="34" charset="0"/>
-              </a:rPr>
-              <a:t>GANTT</a:t>
-            </a:r>
-            <a:r>
-              <a:rPr lang="en-US" altLang="en-US" sz="2400" b="1" dirty="0">
-                <a:latin typeface="Arial" panose="02080604020202020204" pitchFamily="34" charset="0"/>
-                <a:cs typeface="Arial" panose="02080604020202020204" pitchFamily="34" charset="0"/>
-              </a:rPr>
-              <a:t> Test &amp; consegna </a:t>
-            </a:r>
-            <a:r>
-              <a:rPr lang="en-US" sz="1200" b="1" dirty="0">
-                <a:latin typeface="Arial" panose="02080604020202020204" pitchFamily="34" charset="0"/>
-                <a:cs typeface="Arial" panose="02080604020202020204" pitchFamily="34" charset="0"/>
-              </a:rPr>
-              <a:t>(consuntivo)</a:t>
-            </a:r>
-            <a:endParaRPr lang="en-US" altLang="en-US" sz="1200" b="1" dirty="0">
-              <a:latin typeface="Arial" panose="02080604020202020204" pitchFamily="34" charset="0"/>
-              <a:cs typeface="Arial" panose="02080604020202020204" pitchFamily="34" charset="0"/>
-            </a:endParaRPr>
-          </a:p>
-        </p:txBody>
-      </p:sp>
-      <p:sp>
-        <p:nvSpPr>
-          <p:cNvPr id="3" name="Text Box 2"/>
-          <p:cNvSpPr txBox="1"/>
-          <p:nvPr/>
-        </p:nvSpPr>
-        <p:spPr>
-          <a:xfrm>
-            <a:off x="1555750" y="3510280"/>
-            <a:ext cx="6181090" cy="368300"/>
-          </a:xfrm>
-          <a:prstGeom prst="rect">
-            <a:avLst/>
-          </a:prstGeom>
-          <a:noFill/>
-        </p:spPr>
-        <p:txBody>
-          <a:bodyPr wrap="square" rtlCol="0">
-            <a:spAutoFit/>
-          </a:bodyPr>
-          <a:p>
-            <a:r>
-              <a:rPr lang="en-US" altLang="en-US"/>
-              <a:t>Consuntivo</a:t>
-            </a:r>
-            <a:endParaRPr lang="en-US" altLang="en-US"/>
-          </a:p>
-        </p:txBody>
-      </p:sp>
-      <p:grpSp>
-        <p:nvGrpSpPr>
-          <p:cNvPr id="8" name="Group 7"/>
-          <p:cNvGrpSpPr/>
-          <p:nvPr/>
-        </p:nvGrpSpPr>
-        <p:grpSpPr>
-          <a:xfrm>
-            <a:off x="1555750" y="1287780"/>
-            <a:ext cx="6208395" cy="1633220"/>
-            <a:chOff x="2450" y="2028"/>
-            <a:chExt cx="9777" cy="2572"/>
-          </a:xfrm>
-        </p:grpSpPr>
-        <p:sp>
-          <p:nvSpPr>
-            <p:cNvPr id="9" name="Text Box 8"/>
-            <p:cNvSpPr txBox="1"/>
-            <p:nvPr/>
-          </p:nvSpPr>
-          <p:spPr>
-            <a:xfrm>
-              <a:off x="2450" y="2028"/>
-              <a:ext cx="9777" cy="580"/>
-            </a:xfrm>
-            <a:prstGeom prst="rect">
-              <a:avLst/>
-            </a:prstGeom>
-            <a:noFill/>
-            <a:ln>
-              <a:noFill/>
-            </a:ln>
-          </p:spPr>
-          <p:txBody>
-            <a:bodyPr wrap="square" rtlCol="0">
-              <a:spAutoFit/>
-            </a:bodyPr>
-            <a:p>
-              <a:r>
-                <a:rPr lang="en-US" altLang="en-US"/>
-                <a:t>Preventivo</a:t>
-              </a:r>
-              <a:endParaRPr lang="en-US" altLang="en-US"/>
-            </a:p>
-          </p:txBody>
-        </p:sp>
-        <p:pic>
-          <p:nvPicPr>
-            <p:cNvPr id="6" name="Picture 5"/>
-            <p:cNvPicPr>
-              <a:picLocks noChangeAspect="1"/>
-            </p:cNvPicPr>
-            <p:nvPr/>
-          </p:nvPicPr>
-          <p:blipFill>
-            <a:blip r:embed="rId1"/>
-            <a:srcRect b="-917"/>
-            <a:stretch>
-              <a:fillRect/>
-            </a:stretch>
-          </p:blipFill>
-          <p:spPr>
-            <a:xfrm>
-              <a:off x="2490" y="2898"/>
-              <a:ext cx="9420" cy="1320"/>
-            </a:xfrm>
-            <a:prstGeom prst="rect">
-              <a:avLst/>
-            </a:prstGeom>
-            <a:ln>
-              <a:solidFill>
-                <a:schemeClr val="tx1"/>
-              </a:solidFill>
-            </a:ln>
-          </p:spPr>
-        </p:pic>
-        <p:pic>
-          <p:nvPicPr>
-            <p:cNvPr id="7" name="Picture 10" descr="GanttPreventivo"/>
-            <p:cNvPicPr>
-              <a:picLocks noChangeAspect="1"/>
-            </p:cNvPicPr>
-            <p:nvPr/>
-          </p:nvPicPr>
-          <p:blipFill>
-            <a:blip r:embed="rId2"/>
-            <a:srcRect l="2933" t="71568" r="58859" b="26482"/>
-            <a:stretch>
-              <a:fillRect/>
-            </a:stretch>
-          </p:blipFill>
-          <p:spPr>
-            <a:xfrm>
-              <a:off x="2477" y="4218"/>
-              <a:ext cx="9420" cy="382"/>
-            </a:xfrm>
-            <a:prstGeom prst="rect">
-              <a:avLst/>
-            </a:prstGeom>
-            <a:ln>
-              <a:solidFill>
-                <a:schemeClr val="tx1">
-                  <a:alpha val="0"/>
-                </a:schemeClr>
-              </a:solidFill>
-            </a:ln>
-          </p:spPr>
-        </p:pic>
-      </p:grpSp>
-      <p:pic>
-        <p:nvPicPr>
-          <p:cNvPr id="10" name="Picture 1" descr="GanttConsuntivo"/>
-          <p:cNvPicPr>
-            <a:picLocks noChangeAspect="1"/>
-          </p:cNvPicPr>
-          <p:nvPr/>
-        </p:nvPicPr>
-        <p:blipFill>
-          <a:blip r:embed="rId3"/>
-          <a:srcRect l="2812" t="59715" r="57261" b="31265"/>
-          <a:stretch>
-            <a:fillRect/>
-          </a:stretch>
-        </p:blipFill>
-        <p:spPr>
-          <a:xfrm>
-            <a:off x="1555750" y="4083050"/>
-            <a:ext cx="6015355" cy="1021080"/>
-          </a:xfrm>
-          <a:prstGeom prst="rect">
-            <a:avLst/>
-          </a:prstGeom>
-          <a:ln>
-            <a:solidFill>
-              <a:schemeClr val="tx1"/>
-            </a:solidFill>
-          </a:ln>
-        </p:spPr>
-      </p:pic>
-    </p:spTree>
-  </p:cSld>
-  <p:clrMapOvr>
-    <a:masterClrMapping/>
-  </p:clrMapOvr>
-</p:sld>
-</file>
-
-<file path=ppt/slides/slide11.xml><?xml version="1.0" encoding="utf-8"?>
-<p:sld xmlns:a="http://schemas.openxmlformats.org/drawingml/2006/main" xmlns:r="http://schemas.openxmlformats.org/officeDocument/2006/relationships" xmlns:p="http://schemas.openxmlformats.org/presentationml/2006/main">
-  <p:cSld>
-    <p:spTree>
-      <p:nvGrpSpPr>
-        <p:cNvPr id="1" name=""/>
-        <p:cNvGrpSpPr/>
-        <p:nvPr/>
-      </p:nvGrpSpPr>
-      <p:grpSpPr/>
-      <p:sp>
-        <p:nvSpPr>
-          <p:cNvPr id="4" name="Title 3"/>
-          <p:cNvSpPr>
-            <a:spLocks noGrp="1" noChangeArrowheads="1"/>
-          </p:cNvSpPr>
-          <p:nvPr>
-            <p:ph type="ctrTitle"/>
-          </p:nvPr>
-        </p:nvSpPr>
-        <p:spPr/>
-        <p:txBody>
-          <a:bodyPr/>
-          <a:p>
-            <a:r>
-              <a:rPr lang="" altLang="en-US"/>
-              <a:t>Architettura del sistema</a:t>
-            </a:r>
-            <a:endParaRPr lang="" altLang="en-US"/>
-          </a:p>
-        </p:txBody>
-      </p:sp>
-    </p:spTree>
-  </p:cSld>
-  <p:clrMapOvr>
-    <a:masterClrMapping/>
-  </p:clrMapOvr>
-</p:sld>
-</file>
-
-<file path=ppt/slides/slide12.xml><?xml version="1.0" encoding="utf-8"?>
-<p:sld xmlns:a="http://schemas.openxmlformats.org/drawingml/2006/main" xmlns:r="http://schemas.openxmlformats.org/officeDocument/2006/relationships" xmlns:p="http://schemas.openxmlformats.org/presentationml/2006/main">
-  <p:cSld>
-    <p:spTree>
-      <p:nvGrpSpPr>
-        <p:cNvPr id="1" name=""/>
-        <p:cNvGrpSpPr/>
-        <p:nvPr/>
-      </p:nvGrpSpPr>
-      <p:grpSpPr/>
-      <p:sp>
-        <p:nvSpPr>
-          <p:cNvPr id="2" name="Title 1"/>
-          <p:cNvSpPr>
-            <a:spLocks noGrp="1"/>
-          </p:cNvSpPr>
-          <p:nvPr>
-            <p:ph type="title"/>
-          </p:nvPr>
-        </p:nvSpPr>
-        <p:spPr/>
-        <p:txBody>
-          <a:bodyPr/>
-          <a:p>
-            <a:pPr algn="r"/>
-            <a:r>
-              <a:rPr lang="en-US" sz="4800" b="1" dirty="0">
-                <a:latin typeface="Arial" panose="02080604020202020204" pitchFamily="34" charset="0"/>
-                <a:cs typeface="Arial" panose="02080604020202020204" pitchFamily="34" charset="0"/>
-              </a:rPr>
-              <a:t>ARCHITETTURA </a:t>
-            </a:r>
-            <a:r>
-              <a:rPr lang="en-US" altLang="en-US" sz="1200" b="1" dirty="0">
-                <a:latin typeface="Arial" panose="02080604020202020204" pitchFamily="34" charset="0"/>
-                <a:cs typeface="Arial" panose="02080604020202020204" pitchFamily="34" charset="0"/>
-              </a:rPr>
-              <a:t>(SISTEMA)</a:t>
-            </a:r>
-            <a:endParaRPr lang="en-US" sz="4800" b="1" dirty="0">
-              <a:latin typeface="Arial" panose="02080604020202020204" pitchFamily="34" charset="0"/>
-              <a:cs typeface="Arial" panose="02080604020202020204" pitchFamily="34" charset="0"/>
-            </a:endParaRPr>
-          </a:p>
-        </p:txBody>
-      </p:sp>
-      <p:grpSp>
-        <p:nvGrpSpPr>
-          <p:cNvPr id="6" name="Gruppo 6"/>
-          <p:cNvGrpSpPr/>
-          <p:nvPr/>
-        </p:nvGrpSpPr>
-        <p:grpSpPr>
-          <a:xfrm>
-            <a:off x="453390" y="1845310"/>
-            <a:ext cx="8237855" cy="3556187"/>
-            <a:chOff x="0" y="0"/>
-            <a:chExt cx="6120130" cy="2362746"/>
-          </a:xfrm>
-        </p:grpSpPr>
-        <p:pic>
-          <p:nvPicPr>
-            <p:cNvPr id="4" name="Immagine 4"/>
-            <p:cNvPicPr>
-              <a:picLocks noChangeAspect="1"/>
-            </p:cNvPicPr>
-            <p:nvPr/>
-          </p:nvPicPr>
-          <p:blipFill>
-            <a:blip r:embed="rId1">
-              <a:extLst>
-                <a:ext uri="{28A0092B-C50C-407E-A947-70E740481C1C}">
-                  <a14:useLocalDpi xmlns:a14="http://schemas.microsoft.com/office/drawing/2010/main" val="0"/>
-                </a:ext>
-              </a:extLst>
-            </a:blip>
-            <a:stretch>
-              <a:fillRect/>
-            </a:stretch>
-          </p:blipFill>
-          <p:spPr>
-            <a:xfrm>
-              <a:off x="0" y="0"/>
-              <a:ext cx="6120130" cy="2221230"/>
-            </a:xfrm>
-            <a:prstGeom prst="rect">
-              <a:avLst/>
-            </a:prstGeom>
-          </p:spPr>
-        </p:pic>
-        <p:sp>
-          <p:nvSpPr>
-            <p:cNvPr id="5" name="Casella di testo 5"/>
-            <p:cNvSpPr txBox="1"/>
-            <p:nvPr/>
-          </p:nvSpPr>
-          <p:spPr>
-            <a:xfrm>
-              <a:off x="0" y="2274570"/>
-              <a:ext cx="6120130" cy="88176"/>
-            </a:xfrm>
-            <a:prstGeom prst="rect">
-              <a:avLst/>
-            </a:prstGeom>
-            <a:solidFill>
-              <a:prstClr val="white"/>
-            </a:solidFill>
-            <a:ln>
-              <a:noFill/>
-            </a:ln>
-          </p:spPr>
-          <p:txBody>
-            <a:bodyPr rot="0" spcFirstLastPara="0" vertOverflow="overflow" horzOverflow="overflow" vert="horz" wrap="square" lIns="0" tIns="0" rIns="0" bIns="0" numCol="1" spcCol="0" rtlCol="0" fromWordArt="0" anchor="t" anchorCtr="0" forceAA="0" compatLnSpc="1">
-              <a:spAutoFit/>
-            </a:bodyPr>
-            <a:lstStyle/>
-            <a:p>
-              <a:pPr algn="ctr">
-                <a:lnSpc>
-                  <a:spcPct val="108000"/>
-                </a:lnSpc>
-                <a:spcBef>
-                  <a:spcPts val="600"/>
-                </a:spcBef>
-                <a:spcAft>
-                  <a:spcPts val="600"/>
-                </a:spcAft>
-              </a:pPr>
-              <a:r>
-                <a:rPr lang="en-US" altLang="zh-CN" sz="800" kern="100">
-                  <a:latin typeface="Arial"/>
-                  <a:ea typeface="Times New Roman"/>
-                  <a:cs typeface="Times New Roman"/>
-                  <a:sym typeface="Times New Roman"/>
-                </a:rPr>
-                <a:t>Figure 7 - Struttura del programma</a:t>
-              </a:r>
-              <a:endParaRPr lang="en-US" altLang="zh-CN" sz="1000" b="1" kern="100">
-                <a:latin typeface="Arial"/>
-                <a:ea typeface="Times New Roman"/>
-                <a:cs typeface="Times New Roman"/>
-                <a:sym typeface="Times New Roman"/>
-              </a:endParaRPr>
-            </a:p>
-          </p:txBody>
-        </p:sp>
-      </p:grpSp>
-    </p:spTree>
-  </p:cSld>
-  <p:clrMapOvr>
-    <a:masterClrMapping/>
-  </p:clrMapOvr>
-</p:sld>
-</file>
-
-<file path=ppt/slides/slide13.xml><?xml version="1.0" encoding="utf-8"?>
-<p:sld xmlns:a="http://schemas.openxmlformats.org/drawingml/2006/main" xmlns:r="http://schemas.openxmlformats.org/officeDocument/2006/relationships" xmlns:p="http://schemas.openxmlformats.org/presentationml/2006/main">
-  <p:cSld>
-    <p:spTree>
-      <p:nvGrpSpPr>
-        <p:cNvPr id="1" name=""/>
-        <p:cNvGrpSpPr/>
-        <p:nvPr/>
-      </p:nvGrpSpPr>
-      <p:grpSpPr/>
-      <p:sp>
-        <p:nvSpPr>
-          <p:cNvPr id="2" name="Title 1"/>
-          <p:cNvSpPr>
-            <a:spLocks noGrp="1"/>
-          </p:cNvSpPr>
-          <p:nvPr>
-            <p:ph type="title"/>
-          </p:nvPr>
-        </p:nvSpPr>
-        <p:spPr/>
-        <p:txBody>
-          <a:bodyPr/>
-          <a:p>
             <a:pPr algn="r">
               <a:buClrTx/>
               <a:buSzTx/>
@@ -7319,6 +6887,248 @@
 </p:sld>
 </file>
 
+<file path=ppt/slides/slide11.xml><?xml version="1.0" encoding="utf-8"?>
+<p:sld xmlns:a="http://schemas.openxmlformats.org/drawingml/2006/main" xmlns:r="http://schemas.openxmlformats.org/officeDocument/2006/relationships" xmlns:p="http://schemas.openxmlformats.org/presentationml/2006/main">
+  <p:cSld>
+    <p:spTree>
+      <p:nvGrpSpPr>
+        <p:cNvPr id="1" name=""/>
+        <p:cNvGrpSpPr/>
+        <p:nvPr/>
+      </p:nvGrpSpPr>
+      <p:grpSpPr/>
+      <p:sp>
+        <p:nvSpPr>
+          <p:cNvPr id="4" name="Title 3"/>
+          <p:cNvSpPr>
+            <a:spLocks noGrp="1" noChangeArrowheads="1"/>
+          </p:cNvSpPr>
+          <p:nvPr>
+            <p:ph type="ctrTitle"/>
+          </p:nvPr>
+        </p:nvSpPr>
+        <p:spPr/>
+        <p:txBody>
+          <a:bodyPr/>
+          <a:p>
+            <a:r>
+              <a:rPr lang="en-US" altLang="en-US"/>
+              <a:t>Implementazione</a:t>
+            </a:r>
+            <a:endParaRPr lang="en-US" altLang="en-US"/>
+          </a:p>
+        </p:txBody>
+      </p:sp>
+    </p:spTree>
+  </p:cSld>
+  <p:clrMapOvr>
+    <a:masterClrMapping/>
+  </p:clrMapOvr>
+</p:sld>
+</file>
+
+<file path=ppt/slides/slide12.xml><?xml version="1.0" encoding="utf-8"?>
+<p:sld xmlns:a="http://schemas.openxmlformats.org/drawingml/2006/main" xmlns:r="http://schemas.openxmlformats.org/officeDocument/2006/relationships" xmlns:p="http://schemas.openxmlformats.org/presentationml/2006/main">
+  <p:cSld>
+    <p:spTree>
+      <p:nvGrpSpPr>
+        <p:cNvPr id="1" name=""/>
+        <p:cNvGrpSpPr/>
+        <p:nvPr/>
+      </p:nvGrpSpPr>
+      <p:grpSpPr/>
+      <p:sp>
+        <p:nvSpPr>
+          <p:cNvPr id="2" name="Title 1"/>
+          <p:cNvSpPr>
+            <a:spLocks noGrp="1"/>
+          </p:cNvSpPr>
+          <p:nvPr>
+            <p:ph type="title"/>
+          </p:nvPr>
+        </p:nvSpPr>
+        <p:spPr/>
+        <p:txBody>
+          <a:bodyPr/>
+          <a:p>
+            <a:pPr algn="r">
+              <a:buClrTx/>
+              <a:buSzTx/>
+              <a:buFontTx/>
+            </a:pPr>
+            <a:r>
+              <a:rPr lang="en-US" sz="4800" b="1" dirty="0">
+                <a:latin typeface="Arial" panose="02080604020202020204" pitchFamily="34" charset="0"/>
+                <a:cs typeface="Arial" panose="02080604020202020204" pitchFamily="34" charset="0"/>
+              </a:rPr>
+              <a:t>IMPLEMENTAZIONE</a:t>
+            </a:r>
+            <a:endParaRPr lang="en-US" sz="4800" b="1" dirty="0">
+              <a:latin typeface="Arial" panose="02080604020202020204" pitchFamily="34" charset="0"/>
+              <a:cs typeface="Arial" panose="02080604020202020204" pitchFamily="34" charset="0"/>
+            </a:endParaRPr>
+          </a:p>
+        </p:txBody>
+      </p:sp>
+      <p:sp>
+        <p:nvSpPr>
+          <p:cNvPr id="3" name="Content Placeholder 2"/>
+          <p:cNvSpPr>
+            <a:spLocks noGrp="1"/>
+          </p:cNvSpPr>
+          <p:nvPr>
+            <p:ph idx="1"/>
+          </p:nvPr>
+        </p:nvSpPr>
+        <p:spPr/>
+        <p:txBody>
+          <a:bodyPr/>
+          <a:p>
+            <a:pPr>
+              <a:lnSpc>
+                <a:spcPct val="150000"/>
+              </a:lnSpc>
+            </a:pPr>
+            <a:r>
+              <a:rPr lang="en-US" altLang="en-US" sz="2800"/>
+              <a:t>Sistema di login</a:t>
+            </a:r>
+            <a:endParaRPr lang="en-US" altLang="en-US" sz="2800"/>
+          </a:p>
+          <a:p>
+            <a:pPr>
+              <a:lnSpc>
+                <a:spcPct val="150000"/>
+              </a:lnSpc>
+            </a:pPr>
+            <a:r>
+              <a:rPr lang="en-US" altLang="en-US" sz="2800"/>
+              <a:t>APIs</a:t>
+            </a:r>
+            <a:endParaRPr lang="en-US" altLang="en-US" sz="2800"/>
+          </a:p>
+          <a:p>
+            <a:pPr lvl="1">
+              <a:lnSpc>
+                <a:spcPct val="150000"/>
+              </a:lnSpc>
+            </a:pPr>
+            <a:r>
+              <a:rPr lang="en-US" altLang="en-US" sz="2400"/>
+              <a:t>Struttura + utilizzo</a:t>
+            </a:r>
+            <a:endParaRPr lang="en-US" altLang="en-US" sz="2400"/>
+          </a:p>
+          <a:p>
+            <a:pPr lvl="0">
+              <a:lnSpc>
+                <a:spcPct val="150000"/>
+              </a:lnSpc>
+            </a:pPr>
+            <a:r>
+              <a:rPr lang="en-US" altLang="en-US" sz="2800"/>
+              <a:t>Calendario</a:t>
+            </a:r>
+            <a:endParaRPr lang="en-US" altLang="en-US" sz="2800"/>
+          </a:p>
+          <a:p>
+            <a:pPr lvl="0">
+              <a:lnSpc>
+                <a:spcPct val="150000"/>
+              </a:lnSpc>
+            </a:pPr>
+            <a:r>
+              <a:rPr lang="en-US" altLang="en-US" sz="2800"/>
+              <a:t>Gestione utenti</a:t>
+            </a:r>
+            <a:endParaRPr lang="en-US" altLang="en-US" sz="2800"/>
+          </a:p>
+          <a:p>
+            <a:pPr lvl="0">
+              <a:lnSpc>
+                <a:spcPct val="150000"/>
+              </a:lnSpc>
+            </a:pPr>
+            <a:r>
+              <a:rPr lang="en-US" altLang="en-US" sz="2800"/>
+              <a:t>Raspberry</a:t>
+            </a:r>
+            <a:endParaRPr lang="en-US" altLang="en-US" sz="2800"/>
+          </a:p>
+          <a:p>
+            <a:pPr lvl="0">
+              <a:lnSpc>
+                <a:spcPct val="150000"/>
+              </a:lnSpc>
+            </a:pPr>
+            <a:r>
+              <a:rPr lang="en-US" altLang="en-US" sz="2800"/>
+              <a:t>Report</a:t>
+            </a:r>
+            <a:endParaRPr lang="en-US" altLang="en-US" sz="2800"/>
+          </a:p>
+        </p:txBody>
+      </p:sp>
+    </p:spTree>
+  </p:cSld>
+  <p:clrMapOvr>
+    <a:masterClrMapping/>
+  </p:clrMapOvr>
+</p:sld>
+</file>
+
+<file path=ppt/slides/slide13.xml><?xml version="1.0" encoding="utf-8"?>
+<p:sld xmlns:a="http://schemas.openxmlformats.org/drawingml/2006/main" xmlns:r="http://schemas.openxmlformats.org/officeDocument/2006/relationships" xmlns:p="http://schemas.openxmlformats.org/presentationml/2006/main">
+  <p:cSld>
+    <p:spTree>
+      <p:nvGrpSpPr>
+        <p:cNvPr id="1" name=""/>
+        <p:cNvGrpSpPr/>
+        <p:nvPr/>
+      </p:nvGrpSpPr>
+      <p:grpSpPr/>
+      <p:sp>
+        <p:nvSpPr>
+          <p:cNvPr id="4" name="Title 3"/>
+          <p:cNvSpPr>
+            <a:spLocks noGrp="1"/>
+          </p:cNvSpPr>
+          <p:nvPr>
+            <p:ph type="title"/>
+          </p:nvPr>
+        </p:nvSpPr>
+        <p:spPr>
+          <a:xfrm>
+            <a:off x="628650" y="2249805"/>
+            <a:ext cx="7886700" cy="1307465"/>
+          </a:xfrm>
+        </p:spPr>
+        <p:txBody>
+          <a:bodyPr/>
+          <a:p>
+            <a:pPr algn="ctr"/>
+            <a:r>
+              <a:rPr lang="en-US" altLang="en-US" b="1" dirty="0">
+                <a:latin typeface="Arial" panose="02080604020202020204" pitchFamily="34" charset="0"/>
+                <a:cs typeface="Arial" panose="02080604020202020204" pitchFamily="34" charset="0"/>
+              </a:rPr>
+              <a:t>Sistema di login</a:t>
+            </a:r>
+            <a:endParaRPr lang="en-US" altLang="en-US" b="1" dirty="0">
+              <a:latin typeface="Arial" panose="02080604020202020204" pitchFamily="34" charset="0"/>
+              <a:cs typeface="Arial" panose="02080604020202020204" pitchFamily="34" charset="0"/>
+            </a:endParaRPr>
+          </a:p>
+        </p:txBody>
+      </p:sp>
+    </p:spTree>
+  </p:cSld>
+  <p:clrMapOvr>
+    <a:masterClrMapping/>
+  </p:clrMapOvr>
+</p:sld>
+</file>
+
 <file path=ppt/slides/slide14.xml><?xml version="1.0" encoding="utf-8"?>
 <p:sld xmlns:a="http://schemas.openxmlformats.org/drawingml/2006/main" xmlns:r="http://schemas.openxmlformats.org/officeDocument/2006/relationships" xmlns:p="http://schemas.openxmlformats.org/presentationml/2006/main">
   <p:cSld>
@@ -7333,24 +7143,62 @@
         <p:nvSpPr>
           <p:cNvPr id="4" name="Title 3"/>
           <p:cNvSpPr>
-            <a:spLocks noGrp="1" noChangeArrowheads="1"/>
-          </p:cNvSpPr>
-          <p:nvPr>
-            <p:ph type="ctrTitle"/>
+            <a:spLocks noGrp="1"/>
+          </p:cNvSpPr>
+          <p:nvPr>
+            <p:ph type="title"/>
           </p:nvPr>
         </p:nvSpPr>
         <p:spPr/>
         <p:txBody>
           <a:bodyPr/>
           <a:p>
-            <a:r>
-              <a:rPr lang="" altLang="en-US"/>
-              <a:t>Implementazione</a:t>
-            </a:r>
-            <a:endParaRPr lang="" altLang="en-US"/>
-          </a:p>
-        </p:txBody>
-      </p:sp>
+            <a:pPr algn="r"/>
+            <a:r>
+              <a:rPr lang="en-US" sz="4800" b="1" dirty="0">
+                <a:latin typeface="Arial" panose="02080604020202020204" pitchFamily="34" charset="0"/>
+                <a:cs typeface="Arial" panose="02080604020202020204" pitchFamily="34" charset="0"/>
+              </a:rPr>
+              <a:t>IMPLEMENTAZIONE </a:t>
+            </a:r>
+            <a:r>
+              <a:rPr lang="en-US" sz="1200" b="1" dirty="0">
+                <a:latin typeface="Arial" panose="02080604020202020204" pitchFamily="34" charset="0"/>
+                <a:cs typeface="Arial" panose="02080604020202020204" pitchFamily="34" charset="0"/>
+              </a:rPr>
+              <a:t>(login)</a:t>
+            </a:r>
+            <a:endParaRPr lang="en-US" altLang="en-US" sz="1200" b="1" dirty="0">
+              <a:latin typeface="Arial" panose="02080604020202020204" pitchFamily="34" charset="0"/>
+              <a:cs typeface="Arial" panose="02080604020202020204" pitchFamily="34" charset="0"/>
+            </a:endParaRPr>
+          </a:p>
+        </p:txBody>
+      </p:sp>
+      <p:pic>
+        <p:nvPicPr>
+          <p:cNvPr id="8" name="Picture 7"/>
+          <p:cNvPicPr>
+            <a:picLocks noChangeAspect="1"/>
+          </p:cNvPicPr>
+          <p:nvPr/>
+        </p:nvPicPr>
+        <p:blipFill>
+          <a:blip r:embed="rId1"/>
+          <a:stretch>
+            <a:fillRect/>
+          </a:stretch>
+        </p:blipFill>
+        <p:spPr>
+          <a:xfrm>
+            <a:off x="615950" y="1518285"/>
+            <a:ext cx="7911465" cy="3388995"/>
+          </a:xfrm>
+          <a:prstGeom prst="rect">
+            <a:avLst/>
+          </a:prstGeom>
+        </p:spPr>
+      </p:pic>
     </p:spTree>
   </p:cSld>
   <p:clrMapOvr>
@@ -7371,7 +7219,7 @@
       <p:grpSpPr/>
       <p:sp>
         <p:nvSpPr>
-          <p:cNvPr id="2" name="Title 1"/>
+          <p:cNvPr id="4" name="Title 3"/>
           <p:cNvSpPr>
             <a:spLocks noGrp="1"/>
           </p:cNvSpPr>
@@ -7379,125 +7227,27 @@
             <p:ph type="title"/>
           </p:nvPr>
         </p:nvSpPr>
-        <p:spPr/>
-        <p:txBody>
-          <a:bodyPr/>
-          <a:p>
-            <a:pPr algn="r">
-              <a:buClrTx/>
-              <a:buSzTx/>
-              <a:buFontTx/>
-            </a:pPr>
-            <a:r>
-              <a:rPr lang="en-US" sz="4800" b="1" dirty="0">
+        <p:spPr>
+          <a:xfrm>
+            <a:off x="628650" y="2249805"/>
+            <a:ext cx="7886700" cy="1307465"/>
+          </a:xfrm>
+        </p:spPr>
+        <p:txBody>
+          <a:bodyPr/>
+          <a:p>
+            <a:pPr algn="ctr"/>
+            <a:r>
+              <a:rPr lang="en-US" altLang="en-US" b="1" dirty="0">
                 <a:latin typeface="Arial" panose="02080604020202020204" pitchFamily="34" charset="0"/>
                 <a:cs typeface="Arial" panose="02080604020202020204" pitchFamily="34" charset="0"/>
               </a:rPr>
-              <a:t>IMPLEMENTAZIONE</a:t>
-            </a:r>
-            <a:endParaRPr lang="en-US" sz="4800" b="1" dirty="0">
+              <a:t>APIs</a:t>
+            </a:r>
+            <a:endParaRPr lang="en-US" altLang="en-US" b="1" dirty="0">
               <a:latin typeface="Arial" panose="02080604020202020204" pitchFamily="34" charset="0"/>
               <a:cs typeface="Arial" panose="02080604020202020204" pitchFamily="34" charset="0"/>
             </a:endParaRPr>
-          </a:p>
-        </p:txBody>
-      </p:sp>
-      <p:sp>
-        <p:nvSpPr>
-          <p:cNvPr id="3" name="Content Placeholder 2"/>
-          <p:cNvSpPr>
-            <a:spLocks noGrp="1"/>
-          </p:cNvSpPr>
-          <p:nvPr>
-            <p:ph idx="1"/>
-          </p:nvPr>
-        </p:nvSpPr>
-        <p:spPr/>
-        <p:txBody>
-          <a:bodyPr/>
-          <a:p>
-            <a:pPr>
-              <a:lnSpc>
-                <a:spcPct val="150000"/>
-              </a:lnSpc>
-            </a:pPr>
-            <a:r>
-              <a:rPr lang="" altLang="en-US" sz="2800"/>
-              <a:t>Sistema di login</a:t>
-            </a:r>
-            <a:endParaRPr lang="" altLang="en-US" sz="2800"/>
-          </a:p>
-          <a:p>
-            <a:pPr>
-              <a:lnSpc>
-                <a:spcPct val="150000"/>
-              </a:lnSpc>
-            </a:pPr>
-            <a:r>
-              <a:rPr lang="" altLang="en-US" sz="2800"/>
-              <a:t>APIs</a:t>
-            </a:r>
-            <a:endParaRPr lang="" altLang="en-US" sz="2800"/>
-          </a:p>
-          <a:p>
-            <a:pPr lvl="1">
-              <a:lnSpc>
-                <a:spcPct val="150000"/>
-              </a:lnSpc>
-            </a:pPr>
-            <a:r>
-              <a:rPr lang="" altLang="en-US" sz="2400"/>
-              <a:t>Struttura + utilizzo</a:t>
-            </a:r>
-            <a:endParaRPr lang="" altLang="en-US" sz="2400"/>
-          </a:p>
-          <a:p>
-            <a:pPr lvl="0">
-              <a:lnSpc>
-                <a:spcPct val="150000"/>
-              </a:lnSpc>
-            </a:pPr>
-            <a:r>
-              <a:rPr lang="" altLang="en-US" sz="2800"/>
-              <a:t>Calendario</a:t>
-            </a:r>
-            <a:endParaRPr lang="" altLang="en-US" sz="2800"/>
-          </a:p>
-          <a:p>
-            <a:pPr lvl="0">
-              <a:lnSpc>
-                <a:spcPct val="150000"/>
-              </a:lnSpc>
-            </a:pPr>
-            <a:r>
-              <a:rPr lang="" altLang="en-US" sz="2800"/>
-              <a:t>Gestione utenti</a:t>
-            </a:r>
-            <a:endParaRPr lang="" altLang="en-US" sz="2800"/>
-          </a:p>
-          <a:p>
-            <a:pPr lvl="0">
-              <a:lnSpc>
-                <a:spcPct val="150000"/>
-              </a:lnSpc>
-            </a:pPr>
-            <a:r>
-              <a:rPr lang="" altLang="en-US" sz="2800"/>
-              <a:t>Raspberry</a:t>
-            </a:r>
-            <a:endParaRPr lang="" altLang="en-US" sz="2800"/>
-          </a:p>
-          <a:p>
-            <a:pPr lvl="0">
-              <a:lnSpc>
-                <a:spcPct val="150000"/>
-              </a:lnSpc>
-            </a:pPr>
-            <a:r>
-              <a:rPr lang="" altLang="en-US" sz="2800"/>
-              <a:t>Report</a:t>
-            </a:r>
-            <a:endParaRPr lang="" altLang="en-US" sz="2800"/>
           </a:p>
         </p:txBody>
       </p:sp>
@@ -7521,35 +7271,145 @@
       <p:grpSpPr/>
       <p:sp>
         <p:nvSpPr>
-          <p:cNvPr id="4" name="Title 3"/>
+          <p:cNvPr id="2" name="Title 1"/>
           <p:cNvSpPr>
             <a:spLocks noGrp="1"/>
           </p:cNvSpPr>
           <p:nvPr>
             <p:ph type="title"/>
+          </p:nvPr>
+        </p:nvSpPr>
+        <p:spPr/>
+        <p:txBody>
+          <a:bodyPr/>
+          <a:p>
+            <a:pPr algn="r">
+              <a:buClrTx/>
+              <a:buSzTx/>
+              <a:buFontTx/>
+            </a:pPr>
+            <a:r>
+              <a:rPr lang="en-US" sz="4400" b="1" dirty="0">
+                <a:latin typeface="Arial" panose="02080604020202020204" pitchFamily="34" charset="0"/>
+                <a:cs typeface="Arial" panose="02080604020202020204" pitchFamily="34" charset="0"/>
+              </a:rPr>
+              <a:t>IMPLEMENTAZIONE </a:t>
+            </a:r>
+            <a:r>
+              <a:rPr lang="en-US" altLang="en-US" sz="1200" b="1" dirty="0">
+                <a:latin typeface="Arial" panose="02080604020202020204" pitchFamily="34" charset="0"/>
+                <a:cs typeface="Arial" panose="02080604020202020204" pitchFamily="34" charset="0"/>
+              </a:rPr>
+              <a:t>(API)</a:t>
+            </a:r>
+            <a:endParaRPr lang="en-US" altLang="en-US" sz="1200" b="1" dirty="0">
+              <a:latin typeface="Arial" panose="02080604020202020204" pitchFamily="34" charset="0"/>
+              <a:cs typeface="Arial" panose="02080604020202020204" pitchFamily="34" charset="0"/>
+            </a:endParaRPr>
+          </a:p>
+        </p:txBody>
+      </p:sp>
+      <p:sp>
+        <p:nvSpPr>
+          <p:cNvPr id="3" name="Content Placeholder 2"/>
+          <p:cNvSpPr>
+            <a:spLocks noGrp="1"/>
+          </p:cNvSpPr>
+          <p:nvPr>
+            <p:ph idx="1"/>
           </p:nvPr>
         </p:nvSpPr>
         <p:spPr>
           <a:xfrm>
-            <a:off x="628650" y="2249805"/>
-            <a:ext cx="7886700" cy="1307465"/>
+            <a:off x="457200" y="708660"/>
+            <a:ext cx="8229600" cy="4953000"/>
           </a:xfrm>
         </p:spPr>
         <p:txBody>
           <a:bodyPr/>
           <a:p>
-            <a:pPr algn="ctr"/>
-            <a:r>
-              <a:rPr lang="" altLang="en-US" b="1" dirty="0">
-                <a:latin typeface="Arial" panose="02080604020202020204" pitchFamily="34" charset="0"/>
-                <a:cs typeface="Arial" panose="02080604020202020204" pitchFamily="34" charset="0"/>
-              </a:rPr>
-              <a:t>Sistema di login</a:t>
-            </a:r>
-            <a:endParaRPr lang="" altLang="en-US" b="1" dirty="0">
-              <a:latin typeface="Arial" panose="02080604020202020204" pitchFamily="34" charset="0"/>
-              <a:cs typeface="Arial" panose="02080604020202020204" pitchFamily="34" charset="0"/>
-            </a:endParaRPr>
+            <a:pPr>
+              <a:lnSpc>
+                <a:spcPct val="200000"/>
+              </a:lnSpc>
+            </a:pPr>
+            <a:r>
+              <a:rPr lang="en-US" altLang="en-US"/>
+              <a:t>Utilizzate per ogni operazione sui dati</a:t>
+            </a:r>
+            <a:endParaRPr lang="en-US" altLang="en-US"/>
+          </a:p>
+          <a:p>
+            <a:pPr>
+              <a:lnSpc>
+                <a:spcPct val="200000"/>
+              </a:lnSpc>
+            </a:pPr>
+            <a:r>
+              <a:rPr lang="en-US" altLang="en-US"/>
+              <a:t>Due tipi:</a:t>
+            </a:r>
+            <a:endParaRPr lang="en-US" altLang="en-US"/>
+          </a:p>
+          <a:p>
+            <a:pPr lvl="1">
+              <a:lnSpc>
+                <a:spcPct val="200000"/>
+              </a:lnSpc>
+            </a:pPr>
+            <a:r>
+              <a:rPr lang="en-US" altLang="en-US"/>
+              <a:t>Interne (</a:t>
+            </a:r>
+            <a:r>
+              <a:rPr lang="en-US" altLang="en-US" i="1"/>
+              <a:t>user + booking</a:t>
+            </a:r>
+            <a:r>
+              <a:rPr lang="en-US" altLang="en-US"/>
+              <a:t>)</a:t>
+            </a:r>
+            <a:endParaRPr lang="en-US" altLang="en-US"/>
+          </a:p>
+          <a:p>
+            <a:pPr lvl="1">
+              <a:lnSpc>
+                <a:spcPct val="200000"/>
+              </a:lnSpc>
+            </a:pPr>
+            <a:r>
+              <a:rPr lang="en-US" altLang="en-US"/>
+              <a:t>Esterne (</a:t>
+            </a:r>
+            <a:r>
+              <a:rPr lang="en-US" altLang="en-US" i="1"/>
+              <a:t>calendar</a:t>
+            </a:r>
+            <a:r>
+              <a:rPr lang="en-US" altLang="en-US"/>
+              <a:t>)</a:t>
+            </a:r>
+            <a:endParaRPr lang="en-US" altLang="en-US"/>
+          </a:p>
+          <a:p>
+            <a:pPr lvl="0">
+              <a:lnSpc>
+                <a:spcPct val="200000"/>
+              </a:lnSpc>
+            </a:pPr>
+            <a:r>
+              <a:rPr lang="en-US" altLang="en-US" sz="3200"/>
+              <a:t>JSON</a:t>
+            </a:r>
+            <a:endParaRPr lang="en-US" altLang="en-US" u="sng"/>
+          </a:p>
+          <a:p>
+            <a:pPr>
+              <a:lnSpc>
+                <a:spcPct val="150000"/>
+              </a:lnSpc>
+            </a:pPr>
+            <a:endParaRPr lang="en-US" altLang="en-US" u="sng"/>
           </a:p>
         </p:txBody>
       </p:sp>
@@ -7573,7 +7433,7 @@
       <p:grpSpPr/>
       <p:sp>
         <p:nvSpPr>
-          <p:cNvPr id="4" name="Title 3"/>
+          <p:cNvPr id="2" name="Title 1"/>
           <p:cNvSpPr>
             <a:spLocks noGrp="1"/>
           </p:cNvSpPr>
@@ -7585,20 +7445,24 @@
         <p:txBody>
           <a:bodyPr/>
           <a:p>
-            <a:pPr algn="r"/>
-            <a:r>
-              <a:rPr lang="en-US" sz="4800" b="1" dirty="0">
+            <a:pPr algn="r">
+              <a:buClrTx/>
+              <a:buSzTx/>
+              <a:buFontTx/>
+            </a:pPr>
+            <a:r>
+              <a:rPr lang="en-US" sz="4400" b="1" dirty="0">
                 <a:latin typeface="Arial" panose="02080604020202020204" pitchFamily="34" charset="0"/>
                 <a:cs typeface="Arial" panose="02080604020202020204" pitchFamily="34" charset="0"/>
               </a:rPr>
               <a:t>IMPLEMENTAZIONE </a:t>
             </a:r>
             <a:r>
-              <a:rPr lang="en-US" sz="1200" b="1" dirty="0">
+              <a:rPr lang="en-US" altLang="en-US" sz="1200" b="1" dirty="0">
                 <a:latin typeface="Arial" panose="02080604020202020204" pitchFamily="34" charset="0"/>
                 <a:cs typeface="Arial" panose="02080604020202020204" pitchFamily="34" charset="0"/>
               </a:rPr>
-              <a:t>(login)</a:t>
+              <a:t>(API)</a:t>
             </a:r>
             <a:endParaRPr lang="en-US" altLang="en-US" sz="1200" b="1" dirty="0">
               <a:latin typeface="Arial" panose="02080604020202020204" pitchFamily="34" charset="0"/>
@@ -7607,30 +7471,175 @@
           </a:p>
         </p:txBody>
       </p:sp>
-      <p:pic>
-        <p:nvPicPr>
-          <p:cNvPr id="8" name="Picture 7"/>
-          <p:cNvPicPr>
-            <a:picLocks noChangeAspect="1"/>
-          </p:cNvPicPr>
-          <p:nvPr/>
-        </p:nvPicPr>
-        <p:blipFill>
-          <a:blip r:embed="rId1"/>
-          <a:stretch>
-            <a:fillRect/>
-          </a:stretch>
-        </p:blipFill>
+      <p:sp>
+        <p:nvSpPr>
+          <p:cNvPr id="3" name="Content Placeholder 2"/>
+          <p:cNvSpPr>
+            <a:spLocks noGrp="1"/>
+          </p:cNvSpPr>
+          <p:nvPr>
+            <p:ph idx="1"/>
+          </p:nvPr>
+        </p:nvSpPr>
         <p:spPr>
           <a:xfrm>
-            <a:off x="616585" y="1585595"/>
-            <a:ext cx="7911465" cy="3388995"/>
+            <a:off x="457200" y="1149985"/>
+            <a:ext cx="8229600" cy="4953000"/>
           </a:xfrm>
-          <a:prstGeom prst="rect">
-            <a:avLst/>
-          </a:prstGeom>
         </p:spPr>
-      </p:pic>
+        <p:txBody>
+          <a:bodyPr/>
+          <a:p>
+            <a:pPr>
+              <a:lnSpc>
+                <a:spcPct val="100000"/>
+              </a:lnSpc>
+            </a:pPr>
+            <a:r>
+              <a:rPr lang="en-US" altLang="en-US"/>
+              <a:t>Interne:</a:t>
+            </a:r>
+            <a:endParaRPr lang="en-US" altLang="en-US"/>
+          </a:p>
+          <a:p>
+            <a:pPr lvl="1">
+              <a:lnSpc>
+                <a:spcPct val="100000"/>
+              </a:lnSpc>
+            </a:pPr>
+            <a:r>
+              <a:rPr lang="en-US" altLang="en-US"/>
+              <a:t>User</a:t>
+            </a:r>
+            <a:endParaRPr lang="en-US" altLang="en-US"/>
+          </a:p>
+          <a:p>
+            <a:pPr lvl="2">
+              <a:lnSpc>
+                <a:spcPct val="100000"/>
+              </a:lnSpc>
+            </a:pPr>
+            <a:r>
+              <a:rPr lang="en-US" altLang="en-US"/>
+              <a:t>Add, Remove, Update, Promote</a:t>
+            </a:r>
+            <a:endParaRPr lang="en-US" altLang="en-US"/>
+          </a:p>
+          <a:p>
+            <a:pPr lvl="1">
+              <a:lnSpc>
+                <a:spcPct val="100000"/>
+              </a:lnSpc>
+            </a:pPr>
+            <a:r>
+              <a:rPr lang="en-US" altLang="en-US"/>
+              <a:t>Booking</a:t>
+            </a:r>
+            <a:endParaRPr lang="en-US" altLang="en-US"/>
+          </a:p>
+          <a:p>
+            <a:pPr lvl="2">
+              <a:lnSpc>
+                <a:spcPct val="100000"/>
+              </a:lnSpc>
+            </a:pPr>
+            <a:r>
+              <a:rPr lang="en-US" altLang="en-US"/>
+              <a:t>Add, Remove, Update</a:t>
+            </a:r>
+            <a:endParaRPr lang="en-US" altLang="en-US"/>
+          </a:p>
+          <a:p>
+            <a:pPr lvl="0">
+              <a:lnSpc>
+                <a:spcPct val="100000"/>
+              </a:lnSpc>
+            </a:pPr>
+            <a:r>
+              <a:rPr lang="en-US" altLang="en-US"/>
+              <a:t>Esterne </a:t>
+            </a:r>
+            <a:r>
+              <a:rPr lang="en-US" altLang="en-US" sz="1600"/>
+              <a:t>(con autenticazione tramite </a:t>
+            </a:r>
+            <a:r>
+              <a:rPr lang="en-US" altLang="en-US" sz="1600" i="1"/>
+              <a:t>token</a:t>
+            </a:r>
+            <a:r>
+              <a:rPr lang="en-US" altLang="en-US" sz="1600"/>
+              <a:t>)</a:t>
+            </a:r>
+            <a:endParaRPr lang="en-US" altLang="en-US"/>
+          </a:p>
+          <a:p>
+            <a:pPr lvl="1">
+              <a:lnSpc>
+                <a:spcPct val="100000"/>
+              </a:lnSpc>
+            </a:pPr>
+            <a:r>
+              <a:rPr lang="en-US" altLang="en-US"/>
+              <a:t>Calendar</a:t>
+            </a:r>
+            <a:endParaRPr lang="en-US" altLang="en-US"/>
+          </a:p>
+          <a:p>
+            <a:pPr lvl="2">
+              <a:lnSpc>
+                <a:spcPct val="100000"/>
+              </a:lnSpc>
+            </a:pPr>
+            <a:r>
+              <a:rPr lang="en-US" altLang="en-US"/>
+              <a:t>Get (A): </a:t>
+            </a:r>
+            <a:r>
+              <a:rPr lang="en-US" altLang="en-US" sz="1800">
+                <a:solidFill>
+                  <a:srgbClr val="E17925"/>
+                </a:solidFill>
+                <a:sym typeface="+mn-ea"/>
+              </a:rPr>
+              <a:t>Tutte le prenotazioni</a:t>
+            </a:r>
+            <a:endParaRPr lang="en-US" altLang="en-US"/>
+          </a:p>
+          <a:p>
+            <a:pPr lvl="2">
+              <a:lnSpc>
+                <a:spcPct val="100000"/>
+              </a:lnSpc>
+            </a:pPr>
+            <a:r>
+              <a:rPr lang="en-US" altLang="en-US"/>
+              <a:t>Get (B): </a:t>
+            </a:r>
+            <a:r>
+              <a:rPr lang="en-US" altLang="en-US" sz="1800">
+                <a:solidFill>
+                  <a:srgbClr val="E17925"/>
+                </a:solidFill>
+              </a:rPr>
+              <a:t>Tutte le prenotazioni </a:t>
+            </a:r>
+            <a:r>
+              <a:rPr lang="en-US" altLang="en-US" sz="1800" b="1">
+                <a:solidFill>
+                  <a:srgbClr val="E17925"/>
+                </a:solidFill>
+              </a:rPr>
+              <a:t>della giornata</a:t>
+            </a:r>
+            <a:endParaRPr lang="en-US" altLang="en-US">
+              <a:solidFill>
+                <a:schemeClr val="tx1"/>
+              </a:solidFill>
+            </a:endParaRPr>
+          </a:p>
+        </p:txBody>
+      </p:sp>
     </p:spTree>
   </p:cSld>
   <p:clrMapOvr>
@@ -7651,34 +7660,459 @@
       <p:grpSpPr/>
       <p:sp>
         <p:nvSpPr>
-          <p:cNvPr id="4" name="Title 3"/>
+          <p:cNvPr id="2" name="Title 1"/>
           <p:cNvSpPr>
             <a:spLocks noGrp="1"/>
           </p:cNvSpPr>
           <p:nvPr>
             <p:ph type="title"/>
+          </p:nvPr>
+        </p:nvSpPr>
+        <p:spPr/>
+        <p:txBody>
+          <a:bodyPr/>
+          <a:p>
+            <a:pPr algn="r">
+              <a:buClrTx/>
+              <a:buSzTx/>
+              <a:buFontTx/>
+            </a:pPr>
+            <a:r>
+              <a:rPr lang="en-US" sz="4400" b="1" dirty="0">
+                <a:latin typeface="Arial" panose="02080604020202020204" pitchFamily="34" charset="0"/>
+                <a:cs typeface="Arial" panose="02080604020202020204" pitchFamily="34" charset="0"/>
+              </a:rPr>
+              <a:t>IMPLEMENTAZIONE </a:t>
+            </a:r>
+            <a:r>
+              <a:rPr lang="en-US" altLang="en-US" sz="1200" b="1" dirty="0">
+                <a:latin typeface="Arial" panose="02080604020202020204" pitchFamily="34" charset="0"/>
+                <a:cs typeface="Arial" panose="02080604020202020204" pitchFamily="34" charset="0"/>
+              </a:rPr>
+              <a:t>(API)</a:t>
+            </a:r>
+            <a:endParaRPr lang="en-US" altLang="en-US" sz="1200" b="1" dirty="0">
+              <a:latin typeface="Arial" panose="02080604020202020204" pitchFamily="34" charset="0"/>
+              <a:cs typeface="Arial" panose="02080604020202020204" pitchFamily="34" charset="0"/>
+            </a:endParaRPr>
+          </a:p>
+        </p:txBody>
+      </p:sp>
+      <p:sp>
+        <p:nvSpPr>
+          <p:cNvPr id="3" name="Content Placeholder 2"/>
+          <p:cNvSpPr>
+            <a:spLocks noGrp="1"/>
+          </p:cNvSpPr>
+          <p:nvPr>
+            <p:ph idx="1"/>
           </p:nvPr>
         </p:nvSpPr>
         <p:spPr>
           <a:xfrm>
-            <a:off x="628650" y="2249805"/>
-            <a:ext cx="7886700" cy="1307465"/>
+            <a:off x="457200" y="1149985"/>
+            <a:ext cx="8229600" cy="4953000"/>
           </a:xfrm>
         </p:spPr>
         <p:txBody>
           <a:bodyPr/>
           <a:p>
-            <a:pPr algn="ctr"/>
-            <a:r>
-              <a:rPr lang="" altLang="en-US" b="1" dirty="0">
-                <a:latin typeface="Arial" panose="02080604020202020204" pitchFamily="34" charset="0"/>
-                <a:cs typeface="Arial" panose="02080604020202020204" pitchFamily="34" charset="0"/>
-              </a:rPr>
-              <a:t>APIs</a:t>
-            </a:r>
-            <a:endParaRPr lang="" altLang="en-US" b="1" dirty="0">
-              <a:latin typeface="Arial" panose="02080604020202020204" pitchFamily="34" charset="0"/>
-              <a:cs typeface="Arial" panose="02080604020202020204" pitchFamily="34" charset="0"/>
+            <a:pPr marL="0" indent="0">
+              <a:lnSpc>
+                <a:spcPct val="100000"/>
+              </a:lnSpc>
+              <a:buNone/>
+            </a:pPr>
+            <a:r>
+              <a:rPr lang="en-US" altLang="en-US" sz="1400">
+                <a:solidFill>
+                  <a:schemeClr val="tx1"/>
+                </a:solidFill>
+              </a:rPr>
+              <a:t>[ </a:t>
+            </a:r>
+            <a:endParaRPr lang="en-US" altLang="en-US" sz="1400">
+              <a:solidFill>
+                <a:schemeClr val="tx1"/>
+              </a:solidFill>
+            </a:endParaRPr>
+          </a:p>
+          <a:p>
+            <a:pPr marL="0" indent="0">
+              <a:lnSpc>
+                <a:spcPct val="100000"/>
+              </a:lnSpc>
+              <a:buNone/>
+            </a:pPr>
+            <a:r>
+              <a:rPr lang="en-US" altLang="en-US" sz="1400">
+                <a:solidFill>
+                  <a:schemeClr val="tx1"/>
+                </a:solidFill>
+              </a:rPr>
+              <a:t>   { </a:t>
+            </a:r>
+            <a:endParaRPr lang="en-US" altLang="en-US" sz="1400">
+              <a:solidFill>
+                <a:schemeClr val="tx1"/>
+              </a:solidFill>
+            </a:endParaRPr>
+          </a:p>
+          <a:p>
+            <a:pPr marL="0" indent="0">
+              <a:lnSpc>
+                <a:spcPct val="100000"/>
+              </a:lnSpc>
+              <a:buNone/>
+            </a:pPr>
+            <a:r>
+              <a:rPr lang="en-US" altLang="en-US" sz="1400">
+                <a:solidFill>
+                  <a:schemeClr val="tx1"/>
+                </a:solidFill>
+              </a:rPr>
+              <a:t>      "id":226,</a:t>
+            </a:r>
+            <a:endParaRPr lang="en-US" altLang="en-US" sz="1400">
+              <a:solidFill>
+                <a:schemeClr val="tx1"/>
+              </a:solidFill>
+            </a:endParaRPr>
+          </a:p>
+          <a:p>
+            <a:pPr marL="0" indent="0">
+              <a:lnSpc>
+                <a:spcPct val="100000"/>
+              </a:lnSpc>
+              <a:buNone/>
+            </a:pPr>
+            <a:r>
+              <a:rPr lang="en-US" altLang="en-US" sz="1400">
+                <a:solidFill>
+                  <a:schemeClr val="tx1"/>
+                </a:solidFill>
+              </a:rPr>
+              <a:t>      "title":"luca.admin",</a:t>
+            </a:r>
+            <a:endParaRPr lang="en-US" altLang="en-US" sz="1400">
+              <a:solidFill>
+                <a:schemeClr val="tx1"/>
+              </a:solidFill>
+            </a:endParaRPr>
+          </a:p>
+          <a:p>
+            <a:pPr marL="0" indent="0">
+              <a:lnSpc>
+                <a:spcPct val="100000"/>
+              </a:lnSpc>
+              <a:buNone/>
+            </a:pPr>
+            <a:r>
+              <a:rPr lang="en-US" altLang="en-US" sz="1400">
+                <a:solidFill>
+                  <a:schemeClr val="tx1"/>
+                </a:solidFill>
+              </a:rPr>
+              <a:t>      "start":"2019-12-23T19:00:00+01:00",</a:t>
+            </a:r>
+            <a:endParaRPr lang="en-US" altLang="en-US" sz="1400">
+              <a:solidFill>
+                <a:schemeClr val="tx1"/>
+              </a:solidFill>
+            </a:endParaRPr>
+          </a:p>
+          <a:p>
+            <a:pPr marL="0" indent="0">
+              <a:lnSpc>
+                <a:spcPct val="100000"/>
+              </a:lnSpc>
+              <a:buNone/>
+            </a:pPr>
+            <a:r>
+              <a:rPr lang="en-US" altLang="en-US" sz="1400">
+                <a:solidFill>
+                  <a:schemeClr val="tx1"/>
+                </a:solidFill>
+              </a:rPr>
+              <a:t>      "end":"2019-12-23T19:15:00+01:00",</a:t>
+            </a:r>
+            <a:endParaRPr lang="en-US" altLang="en-US" sz="1400">
+              <a:solidFill>
+                <a:schemeClr val="tx1"/>
+              </a:solidFill>
+            </a:endParaRPr>
+          </a:p>
+          <a:p>
+            <a:pPr marL="0" indent="0">
+              <a:lnSpc>
+                <a:spcPct val="100000"/>
+              </a:lnSpc>
+              <a:buNone/>
+            </a:pPr>
+            <a:r>
+              <a:rPr lang="en-US" altLang="en-US" sz="1400">
+                <a:solidFill>
+                  <a:schemeClr val="tx1"/>
+                </a:solidFill>
+              </a:rPr>
+              <a:t>      "note":"Colloquio",</a:t>
+            </a:r>
+            <a:endParaRPr lang="en-US" altLang="en-US" sz="1400">
+              <a:solidFill>
+                <a:schemeClr val="tx1"/>
+              </a:solidFill>
+            </a:endParaRPr>
+          </a:p>
+          <a:p>
+            <a:pPr marL="0" indent="0">
+              <a:lnSpc>
+                <a:spcPct val="100000"/>
+              </a:lnSpc>
+              <a:buNone/>
+            </a:pPr>
+            <a:r>
+              <a:rPr lang="en-US" altLang="en-US" sz="1400">
+                <a:solidFill>
+                  <a:schemeClr val="tx1"/>
+                </a:solidFill>
+              </a:rPr>
+              <a:t>      "professor":"luca.admin"</a:t>
+            </a:r>
+            <a:endParaRPr lang="en-US" altLang="en-US" sz="1400">
+              <a:solidFill>
+                <a:schemeClr val="tx1"/>
+              </a:solidFill>
+            </a:endParaRPr>
+          </a:p>
+          <a:p>
+            <a:pPr marL="0" indent="0">
+              <a:lnSpc>
+                <a:spcPct val="100000"/>
+              </a:lnSpc>
+              <a:buNone/>
+            </a:pPr>
+            <a:r>
+              <a:rPr lang="en-US" altLang="en-US" sz="1400">
+                <a:solidFill>
+                  <a:schemeClr val="tx1"/>
+                </a:solidFill>
+              </a:rPr>
+              <a:t>   },</a:t>
+            </a:r>
+            <a:endParaRPr lang="en-US" altLang="en-US" sz="1400">
+              <a:solidFill>
+                <a:schemeClr val="tx1"/>
+              </a:solidFill>
+            </a:endParaRPr>
+          </a:p>
+          <a:p>
+            <a:pPr marL="0" indent="0">
+              <a:lnSpc>
+                <a:spcPct val="100000"/>
+              </a:lnSpc>
+              <a:buNone/>
+            </a:pPr>
+            <a:r>
+              <a:rPr lang="en-US" altLang="en-US" sz="1400">
+                <a:solidFill>
+                  <a:schemeClr val="tx1"/>
+                </a:solidFill>
+              </a:rPr>
+              <a:t>   { </a:t>
+            </a:r>
+            <a:endParaRPr lang="en-US" altLang="en-US" sz="1400">
+              <a:solidFill>
+                <a:schemeClr val="tx1"/>
+              </a:solidFill>
+            </a:endParaRPr>
+          </a:p>
+          <a:p>
+            <a:pPr marL="0" indent="0">
+              <a:lnSpc>
+                <a:spcPct val="100000"/>
+              </a:lnSpc>
+              <a:buNone/>
+            </a:pPr>
+            <a:r>
+              <a:rPr lang="en-US" altLang="en-US" sz="1400">
+                <a:solidFill>
+                  <a:schemeClr val="tx1"/>
+                </a:solidFill>
+              </a:rPr>
+              <a:t>      "id":224,</a:t>
+            </a:r>
+            <a:endParaRPr lang="en-US" altLang="en-US" sz="1400">
+              <a:solidFill>
+                <a:schemeClr val="tx1"/>
+              </a:solidFill>
+            </a:endParaRPr>
+          </a:p>
+          <a:p>
+            <a:pPr marL="0" indent="0">
+              <a:lnSpc>
+                <a:spcPct val="100000"/>
+              </a:lnSpc>
+              <a:buNone/>
+            </a:pPr>
+            <a:r>
+              <a:rPr lang="en-US" altLang="en-US" sz="1400">
+                <a:solidFill>
+                  <a:schemeClr val="tx1"/>
+                </a:solidFill>
+              </a:rPr>
+              <a:t>      "title":"luca.admin",</a:t>
+            </a:r>
+            <a:endParaRPr lang="en-US" altLang="en-US" sz="1400">
+              <a:solidFill>
+                <a:schemeClr val="tx1"/>
+              </a:solidFill>
+            </a:endParaRPr>
+          </a:p>
+          <a:p>
+            <a:pPr marL="0" indent="0">
+              <a:lnSpc>
+                <a:spcPct val="100000"/>
+              </a:lnSpc>
+              <a:buNone/>
+            </a:pPr>
+            <a:r>
+              <a:rPr lang="en-US" altLang="en-US" sz="1400">
+                <a:solidFill>
+                  <a:schemeClr val="tx1"/>
+                </a:solidFill>
+              </a:rPr>
+              <a:t>      "start":"2019-12-24T07:45:00+01:00",</a:t>
+            </a:r>
+            <a:endParaRPr lang="en-US" altLang="en-US" sz="1400">
+              <a:solidFill>
+                <a:schemeClr val="tx1"/>
+              </a:solidFill>
+            </a:endParaRPr>
+          </a:p>
+          <a:p>
+            <a:pPr marL="0" indent="0">
+              <a:lnSpc>
+                <a:spcPct val="100000"/>
+              </a:lnSpc>
+              <a:buNone/>
+            </a:pPr>
+            <a:r>
+              <a:rPr lang="en-US" altLang="en-US" sz="1400">
+                <a:solidFill>
+                  <a:schemeClr val="tx1"/>
+                </a:solidFill>
+              </a:rPr>
+              <a:t>      "end":"2019-12-24T09:30:00+01:00",</a:t>
+            </a:r>
+            <a:endParaRPr lang="en-US" altLang="en-US" sz="1400">
+              <a:solidFill>
+                <a:schemeClr val="tx1"/>
+              </a:solidFill>
+            </a:endParaRPr>
+          </a:p>
+          <a:p>
+            <a:pPr marL="0" indent="0">
+              <a:lnSpc>
+                <a:spcPct val="100000"/>
+              </a:lnSpc>
+              <a:buNone/>
+            </a:pPr>
+            <a:r>
+              <a:rPr lang="en-US" altLang="en-US" sz="1400">
+                <a:solidFill>
+                  <a:schemeClr val="tx1"/>
+                </a:solidFill>
+              </a:rPr>
+              <a:t>      "note":null,</a:t>
+            </a:r>
+            <a:endParaRPr lang="en-US" altLang="en-US" sz="1400">
+              <a:solidFill>
+                <a:schemeClr val="tx1"/>
+              </a:solidFill>
+            </a:endParaRPr>
+          </a:p>
+          <a:p>
+            <a:pPr marL="0" indent="0">
+              <a:lnSpc>
+                <a:spcPct val="100000"/>
+              </a:lnSpc>
+              <a:buNone/>
+            </a:pPr>
+            <a:r>
+              <a:rPr lang="en-US" altLang="en-US" sz="1400">
+                <a:solidFill>
+                  <a:schemeClr val="tx1"/>
+                </a:solidFill>
+              </a:rPr>
+              <a:t>      "professor":"luca.admin"</a:t>
+            </a:r>
+            <a:endParaRPr lang="en-US" altLang="en-US" sz="1400">
+              <a:solidFill>
+                <a:schemeClr val="tx1"/>
+              </a:solidFill>
+            </a:endParaRPr>
+          </a:p>
+          <a:p>
+            <a:pPr marL="0" indent="0">
+              <a:lnSpc>
+                <a:spcPct val="100000"/>
+              </a:lnSpc>
+              <a:buNone/>
+            </a:pPr>
+            <a:r>
+              <a:rPr lang="en-US" altLang="en-US" sz="1400">
+                <a:solidFill>
+                  <a:schemeClr val="tx1"/>
+                </a:solidFill>
+              </a:rPr>
+              <a:t>   },</a:t>
+            </a:r>
+            <a:endParaRPr lang="en-US" altLang="en-US" sz="1400">
+              <a:solidFill>
+                <a:schemeClr val="tx1"/>
+              </a:solidFill>
+            </a:endParaRPr>
+          </a:p>
+          <a:p>
+            <a:pPr marL="0" indent="0">
+              <a:lnSpc>
+                <a:spcPct val="100000"/>
+              </a:lnSpc>
+              <a:buNone/>
+            </a:pPr>
+            <a:r>
+              <a:rPr lang="en-US" altLang="en-US" sz="1400">
+                <a:solidFill>
+                  <a:schemeClr val="tx1"/>
+                </a:solidFill>
+              </a:rPr>
+              <a:t>   . . .</a:t>
+            </a:r>
+            <a:endParaRPr lang="en-US" altLang="en-US" sz="1400">
+              <a:solidFill>
+                <a:schemeClr val="tx1"/>
+              </a:solidFill>
+            </a:endParaRPr>
+          </a:p>
+          <a:p>
+            <a:pPr marL="0" indent="0">
+              <a:lnSpc>
+                <a:spcPct val="100000"/>
+              </a:lnSpc>
+              <a:buNone/>
+            </a:pPr>
+            <a:r>
+              <a:rPr lang="en-US" altLang="en-US" sz="1400">
+                <a:solidFill>
+                  <a:schemeClr val="tx1"/>
+                </a:solidFill>
+              </a:rPr>
+              <a:t>]</a:t>
+            </a:r>
+            <a:endParaRPr lang="en-US" altLang="en-US" sz="1400">
+              <a:solidFill>
+                <a:schemeClr val="tx1"/>
+              </a:solidFill>
             </a:endParaRPr>
           </a:p>
         </p:txBody>
@@ -7703,7 +8137,7 @@
       <p:grpSpPr/>
       <p:sp>
         <p:nvSpPr>
-          <p:cNvPr id="2" name="Title 1"/>
+          <p:cNvPr id="4" name="Title 3"/>
           <p:cNvSpPr>
             <a:spLocks noGrp="1"/>
           </p:cNvSpPr>
@@ -7711,137 +8145,27 @@
             <p:ph type="title"/>
           </p:nvPr>
         </p:nvSpPr>
-        <p:spPr/>
-        <p:txBody>
-          <a:bodyPr/>
-          <a:p>
-            <a:pPr algn="r">
-              <a:buClrTx/>
-              <a:buSzTx/>
-              <a:buFontTx/>
-            </a:pPr>
-            <a:r>
-              <a:rPr lang="en-US" sz="4400" b="1" dirty="0">
+        <p:spPr>
+          <a:xfrm>
+            <a:off x="628650" y="2249805"/>
+            <a:ext cx="7886700" cy="1307465"/>
+          </a:xfrm>
+        </p:spPr>
+        <p:txBody>
+          <a:bodyPr/>
+          <a:p>
+            <a:pPr algn="ctr"/>
+            <a:r>
+              <a:rPr lang="en-US" altLang="en-US" b="1" dirty="0">
                 <a:latin typeface="Arial" panose="02080604020202020204" pitchFamily="34" charset="0"/>
                 <a:cs typeface="Arial" panose="02080604020202020204" pitchFamily="34" charset="0"/>
               </a:rPr>
-              <a:t>IMPLEMENTAZIONE </a:t>
-            </a:r>
-            <a:r>
-              <a:rPr lang="" altLang="en-US" sz="1200" b="1" dirty="0">
-                <a:latin typeface="Arial" panose="02080604020202020204" pitchFamily="34" charset="0"/>
-                <a:cs typeface="Arial" panose="02080604020202020204" pitchFamily="34" charset="0"/>
-              </a:rPr>
-              <a:t>(API)</a:t>
-            </a:r>
-            <a:endParaRPr lang="" altLang="en-US" sz="1200" b="1" dirty="0">
+              <a:t>Calendario</a:t>
+            </a:r>
+            <a:endParaRPr lang="en-US" altLang="en-US" b="1" dirty="0">
               <a:latin typeface="Arial" panose="02080604020202020204" pitchFamily="34" charset="0"/>
               <a:cs typeface="Arial" panose="02080604020202020204" pitchFamily="34" charset="0"/>
             </a:endParaRPr>
-          </a:p>
-        </p:txBody>
-      </p:sp>
-      <p:sp>
-        <p:nvSpPr>
-          <p:cNvPr id="3" name="Content Placeholder 2"/>
-          <p:cNvSpPr>
-            <a:spLocks noGrp="1"/>
-          </p:cNvSpPr>
-          <p:nvPr>
-            <p:ph idx="1"/>
-          </p:nvPr>
-        </p:nvSpPr>
-        <p:spPr>
-          <a:xfrm>
-            <a:off x="457200" y="708660"/>
-            <a:ext cx="8229600" cy="4953000"/>
-          </a:xfrm>
-        </p:spPr>
-        <p:txBody>
-          <a:bodyPr/>
-          <a:p>
-            <a:pPr>
-              <a:lnSpc>
-                <a:spcPct val="200000"/>
-              </a:lnSpc>
-            </a:pPr>
-            <a:r>
-              <a:rPr lang="" altLang="en-US"/>
-              <a:t>Utilizzate per ogni operazione sui dati</a:t>
-            </a:r>
-            <a:endParaRPr lang="" altLang="en-US"/>
-          </a:p>
-          <a:p>
-            <a:pPr>
-              <a:lnSpc>
-                <a:spcPct val="200000"/>
-              </a:lnSpc>
-            </a:pPr>
-            <a:r>
-              <a:rPr lang="" altLang="en-US"/>
-              <a:t>Due tipi:</a:t>
-            </a:r>
-            <a:endParaRPr lang="" altLang="en-US"/>
-          </a:p>
-          <a:p>
-            <a:pPr lvl="1">
-              <a:lnSpc>
-                <a:spcPct val="200000"/>
-              </a:lnSpc>
-            </a:pPr>
-            <a:r>
-              <a:rPr lang="" altLang="en-US"/>
-              <a:t>Interne (</a:t>
-            </a:r>
-            <a:r>
-              <a:rPr lang="" altLang="en-US" i="1"/>
-              <a:t>user + booking</a:t>
-            </a:r>
-            <a:r>
-              <a:rPr lang="" altLang="en-US"/>
-              <a:t>)</a:t>
-            </a:r>
-            <a:endParaRPr lang="" altLang="en-US"/>
-          </a:p>
-          <a:p>
-            <a:pPr lvl="1">
-              <a:lnSpc>
-                <a:spcPct val="200000"/>
-              </a:lnSpc>
-            </a:pPr>
-            <a:r>
-              <a:rPr lang="" altLang="en-US"/>
-              <a:t>Esterne (</a:t>
-            </a:r>
-            <a:r>
-              <a:rPr lang="" altLang="en-US" i="1"/>
-              <a:t>calendar</a:t>
-            </a:r>
-            <a:r>
-              <a:rPr lang="" altLang="en-US"/>
-              <a:t>)</a:t>
-            </a:r>
-            <a:endParaRPr lang="" altLang="en-US"/>
-          </a:p>
-          <a:p>
-            <a:pPr lvl="0">
-              <a:lnSpc>
-                <a:spcPct val="200000"/>
-              </a:lnSpc>
-            </a:pPr>
-            <a:r>
-              <a:rPr lang="" altLang="en-US" sz="3200"/>
-              <a:t>JSON</a:t>
-            </a:r>
-            <a:endParaRPr lang="" altLang="en-US" u="sng"/>
-          </a:p>
-          <a:p>
-            <a:pPr>
-              <a:lnSpc>
-                <a:spcPct val="150000"/>
-              </a:lnSpc>
-            </a:pPr>
-            <a:endParaRPr lang="" altLang="en-US" u="sng"/>
           </a:p>
         </p:txBody>
       </p:sp>
@@ -8015,7 +8339,7 @@
                 <a:latin typeface="Arial" panose="02080604020202020204" pitchFamily="34" charset="0"/>
                 <a:cs typeface="Arial" panose="02080604020202020204" pitchFamily="34" charset="0"/>
               </a:rPr>
-              <a:t>(API)</a:t>
+              <a:t>(calendario)</a:t>
             </a:r>
             <a:endParaRPr lang="en-US" altLang="en-US" sz="1200" b="1" dirty="0">
               <a:latin typeface="Arial" panose="02080604020202020204" pitchFamily="34" charset="0"/>
@@ -8036,7 +8360,7 @@
         </p:nvSpPr>
         <p:spPr>
           <a:xfrm>
-            <a:off x="457200" y="1149985"/>
+            <a:off x="457200" y="833755"/>
             <a:ext cx="8229600" cy="4953000"/>
           </a:xfrm>
         </p:spPr>
@@ -8045,147 +8369,259 @@
           <a:p>
             <a:pPr>
               <a:lnSpc>
-                <a:spcPct val="100000"/>
+                <a:spcPct val="150000"/>
               </a:lnSpc>
             </a:pPr>
             <a:r>
-              <a:rPr lang="" altLang="en-US"/>
-              <a:t>Interne:</a:t>
-            </a:r>
-            <a:endParaRPr lang="" altLang="en-US"/>
-          </a:p>
-          <a:p>
-            <a:pPr lvl="1">
-              <a:lnSpc>
-                <a:spcPct val="100000"/>
-              </a:lnSpc>
-            </a:pPr>
-            <a:r>
-              <a:rPr lang="" altLang="en-US"/>
-              <a:t>User</a:t>
-            </a:r>
-            <a:endParaRPr lang="" altLang="en-US"/>
-          </a:p>
-          <a:p>
-            <a:pPr lvl="2">
-              <a:lnSpc>
-                <a:spcPct val="100000"/>
-              </a:lnSpc>
-            </a:pPr>
-            <a:r>
-              <a:rPr lang="" altLang="en-US"/>
-              <a:t>Add, Remove, Update, Promote</a:t>
-            </a:r>
-            <a:endParaRPr lang="" altLang="en-US"/>
-          </a:p>
-          <a:p>
-            <a:pPr lvl="1">
-              <a:lnSpc>
-                <a:spcPct val="100000"/>
-              </a:lnSpc>
-            </a:pPr>
-            <a:r>
-              <a:rPr lang="" altLang="en-US"/>
-              <a:t>Booking</a:t>
-            </a:r>
-            <a:endParaRPr lang="" altLang="en-US"/>
-          </a:p>
-          <a:p>
-            <a:pPr lvl="2">
-              <a:lnSpc>
-                <a:spcPct val="100000"/>
-              </a:lnSpc>
-            </a:pPr>
-            <a:r>
-              <a:rPr lang="" altLang="en-US"/>
-              <a:t>Add, Remove, Update</a:t>
-            </a:r>
-            <a:endParaRPr lang="" altLang="en-US"/>
-          </a:p>
-          <a:p>
-            <a:pPr lvl="0">
-              <a:lnSpc>
-                <a:spcPct val="100000"/>
-              </a:lnSpc>
-            </a:pPr>
-            <a:r>
-              <a:rPr lang="" altLang="en-US"/>
-              <a:t>Esterne </a:t>
-            </a:r>
-            <a:r>
-              <a:rPr lang="" altLang="en-US" sz="1600"/>
-              <a:t>(con autenticazione tramite </a:t>
-            </a:r>
-            <a:r>
-              <a:rPr lang="" altLang="en-US" sz="1600" i="1"/>
-              <a:t>token</a:t>
-            </a:r>
-            <a:r>
-              <a:rPr lang="" altLang="en-US" sz="1600"/>
-              <a:t>)</a:t>
-            </a:r>
-            <a:endParaRPr lang="" altLang="en-US"/>
-          </a:p>
-          <a:p>
-            <a:pPr lvl="1">
-              <a:lnSpc>
-                <a:spcPct val="100000"/>
-              </a:lnSpc>
-            </a:pPr>
-            <a:r>
-              <a:rPr lang="" altLang="en-US"/>
-              <a:t>Calendar</a:t>
-            </a:r>
-            <a:endParaRPr lang="" altLang="en-US"/>
-          </a:p>
-          <a:p>
-            <a:pPr lvl="2">
-              <a:lnSpc>
-                <a:spcPct val="100000"/>
-              </a:lnSpc>
-            </a:pPr>
-            <a:r>
-              <a:rPr lang="" altLang="en-US"/>
-              <a:t>Get (A): </a:t>
-            </a:r>
-            <a:r>
-              <a:rPr lang="en-US" altLang="en-US" sz="1800">
+              <a:rPr lang="en-US" altLang="en-US" sz="2000">
+                <a:sym typeface="+mn-ea"/>
+              </a:rPr>
+              <a:t>Libreria utilizzata: </a:t>
+            </a:r>
+            <a:r>
+              <a:rPr lang="en-US" altLang="en-US" sz="2000" b="1">
                 <a:solidFill>
                   <a:srgbClr val="E17925"/>
                 </a:solidFill>
                 <a:sym typeface="+mn-ea"/>
               </a:rPr>
-              <a:t>Tutte le prenotazioni</a:t>
-            </a:r>
-            <a:endParaRPr lang="" altLang="en-US"/>
-          </a:p>
-          <a:p>
-            <a:pPr lvl="2">
+              <a:t>FullCalendar</a:t>
+            </a:r>
+            <a:endParaRPr lang="en-US" altLang="en-US" sz="2000" b="1">
+              <a:sym typeface="+mn-ea"/>
+            </a:endParaRPr>
+          </a:p>
+          <a:p>
+            <a:pPr lvl="1">
               <a:lnSpc>
-                <a:spcPct val="100000"/>
+                <a:spcPct val="150000"/>
               </a:lnSpc>
             </a:pPr>
             <a:r>
-              <a:rPr lang="" altLang="en-US"/>
-              <a:t>Get (B): </a:t>
-            </a:r>
-            <a:r>
-              <a:rPr lang="en-US" altLang="en-US" sz="1800">
+              <a:rPr lang="en-US" altLang="en-US" sz="1600" b="1">
                 <a:solidFill>
                   <a:srgbClr val="E17925"/>
                 </a:solidFill>
               </a:rPr>
-              <a:t>Tutte le prenotazioni </a:t>
-            </a:r>
-            <a:r>
-              <a:rPr lang="en-US" altLang="en-US" sz="1800" b="1">
+              <a:t>https://fullcalendar.io/</a:t>
+            </a:r>
+            <a:endParaRPr lang="en-US" altLang="en-US" sz="1600" b="1">
+              <a:solidFill>
+                <a:schemeClr val="tx1"/>
+              </a:solidFill>
+            </a:endParaRPr>
+          </a:p>
+          <a:p>
+            <a:pPr>
+              <a:lnSpc>
+                <a:spcPct val="150000"/>
+              </a:lnSpc>
+            </a:pPr>
+            <a:r>
+              <a:rPr lang="en-US" altLang="en-US" sz="2000">
                 <a:solidFill>
-                  <a:srgbClr val="E17925"/>
+                  <a:schemeClr val="tx1"/>
                 </a:solidFill>
               </a:rPr>
-              <a:t>della giornata</a:t>
-            </a:r>
-            <a:endParaRPr lang="" altLang="en-US">
+              <a:t>Interattivo</a:t>
+            </a:r>
+            <a:endParaRPr lang="en-US" altLang="en-US" sz="2000">
+              <a:solidFill>
+                <a:schemeClr val="tx1"/>
+              </a:solidFill>
+            </a:endParaRPr>
+          </a:p>
+          <a:p>
+            <a:pPr lvl="1">
+              <a:lnSpc>
+                <a:spcPct val="150000"/>
+              </a:lnSpc>
+            </a:pPr>
+            <a:r>
+              <a:rPr lang="en-US" altLang="en-US" sz="1600">
+                <a:solidFill>
+                  <a:schemeClr val="tx1"/>
+                </a:solidFill>
+              </a:rPr>
+              <a:t>Drag and Drop, Click, Drag, ...</a:t>
+            </a:r>
+            <a:endParaRPr lang="en-US" altLang="en-US" sz="1600">
+              <a:solidFill>
+                <a:schemeClr val="tx1"/>
+              </a:solidFill>
+            </a:endParaRPr>
+          </a:p>
+          <a:p>
+            <a:pPr lvl="0">
+              <a:lnSpc>
+                <a:spcPct val="150000"/>
+              </a:lnSpc>
+            </a:pPr>
+            <a:r>
+              <a:rPr lang="en-US" altLang="en-US" sz="2000">
+                <a:solidFill>
+                  <a:schemeClr val="tx1"/>
+                </a:solidFill>
+              </a:rPr>
+              <a:t>Responsivo</a:t>
+            </a:r>
+            <a:endParaRPr lang="en-US" altLang="en-US" sz="2000">
+              <a:solidFill>
+                <a:schemeClr val="tx1"/>
+              </a:solidFill>
+            </a:endParaRPr>
+          </a:p>
+          <a:p>
+            <a:pPr lvl="1">
+              <a:lnSpc>
+                <a:spcPct val="150000"/>
+              </a:lnSpc>
+            </a:pPr>
+            <a:r>
+              <a:rPr lang="en-US" altLang="en-US" sz="1600">
+                <a:solidFill>
+                  <a:schemeClr val="tx1"/>
+                </a:solidFill>
+              </a:rPr>
+              <a:t>Telefoni, Tablet &amp; Computer</a:t>
+            </a:r>
+            <a:endParaRPr lang="en-US" altLang="en-US" sz="1600">
+              <a:solidFill>
+                <a:schemeClr val="tx1"/>
+              </a:solidFill>
+            </a:endParaRPr>
+          </a:p>
+          <a:p>
+            <a:pPr lvl="0">
+              <a:lnSpc>
+                <a:spcPct val="150000"/>
+              </a:lnSpc>
+            </a:pPr>
+            <a:r>
+              <a:rPr lang="en-US" altLang="en-US" sz="2000">
+                <a:solidFill>
+                  <a:schemeClr val="tx1"/>
+                </a:solidFill>
+              </a:rPr>
+              <a:t>Funzionale</a:t>
+            </a:r>
+            <a:endParaRPr lang="en-US" altLang="en-US" sz="2000">
+              <a:solidFill>
+                <a:schemeClr val="tx1"/>
+              </a:solidFill>
+            </a:endParaRPr>
+          </a:p>
+          <a:p>
+            <a:pPr lvl="1">
+              <a:lnSpc>
+                <a:spcPct val="150000"/>
+              </a:lnSpc>
+            </a:pPr>
+            <a:r>
+              <a:rPr lang="en-US" altLang="en-US" sz="1400">
+                <a:solidFill>
+                  <a:schemeClr val="tx1"/>
+                </a:solidFill>
+              </a:rPr>
+              <a:t>Facile lettura</a:t>
+            </a:r>
+            <a:endParaRPr lang="en-US" altLang="en-US" sz="1400">
+              <a:solidFill>
+                <a:schemeClr val="tx1"/>
+              </a:solidFill>
+            </a:endParaRPr>
+          </a:p>
+          <a:p>
+            <a:pPr lvl="1">
+              <a:lnSpc>
+                <a:spcPct val="150000"/>
+              </a:lnSpc>
+            </a:pPr>
+            <a:r>
+              <a:rPr lang="en-US" altLang="en-US" sz="1400">
+                <a:solidFill>
+                  <a:schemeClr val="tx1"/>
+                </a:solidFill>
+              </a:rPr>
+              <a:t>Veloce l'interazione</a:t>
+            </a:r>
+            <a:endParaRPr lang="en-US" altLang="en-US" sz="1600">
+              <a:solidFill>
+                <a:schemeClr val="tx1"/>
+              </a:solidFill>
+            </a:endParaRPr>
+          </a:p>
+          <a:p>
+            <a:pPr lvl="0">
+              <a:lnSpc>
+                <a:spcPct val="150000"/>
+              </a:lnSpc>
+            </a:pPr>
+            <a:r>
+              <a:rPr lang="en-US" altLang="en-US" sz="1600">
+                <a:solidFill>
+                  <a:schemeClr val="tx1"/>
+                </a:solidFill>
+              </a:rPr>
+              <a:t>Basato ad eventi</a:t>
+            </a:r>
+            <a:endParaRPr lang="en-US" altLang="en-US" sz="1600">
+              <a:solidFill>
+                <a:schemeClr val="tx1"/>
+              </a:solidFill>
+            </a:endParaRPr>
+          </a:p>
+          <a:p>
+            <a:pPr lvl="1">
+              <a:lnSpc>
+                <a:spcPct val="150000"/>
+              </a:lnSpc>
+            </a:pPr>
+            <a:r>
+              <a:rPr lang="en-US" altLang="en-US" sz="1400" i="1">
+                <a:solidFill>
+                  <a:schemeClr val="tx1"/>
+                </a:solidFill>
+              </a:rPr>
+              <a:t>Handler</a:t>
+            </a:r>
+            <a:endParaRPr lang="en-US" altLang="en-US" sz="1400" i="1">
+              <a:solidFill>
+                <a:schemeClr val="tx1"/>
+              </a:solidFill>
+            </a:endParaRPr>
+          </a:p>
+          <a:p>
+            <a:pPr lvl="1">
+              <a:lnSpc>
+                <a:spcPct val="150000"/>
+              </a:lnSpc>
+            </a:pPr>
+            <a:r>
+              <a:rPr lang="en-US" altLang="en-US" sz="1400">
+                <a:solidFill>
+                  <a:schemeClr val="tx1"/>
+                </a:solidFill>
+              </a:rPr>
+              <a:t>AJAX (Richieste HTTP </a:t>
+            </a:r>
+            <a:r>
+              <a:rPr lang="en-US" altLang="en-US" sz="1400" u="sng">
+                <a:solidFill>
+                  <a:schemeClr val="tx1"/>
+                </a:solidFill>
+              </a:rPr>
+              <a:t>asincrone</a:t>
+            </a:r>
+            <a:r>
+              <a:rPr lang="en-US" altLang="en-US" sz="1400">
+                <a:solidFill>
+                  <a:schemeClr val="tx1"/>
+                </a:solidFill>
+              </a:rPr>
+              <a:t>)</a:t>
+            </a:r>
+            <a:endParaRPr lang="en-US" altLang="en-US" sz="1400">
               <a:solidFill>
                 <a:schemeClr val="tx1"/>
               </a:solidFill>
@@ -8202,888 +8638,6 @@
 </file>
 
 <file path=ppt/slides/slide21.xml><?xml version="1.0" encoding="utf-8"?>
-<p:sld xmlns:a="http://schemas.openxmlformats.org/drawingml/2006/main" xmlns:r="http://schemas.openxmlformats.org/officeDocument/2006/relationships" xmlns:p="http://schemas.openxmlformats.org/presentationml/2006/main">
-  <p:cSld>
-    <p:spTree>
-      <p:nvGrpSpPr>
-        <p:cNvPr id="1" name=""/>
-        <p:cNvGrpSpPr/>
-        <p:nvPr/>
-      </p:nvGrpSpPr>
-      <p:grpSpPr/>
-      <p:sp>
-        <p:nvSpPr>
-          <p:cNvPr id="2" name="Title 1"/>
-          <p:cNvSpPr>
-            <a:spLocks noGrp="1"/>
-          </p:cNvSpPr>
-          <p:nvPr>
-            <p:ph type="title"/>
-          </p:nvPr>
-        </p:nvSpPr>
-        <p:spPr/>
-        <p:txBody>
-          <a:bodyPr/>
-          <a:p>
-            <a:pPr algn="r">
-              <a:buClrTx/>
-              <a:buSzTx/>
-              <a:buFontTx/>
-            </a:pPr>
-            <a:r>
-              <a:rPr lang="en-US" sz="4400" b="1" dirty="0">
-                <a:latin typeface="Arial" panose="02080604020202020204" pitchFamily="34" charset="0"/>
-                <a:cs typeface="Arial" panose="02080604020202020204" pitchFamily="34" charset="0"/>
-              </a:rPr>
-              <a:t>IMPLEMENTAZIONE </a:t>
-            </a:r>
-            <a:r>
-              <a:rPr lang="en-US" altLang="en-US" sz="1200" b="1" dirty="0">
-                <a:latin typeface="Arial" panose="02080604020202020204" pitchFamily="34" charset="0"/>
-                <a:cs typeface="Arial" panose="02080604020202020204" pitchFamily="34" charset="0"/>
-              </a:rPr>
-              <a:t>(API)</a:t>
-            </a:r>
-            <a:endParaRPr lang="en-US" altLang="en-US" sz="1200" b="1" dirty="0">
-              <a:latin typeface="Arial" panose="02080604020202020204" pitchFamily="34" charset="0"/>
-              <a:cs typeface="Arial" panose="02080604020202020204" pitchFamily="34" charset="0"/>
-            </a:endParaRPr>
-          </a:p>
-        </p:txBody>
-      </p:sp>
-      <p:sp>
-        <p:nvSpPr>
-          <p:cNvPr id="3" name="Content Placeholder 2"/>
-          <p:cNvSpPr>
-            <a:spLocks noGrp="1"/>
-          </p:cNvSpPr>
-          <p:nvPr>
-            <p:ph idx="1"/>
-          </p:nvPr>
-        </p:nvSpPr>
-        <p:spPr>
-          <a:xfrm>
-            <a:off x="457200" y="1149985"/>
-            <a:ext cx="8229600" cy="4953000"/>
-          </a:xfrm>
-        </p:spPr>
-        <p:txBody>
-          <a:bodyPr/>
-          <a:p>
-            <a:pPr marL="0" indent="0">
-              <a:lnSpc>
-                <a:spcPct val="100000"/>
-              </a:lnSpc>
-              <a:buNone/>
-            </a:pPr>
-            <a:r>
-              <a:rPr lang="" altLang="en-US" sz="1400">
-                <a:solidFill>
-                  <a:schemeClr val="tx1"/>
-                </a:solidFill>
-              </a:rPr>
-              <a:t>[ </a:t>
-            </a:r>
-            <a:endParaRPr lang="" altLang="en-US" sz="1400">
-              <a:solidFill>
-                <a:schemeClr val="tx1"/>
-              </a:solidFill>
-            </a:endParaRPr>
-          </a:p>
-          <a:p>
-            <a:pPr marL="0" indent="0">
-              <a:lnSpc>
-                <a:spcPct val="100000"/>
-              </a:lnSpc>
-              <a:buNone/>
-            </a:pPr>
-            <a:r>
-              <a:rPr lang="" altLang="en-US" sz="1400">
-                <a:solidFill>
-                  <a:schemeClr val="tx1"/>
-                </a:solidFill>
-              </a:rPr>
-              <a:t>   { </a:t>
-            </a:r>
-            <a:endParaRPr lang="" altLang="en-US" sz="1400">
-              <a:solidFill>
-                <a:schemeClr val="tx1"/>
-              </a:solidFill>
-            </a:endParaRPr>
-          </a:p>
-          <a:p>
-            <a:pPr marL="0" indent="0">
-              <a:lnSpc>
-                <a:spcPct val="100000"/>
-              </a:lnSpc>
-              <a:buNone/>
-            </a:pPr>
-            <a:r>
-              <a:rPr lang="" altLang="en-US" sz="1400">
-                <a:solidFill>
-                  <a:schemeClr val="tx1"/>
-                </a:solidFill>
-              </a:rPr>
-              <a:t>      "id":226,</a:t>
-            </a:r>
-            <a:endParaRPr lang="" altLang="en-US" sz="1400">
-              <a:solidFill>
-                <a:schemeClr val="tx1"/>
-              </a:solidFill>
-            </a:endParaRPr>
-          </a:p>
-          <a:p>
-            <a:pPr marL="0" indent="0">
-              <a:lnSpc>
-                <a:spcPct val="100000"/>
-              </a:lnSpc>
-              <a:buNone/>
-            </a:pPr>
-            <a:r>
-              <a:rPr lang="" altLang="en-US" sz="1400">
-                <a:solidFill>
-                  <a:schemeClr val="tx1"/>
-                </a:solidFill>
-              </a:rPr>
-              <a:t>      "title":"luca.admin",</a:t>
-            </a:r>
-            <a:endParaRPr lang="" altLang="en-US" sz="1400">
-              <a:solidFill>
-                <a:schemeClr val="tx1"/>
-              </a:solidFill>
-            </a:endParaRPr>
-          </a:p>
-          <a:p>
-            <a:pPr marL="0" indent="0">
-              <a:lnSpc>
-                <a:spcPct val="100000"/>
-              </a:lnSpc>
-              <a:buNone/>
-            </a:pPr>
-            <a:r>
-              <a:rPr lang="" altLang="en-US" sz="1400">
-                <a:solidFill>
-                  <a:schemeClr val="tx1"/>
-                </a:solidFill>
-              </a:rPr>
-              <a:t>      "start":"2019-12-23T19:00:00+01:00",</a:t>
-            </a:r>
-            <a:endParaRPr lang="" altLang="en-US" sz="1400">
-              <a:solidFill>
-                <a:schemeClr val="tx1"/>
-              </a:solidFill>
-            </a:endParaRPr>
-          </a:p>
-          <a:p>
-            <a:pPr marL="0" indent="0">
-              <a:lnSpc>
-                <a:spcPct val="100000"/>
-              </a:lnSpc>
-              <a:buNone/>
-            </a:pPr>
-            <a:r>
-              <a:rPr lang="" altLang="en-US" sz="1400">
-                <a:solidFill>
-                  <a:schemeClr val="tx1"/>
-                </a:solidFill>
-              </a:rPr>
-              <a:t>      "end":"2019-12-23T19:15:00+01:00",</a:t>
-            </a:r>
-            <a:endParaRPr lang="" altLang="en-US" sz="1400">
-              <a:solidFill>
-                <a:schemeClr val="tx1"/>
-              </a:solidFill>
-            </a:endParaRPr>
-          </a:p>
-          <a:p>
-            <a:pPr marL="0" indent="0">
-              <a:lnSpc>
-                <a:spcPct val="100000"/>
-              </a:lnSpc>
-              <a:buNone/>
-            </a:pPr>
-            <a:r>
-              <a:rPr lang="" altLang="en-US" sz="1400">
-                <a:solidFill>
-                  <a:schemeClr val="tx1"/>
-                </a:solidFill>
-              </a:rPr>
-              <a:t>      "note":"Colloquio",</a:t>
-            </a:r>
-            <a:endParaRPr lang="" altLang="en-US" sz="1400">
-              <a:solidFill>
-                <a:schemeClr val="tx1"/>
-              </a:solidFill>
-            </a:endParaRPr>
-          </a:p>
-          <a:p>
-            <a:pPr marL="0" indent="0">
-              <a:lnSpc>
-                <a:spcPct val="100000"/>
-              </a:lnSpc>
-              <a:buNone/>
-            </a:pPr>
-            <a:r>
-              <a:rPr lang="" altLang="en-US" sz="1400">
-                <a:solidFill>
-                  <a:schemeClr val="tx1"/>
-                </a:solidFill>
-              </a:rPr>
-              <a:t>      "professor":"luca.admin"</a:t>
-            </a:r>
-            <a:endParaRPr lang="" altLang="en-US" sz="1400">
-              <a:solidFill>
-                <a:schemeClr val="tx1"/>
-              </a:solidFill>
-            </a:endParaRPr>
-          </a:p>
-          <a:p>
-            <a:pPr marL="0" indent="0">
-              <a:lnSpc>
-                <a:spcPct val="100000"/>
-              </a:lnSpc>
-              <a:buNone/>
-            </a:pPr>
-            <a:r>
-              <a:rPr lang="" altLang="en-US" sz="1400">
-                <a:solidFill>
-                  <a:schemeClr val="tx1"/>
-                </a:solidFill>
-              </a:rPr>
-              <a:t>   },</a:t>
-            </a:r>
-            <a:endParaRPr lang="" altLang="en-US" sz="1400">
-              <a:solidFill>
-                <a:schemeClr val="tx1"/>
-              </a:solidFill>
-            </a:endParaRPr>
-          </a:p>
-          <a:p>
-            <a:pPr marL="0" indent="0">
-              <a:lnSpc>
-                <a:spcPct val="100000"/>
-              </a:lnSpc>
-              <a:buNone/>
-            </a:pPr>
-            <a:r>
-              <a:rPr lang="" altLang="en-US" sz="1400">
-                <a:solidFill>
-                  <a:schemeClr val="tx1"/>
-                </a:solidFill>
-              </a:rPr>
-              <a:t>   { </a:t>
-            </a:r>
-            <a:endParaRPr lang="" altLang="en-US" sz="1400">
-              <a:solidFill>
-                <a:schemeClr val="tx1"/>
-              </a:solidFill>
-            </a:endParaRPr>
-          </a:p>
-          <a:p>
-            <a:pPr marL="0" indent="0">
-              <a:lnSpc>
-                <a:spcPct val="100000"/>
-              </a:lnSpc>
-              <a:buNone/>
-            </a:pPr>
-            <a:r>
-              <a:rPr lang="" altLang="en-US" sz="1400">
-                <a:solidFill>
-                  <a:schemeClr val="tx1"/>
-                </a:solidFill>
-              </a:rPr>
-              <a:t>      "id":224,</a:t>
-            </a:r>
-            <a:endParaRPr lang="" altLang="en-US" sz="1400">
-              <a:solidFill>
-                <a:schemeClr val="tx1"/>
-              </a:solidFill>
-            </a:endParaRPr>
-          </a:p>
-          <a:p>
-            <a:pPr marL="0" indent="0">
-              <a:lnSpc>
-                <a:spcPct val="100000"/>
-              </a:lnSpc>
-              <a:buNone/>
-            </a:pPr>
-            <a:r>
-              <a:rPr lang="" altLang="en-US" sz="1400">
-                <a:solidFill>
-                  <a:schemeClr val="tx1"/>
-                </a:solidFill>
-              </a:rPr>
-              <a:t>      "title":"luca.admin",</a:t>
-            </a:r>
-            <a:endParaRPr lang="" altLang="en-US" sz="1400">
-              <a:solidFill>
-                <a:schemeClr val="tx1"/>
-              </a:solidFill>
-            </a:endParaRPr>
-          </a:p>
-          <a:p>
-            <a:pPr marL="0" indent="0">
-              <a:lnSpc>
-                <a:spcPct val="100000"/>
-              </a:lnSpc>
-              <a:buNone/>
-            </a:pPr>
-            <a:r>
-              <a:rPr lang="" altLang="en-US" sz="1400">
-                <a:solidFill>
-                  <a:schemeClr val="tx1"/>
-                </a:solidFill>
-              </a:rPr>
-              <a:t>      "start":"2019-12-24T07:45:00+01:00",</a:t>
-            </a:r>
-            <a:endParaRPr lang="" altLang="en-US" sz="1400">
-              <a:solidFill>
-                <a:schemeClr val="tx1"/>
-              </a:solidFill>
-            </a:endParaRPr>
-          </a:p>
-          <a:p>
-            <a:pPr marL="0" indent="0">
-              <a:lnSpc>
-                <a:spcPct val="100000"/>
-              </a:lnSpc>
-              <a:buNone/>
-            </a:pPr>
-            <a:r>
-              <a:rPr lang="" altLang="en-US" sz="1400">
-                <a:solidFill>
-                  <a:schemeClr val="tx1"/>
-                </a:solidFill>
-              </a:rPr>
-              <a:t>      "end":"2019-12-24T09:30:00+01:00",</a:t>
-            </a:r>
-            <a:endParaRPr lang="" altLang="en-US" sz="1400">
-              <a:solidFill>
-                <a:schemeClr val="tx1"/>
-              </a:solidFill>
-            </a:endParaRPr>
-          </a:p>
-          <a:p>
-            <a:pPr marL="0" indent="0">
-              <a:lnSpc>
-                <a:spcPct val="100000"/>
-              </a:lnSpc>
-              <a:buNone/>
-            </a:pPr>
-            <a:r>
-              <a:rPr lang="" altLang="en-US" sz="1400">
-                <a:solidFill>
-                  <a:schemeClr val="tx1"/>
-                </a:solidFill>
-              </a:rPr>
-              <a:t>      "note":null,</a:t>
-            </a:r>
-            <a:endParaRPr lang="" altLang="en-US" sz="1400">
-              <a:solidFill>
-                <a:schemeClr val="tx1"/>
-              </a:solidFill>
-            </a:endParaRPr>
-          </a:p>
-          <a:p>
-            <a:pPr marL="0" indent="0">
-              <a:lnSpc>
-                <a:spcPct val="100000"/>
-              </a:lnSpc>
-              <a:buNone/>
-            </a:pPr>
-            <a:r>
-              <a:rPr lang="" altLang="en-US" sz="1400">
-                <a:solidFill>
-                  <a:schemeClr val="tx1"/>
-                </a:solidFill>
-              </a:rPr>
-              <a:t>      "professor":"luca.admin"</a:t>
-            </a:r>
-            <a:endParaRPr lang="" altLang="en-US" sz="1400">
-              <a:solidFill>
-                <a:schemeClr val="tx1"/>
-              </a:solidFill>
-            </a:endParaRPr>
-          </a:p>
-          <a:p>
-            <a:pPr marL="0" indent="0">
-              <a:lnSpc>
-                <a:spcPct val="100000"/>
-              </a:lnSpc>
-              <a:buNone/>
-            </a:pPr>
-            <a:r>
-              <a:rPr lang="" altLang="en-US" sz="1400">
-                <a:solidFill>
-                  <a:schemeClr val="tx1"/>
-                </a:solidFill>
-              </a:rPr>
-              <a:t>   },</a:t>
-            </a:r>
-            <a:endParaRPr lang="" altLang="en-US" sz="1400">
-              <a:solidFill>
-                <a:schemeClr val="tx1"/>
-              </a:solidFill>
-            </a:endParaRPr>
-          </a:p>
-          <a:p>
-            <a:pPr marL="0" indent="0">
-              <a:lnSpc>
-                <a:spcPct val="100000"/>
-              </a:lnSpc>
-              <a:buNone/>
-            </a:pPr>
-            <a:r>
-              <a:rPr lang="" altLang="en-US" sz="1400">
-                <a:solidFill>
-                  <a:schemeClr val="tx1"/>
-                </a:solidFill>
-              </a:rPr>
-              <a:t>   . . .</a:t>
-            </a:r>
-            <a:endParaRPr lang="" altLang="en-US" sz="1400">
-              <a:solidFill>
-                <a:schemeClr val="tx1"/>
-              </a:solidFill>
-            </a:endParaRPr>
-          </a:p>
-          <a:p>
-            <a:pPr marL="0" indent="0">
-              <a:lnSpc>
-                <a:spcPct val="100000"/>
-              </a:lnSpc>
-              <a:buNone/>
-            </a:pPr>
-            <a:r>
-              <a:rPr lang="" altLang="en-US" sz="1400">
-                <a:solidFill>
-                  <a:schemeClr val="tx1"/>
-                </a:solidFill>
-              </a:rPr>
-              <a:t>]</a:t>
-            </a:r>
-            <a:endParaRPr lang="" altLang="en-US" sz="1400">
-              <a:solidFill>
-                <a:schemeClr val="tx1"/>
-              </a:solidFill>
-            </a:endParaRPr>
-          </a:p>
-        </p:txBody>
-      </p:sp>
-    </p:spTree>
-  </p:cSld>
-  <p:clrMapOvr>
-    <a:masterClrMapping/>
-  </p:clrMapOvr>
-</p:sld>
-</file>
-
-<file path=ppt/slides/slide22.xml><?xml version="1.0" encoding="utf-8"?>
-<p:sld xmlns:a="http://schemas.openxmlformats.org/drawingml/2006/main" xmlns:r="http://schemas.openxmlformats.org/officeDocument/2006/relationships" xmlns:p="http://schemas.openxmlformats.org/presentationml/2006/main">
-  <p:cSld>
-    <p:spTree>
-      <p:nvGrpSpPr>
-        <p:cNvPr id="1" name=""/>
-        <p:cNvGrpSpPr/>
-        <p:nvPr/>
-      </p:nvGrpSpPr>
-      <p:grpSpPr/>
-      <p:sp>
-        <p:nvSpPr>
-          <p:cNvPr id="4" name="Title 3"/>
-          <p:cNvSpPr>
-            <a:spLocks noGrp="1"/>
-          </p:cNvSpPr>
-          <p:nvPr>
-            <p:ph type="title"/>
-          </p:nvPr>
-        </p:nvSpPr>
-        <p:spPr>
-          <a:xfrm>
-            <a:off x="628650" y="2249805"/>
-            <a:ext cx="7886700" cy="1307465"/>
-          </a:xfrm>
-        </p:spPr>
-        <p:txBody>
-          <a:bodyPr/>
-          <a:p>
-            <a:pPr algn="ctr"/>
-            <a:r>
-              <a:rPr lang="" altLang="en-US" b="1" dirty="0">
-                <a:latin typeface="Arial" panose="02080604020202020204" pitchFamily="34" charset="0"/>
-                <a:cs typeface="Arial" panose="02080604020202020204" pitchFamily="34" charset="0"/>
-              </a:rPr>
-              <a:t>Calendario</a:t>
-            </a:r>
-            <a:endParaRPr lang="" altLang="en-US" b="1" dirty="0">
-              <a:latin typeface="Arial" panose="02080604020202020204" pitchFamily="34" charset="0"/>
-              <a:cs typeface="Arial" panose="02080604020202020204" pitchFamily="34" charset="0"/>
-            </a:endParaRPr>
-          </a:p>
-        </p:txBody>
-      </p:sp>
-    </p:spTree>
-  </p:cSld>
-  <p:clrMapOvr>
-    <a:masterClrMapping/>
-  </p:clrMapOvr>
-</p:sld>
-</file>
-
-<file path=ppt/slides/slide23.xml><?xml version="1.0" encoding="utf-8"?>
-<p:sld xmlns:a="http://schemas.openxmlformats.org/drawingml/2006/main" xmlns:r="http://schemas.openxmlformats.org/officeDocument/2006/relationships" xmlns:p="http://schemas.openxmlformats.org/presentationml/2006/main">
-  <p:cSld>
-    <p:spTree>
-      <p:nvGrpSpPr>
-        <p:cNvPr id="1" name=""/>
-        <p:cNvGrpSpPr/>
-        <p:nvPr/>
-      </p:nvGrpSpPr>
-      <p:grpSpPr/>
-      <p:sp>
-        <p:nvSpPr>
-          <p:cNvPr id="2" name="Title 1"/>
-          <p:cNvSpPr>
-            <a:spLocks noGrp="1"/>
-          </p:cNvSpPr>
-          <p:nvPr>
-            <p:ph type="title"/>
-          </p:nvPr>
-        </p:nvSpPr>
-        <p:spPr/>
-        <p:txBody>
-          <a:bodyPr/>
-          <a:p>
-            <a:pPr algn="r">
-              <a:buClrTx/>
-              <a:buSzTx/>
-              <a:buFontTx/>
-            </a:pPr>
-            <a:r>
-              <a:rPr lang="en-US" sz="4400" b="1" dirty="0">
-                <a:latin typeface="Arial" panose="02080604020202020204" pitchFamily="34" charset="0"/>
-                <a:cs typeface="Arial" panose="02080604020202020204" pitchFamily="34" charset="0"/>
-              </a:rPr>
-              <a:t>IMPLEMENTAZIONE </a:t>
-            </a:r>
-            <a:r>
-              <a:rPr lang="en-US" altLang="en-US" sz="1200" b="1" dirty="0">
-                <a:latin typeface="Arial" panose="02080604020202020204" pitchFamily="34" charset="0"/>
-                <a:cs typeface="Arial" panose="02080604020202020204" pitchFamily="34" charset="0"/>
-              </a:rPr>
-              <a:t>(</a:t>
-            </a:r>
-            <a:r>
-              <a:rPr lang="" altLang="en-US" sz="1200" b="1" dirty="0">
-                <a:latin typeface="Arial" panose="02080604020202020204" pitchFamily="34" charset="0"/>
-                <a:cs typeface="Arial" panose="02080604020202020204" pitchFamily="34" charset="0"/>
-              </a:rPr>
-              <a:t>calendario</a:t>
-            </a:r>
-            <a:r>
-              <a:rPr lang="en-US" altLang="en-US" sz="1200" b="1" dirty="0">
-                <a:latin typeface="Arial" panose="02080604020202020204" pitchFamily="34" charset="0"/>
-                <a:cs typeface="Arial" panose="02080604020202020204" pitchFamily="34" charset="0"/>
-              </a:rPr>
-              <a:t>)</a:t>
-            </a:r>
-            <a:endParaRPr lang="en-US" altLang="en-US" sz="1200" b="1" dirty="0">
-              <a:latin typeface="Arial" panose="02080604020202020204" pitchFamily="34" charset="0"/>
-              <a:cs typeface="Arial" panose="02080604020202020204" pitchFamily="34" charset="0"/>
-            </a:endParaRPr>
-          </a:p>
-        </p:txBody>
-      </p:sp>
-      <p:sp>
-        <p:nvSpPr>
-          <p:cNvPr id="3" name="Content Placeholder 2"/>
-          <p:cNvSpPr>
-            <a:spLocks noGrp="1"/>
-          </p:cNvSpPr>
-          <p:nvPr>
-            <p:ph idx="1"/>
-          </p:nvPr>
-        </p:nvSpPr>
-        <p:spPr>
-          <a:xfrm>
-            <a:off x="457200" y="833755"/>
-            <a:ext cx="8229600" cy="4953000"/>
-          </a:xfrm>
-        </p:spPr>
-        <p:txBody>
-          <a:bodyPr/>
-          <a:p>
-            <a:pPr>
-              <a:lnSpc>
-                <a:spcPct val="150000"/>
-              </a:lnSpc>
-            </a:pPr>
-            <a:r>
-              <a:rPr lang="en-US" altLang="en-US" sz="2000">
-                <a:sym typeface="+mn-ea"/>
-              </a:rPr>
-              <a:t>Libreria utilizzata: </a:t>
-            </a:r>
-            <a:r>
-              <a:rPr lang="en-US" altLang="en-US" sz="2000" b="1">
-                <a:solidFill>
-                  <a:srgbClr val="E17925"/>
-                </a:solidFill>
-                <a:sym typeface="+mn-ea"/>
-              </a:rPr>
-              <a:t>FullCalendar</a:t>
-            </a:r>
-            <a:endParaRPr lang="en-US" altLang="en-US" sz="2000" b="1">
-              <a:sym typeface="+mn-ea"/>
-            </a:endParaRPr>
-          </a:p>
-          <a:p>
-            <a:pPr lvl="1">
-              <a:lnSpc>
-                <a:spcPct val="150000"/>
-              </a:lnSpc>
-            </a:pPr>
-            <a:r>
-              <a:rPr lang="" altLang="en-US" sz="1600" b="1">
-                <a:solidFill>
-                  <a:srgbClr val="E17925"/>
-                </a:solidFill>
-              </a:rPr>
-              <a:t>https://fullcalendar.io/</a:t>
-            </a:r>
-            <a:endParaRPr lang="" altLang="en-US" sz="1600" b="1">
-              <a:solidFill>
-                <a:schemeClr val="tx1"/>
-              </a:solidFill>
-            </a:endParaRPr>
-          </a:p>
-          <a:p>
-            <a:pPr>
-              <a:lnSpc>
-                <a:spcPct val="150000"/>
-              </a:lnSpc>
-            </a:pPr>
-            <a:r>
-              <a:rPr lang="" altLang="en-US" sz="2000">
-                <a:solidFill>
-                  <a:schemeClr val="tx1"/>
-                </a:solidFill>
-              </a:rPr>
-              <a:t>Interattivo</a:t>
-            </a:r>
-            <a:endParaRPr lang="" altLang="en-US" sz="2000">
-              <a:solidFill>
-                <a:schemeClr val="tx1"/>
-              </a:solidFill>
-            </a:endParaRPr>
-          </a:p>
-          <a:p>
-            <a:pPr lvl="1">
-              <a:lnSpc>
-                <a:spcPct val="150000"/>
-              </a:lnSpc>
-            </a:pPr>
-            <a:r>
-              <a:rPr lang="" altLang="en-US" sz="1600">
-                <a:solidFill>
-                  <a:schemeClr val="tx1"/>
-                </a:solidFill>
-              </a:rPr>
-              <a:t>Drag and Drop, Click, Drag, ...</a:t>
-            </a:r>
-            <a:endParaRPr lang="" altLang="en-US" sz="1600">
-              <a:solidFill>
-                <a:schemeClr val="tx1"/>
-              </a:solidFill>
-            </a:endParaRPr>
-          </a:p>
-          <a:p>
-            <a:pPr lvl="0">
-              <a:lnSpc>
-                <a:spcPct val="150000"/>
-              </a:lnSpc>
-            </a:pPr>
-            <a:r>
-              <a:rPr lang="" altLang="en-US" sz="2000">
-                <a:solidFill>
-                  <a:schemeClr val="tx1"/>
-                </a:solidFill>
-              </a:rPr>
-              <a:t>Responsivo</a:t>
-            </a:r>
-            <a:endParaRPr lang="" altLang="en-US" sz="2000">
-              <a:solidFill>
-                <a:schemeClr val="tx1"/>
-              </a:solidFill>
-            </a:endParaRPr>
-          </a:p>
-          <a:p>
-            <a:pPr lvl="1">
-              <a:lnSpc>
-                <a:spcPct val="150000"/>
-              </a:lnSpc>
-            </a:pPr>
-            <a:r>
-              <a:rPr lang="" altLang="en-US" sz="1600">
-                <a:solidFill>
-                  <a:schemeClr val="tx1"/>
-                </a:solidFill>
-              </a:rPr>
-              <a:t>Telefoni, Tablet &amp; Computer</a:t>
-            </a:r>
-            <a:endParaRPr lang="" altLang="en-US" sz="1600">
-              <a:solidFill>
-                <a:schemeClr val="tx1"/>
-              </a:solidFill>
-            </a:endParaRPr>
-          </a:p>
-          <a:p>
-            <a:pPr lvl="0">
-              <a:lnSpc>
-                <a:spcPct val="150000"/>
-              </a:lnSpc>
-            </a:pPr>
-            <a:r>
-              <a:rPr lang="" altLang="en-US" sz="2000">
-                <a:solidFill>
-                  <a:schemeClr val="tx1"/>
-                </a:solidFill>
-              </a:rPr>
-              <a:t>Funzionale</a:t>
-            </a:r>
-            <a:endParaRPr lang="" altLang="en-US" sz="2000">
-              <a:solidFill>
-                <a:schemeClr val="tx1"/>
-              </a:solidFill>
-            </a:endParaRPr>
-          </a:p>
-          <a:p>
-            <a:pPr lvl="1">
-              <a:lnSpc>
-                <a:spcPct val="150000"/>
-              </a:lnSpc>
-            </a:pPr>
-            <a:r>
-              <a:rPr lang="" altLang="en-US" sz="1400">
-                <a:solidFill>
-                  <a:schemeClr val="tx1"/>
-                </a:solidFill>
-              </a:rPr>
-              <a:t>Facile lettura</a:t>
-            </a:r>
-            <a:endParaRPr lang="" altLang="en-US" sz="1400">
-              <a:solidFill>
-                <a:schemeClr val="tx1"/>
-              </a:solidFill>
-            </a:endParaRPr>
-          </a:p>
-          <a:p>
-            <a:pPr lvl="1">
-              <a:lnSpc>
-                <a:spcPct val="150000"/>
-              </a:lnSpc>
-            </a:pPr>
-            <a:r>
-              <a:rPr lang="" altLang="en-US" sz="1400">
-                <a:solidFill>
-                  <a:schemeClr val="tx1"/>
-                </a:solidFill>
-              </a:rPr>
-              <a:t>Veloce l'interazione</a:t>
-            </a:r>
-            <a:endParaRPr lang="" altLang="en-US" sz="1600">
-              <a:solidFill>
-                <a:schemeClr val="tx1"/>
-              </a:solidFill>
-            </a:endParaRPr>
-          </a:p>
-          <a:p>
-            <a:pPr lvl="0">
-              <a:lnSpc>
-                <a:spcPct val="150000"/>
-              </a:lnSpc>
-            </a:pPr>
-            <a:r>
-              <a:rPr lang="" altLang="en-US" sz="1600">
-                <a:solidFill>
-                  <a:schemeClr val="tx1"/>
-                </a:solidFill>
-              </a:rPr>
-              <a:t>Basato ad eventi</a:t>
-            </a:r>
-            <a:endParaRPr lang="" altLang="en-US" sz="1600">
-              <a:solidFill>
-                <a:schemeClr val="tx1"/>
-              </a:solidFill>
-            </a:endParaRPr>
-          </a:p>
-          <a:p>
-            <a:pPr lvl="1">
-              <a:lnSpc>
-                <a:spcPct val="150000"/>
-              </a:lnSpc>
-            </a:pPr>
-            <a:r>
-              <a:rPr lang="" altLang="en-US" sz="1400" i="1">
-                <a:solidFill>
-                  <a:schemeClr val="tx1"/>
-                </a:solidFill>
-              </a:rPr>
-              <a:t>Handler</a:t>
-            </a:r>
-            <a:endParaRPr lang="" altLang="en-US" sz="1400" i="1">
-              <a:solidFill>
-                <a:schemeClr val="tx1"/>
-              </a:solidFill>
-            </a:endParaRPr>
-          </a:p>
-          <a:p>
-            <a:pPr lvl="1">
-              <a:lnSpc>
-                <a:spcPct val="150000"/>
-              </a:lnSpc>
-            </a:pPr>
-            <a:r>
-              <a:rPr lang="" altLang="en-US" sz="1400">
-                <a:solidFill>
-                  <a:schemeClr val="tx1"/>
-                </a:solidFill>
-              </a:rPr>
-              <a:t>AJAX (Richieste HTTP </a:t>
-            </a:r>
-            <a:r>
-              <a:rPr lang="" altLang="en-US" sz="1400" u="sng">
-                <a:solidFill>
-                  <a:schemeClr val="tx1"/>
-                </a:solidFill>
-              </a:rPr>
-              <a:t>asincrone</a:t>
-            </a:r>
-            <a:r>
-              <a:rPr lang="" altLang="en-US" sz="1400">
-                <a:solidFill>
-                  <a:schemeClr val="tx1"/>
-                </a:solidFill>
-              </a:rPr>
-              <a:t>)</a:t>
-            </a:r>
-            <a:endParaRPr lang="" altLang="en-US" sz="1400">
-              <a:solidFill>
-                <a:schemeClr val="tx1"/>
-              </a:solidFill>
-            </a:endParaRPr>
-          </a:p>
-        </p:txBody>
-      </p:sp>
-    </p:spTree>
-  </p:cSld>
-  <p:clrMapOvr>
-    <a:masterClrMapping/>
-  </p:clrMapOvr>
-</p:sld>
-</file>
-
-<file path=ppt/slides/slide24.xml><?xml version="1.0" encoding="utf-8"?>
 <p:sld xmlns:a="http://schemas.openxmlformats.org/drawingml/2006/main" xmlns:r="http://schemas.openxmlformats.org/officeDocument/2006/relationships" xmlns:p="http://schemas.openxmlformats.org/presentationml/2006/main">
   <p:cSld>
     <p:spTree>
@@ -9226,7 +8780,7 @@
 </p:sld>
 </file>
 
-<file path=ppt/slides/slide25.xml><?xml version="1.0" encoding="utf-8"?>
+<file path=ppt/slides/slide22.xml><?xml version="1.0" encoding="utf-8"?>
 <p:sld xmlns:a="http://schemas.openxmlformats.org/drawingml/2006/main" xmlns:r="http://schemas.openxmlformats.org/officeDocument/2006/relationships" xmlns:p="http://schemas.openxmlformats.org/presentationml/2006/main">
   <p:cSld>
     <p:spTree>
@@ -9296,10 +8850,10 @@
               </a:lnSpc>
             </a:pPr>
             <a:r>
-              <a:rPr lang="" altLang="en-US"/>
+              <a:rPr lang="en-US" altLang="en-US"/>
               <a:t>Eventi utilizzati:</a:t>
             </a:r>
-            <a:endParaRPr lang="" altLang="en-US"/>
+            <a:endParaRPr lang="en-US" altLang="en-US"/>
           </a:p>
           <a:p>
             <a:pPr marL="0" indent="0">
@@ -9309,7 +8863,7 @@
               <a:buNone/>
             </a:pPr>
             <a:r>
-              <a:rPr lang="" altLang="en-US" sz="2800" b="1">
+              <a:rPr lang="en-US" altLang="en-US" sz="2800" b="1">
                 <a:solidFill>
                   <a:srgbClr val="E17925"/>
                 </a:solidFill>
@@ -9317,20 +8871,8 @@
               <a:t>events</a:t>
             </a:r>
             <a:r>
-              <a:rPr lang="" altLang="en-US" sz="2800"/>
+              <a:rPr lang="en-US" altLang="en-US" sz="2800"/>
               <a:t>: function (</a:t>
-            </a:r>
-            <a:r>
-              <a:rPr lang="" altLang="en-US" sz="2800">
-                <a:solidFill>
-                  <a:srgbClr val="0070C0"/>
-                </a:solidFill>
-              </a:rPr>
-              <a:t>start</a:t>
-            </a:r>
-            <a:r>
-              <a:rPr lang="" altLang="en-US" sz="2800"/>
-              <a:t>, </a:t>
             </a:r>
             <a:r>
               <a:rPr lang="en-US" altLang="en-US" sz="2800">
@@ -9338,10 +8880,10 @@
                   <a:srgbClr val="0070C0"/>
                 </a:solidFill>
               </a:rPr>
-              <a:t>end</a:t>
-            </a:r>
-            <a:r>
-              <a:rPr lang="" altLang="en-US" sz="2800"/>
+              <a:t>start</a:t>
+            </a:r>
+            <a:r>
+              <a:rPr lang="en-US" altLang="en-US" sz="2800"/>
               <a:t>, </a:t>
             </a:r>
             <a:r>
@@ -9350,13 +8892,25 @@
                   <a:srgbClr val="0070C0"/>
                 </a:solidFill>
               </a:rPr>
+              <a:t>end</a:t>
+            </a:r>
+            <a:r>
+              <a:rPr lang="en-US" altLang="en-US" sz="2800"/>
+              <a:t>, </a:t>
+            </a:r>
+            <a:r>
+              <a:rPr lang="en-US" altLang="en-US" sz="2800">
+                <a:solidFill>
+                  <a:srgbClr val="0070C0"/>
+                </a:solidFill>
+              </a:rPr>
               <a:t>callback</a:t>
             </a:r>
             <a:r>
-              <a:rPr lang="" altLang="en-US" sz="2800"/>
+              <a:rPr lang="en-US" altLang="en-US" sz="2800"/>
               <a:t>){...}</a:t>
             </a:r>
-            <a:endParaRPr lang="" altLang="en-US" sz="2800"/>
+            <a:endParaRPr lang="en-US" altLang="en-US" sz="2800"/>
           </a:p>
           <a:p>
             <a:pPr marL="0" indent="0">
@@ -9366,7 +8920,7 @@
               <a:buNone/>
             </a:pPr>
             <a:r>
-              <a:rPr lang="" altLang="en-US" sz="2800" b="1">
+              <a:rPr lang="en-US" altLang="en-US" sz="2800" b="1">
                 <a:solidFill>
                   <a:srgbClr val="E17925"/>
                 </a:solidFill>
@@ -9374,7 +8928,7 @@
               <a:t>eventClick</a:t>
             </a:r>
             <a:r>
-              <a:rPr lang="" altLang="en-US" sz="2800"/>
+              <a:rPr lang="en-US" altLang="en-US" sz="2800"/>
               <a:t>: function (</a:t>
             </a:r>
             <a:r>
@@ -9386,10 +8940,10 @@
               <a:t>info</a:t>
             </a:r>
             <a:r>
-              <a:rPr lang="" altLang="en-US" sz="2800"/>
+              <a:rPr lang="en-US" altLang="en-US" sz="2800"/>
               <a:t>) { ... }</a:t>
             </a:r>
-            <a:endParaRPr lang="" altLang="en-US" sz="2800"/>
+            <a:endParaRPr lang="en-US" altLang="en-US" sz="2800"/>
           </a:p>
           <a:p>
             <a:pPr marL="0" indent="0">
@@ -9399,7 +8953,7 @@
               <a:buNone/>
             </a:pPr>
             <a:r>
-              <a:rPr lang="" altLang="en-US" sz="2800" b="1">
+              <a:rPr lang="en-US" altLang="en-US" sz="2800" b="1">
                 <a:solidFill>
                   <a:srgbClr val="E17925"/>
                 </a:solidFill>
@@ -9407,7 +8961,7 @@
               <a:t>dateClick</a:t>
             </a:r>
             <a:r>
-              <a:rPr lang="" altLang="en-US" sz="2800"/>
+              <a:rPr lang="en-US" altLang="en-US" sz="2800"/>
               <a:t>: function (</a:t>
             </a:r>
             <a:r>
@@ -9419,10 +8973,10 @@
               <a:t>info</a:t>
             </a:r>
             <a:r>
-              <a:rPr lang="" altLang="en-US" sz="2800"/>
+              <a:rPr lang="en-US" altLang="en-US" sz="2800"/>
               <a:t>) { ... }</a:t>
             </a:r>
-            <a:endParaRPr lang="" altLang="en-US" sz="2800"/>
+            <a:endParaRPr lang="en-US" altLang="en-US" sz="2800"/>
           </a:p>
           <a:p>
             <a:pPr marL="0" indent="0">
@@ -9432,7 +8986,7 @@
               <a:buNone/>
             </a:pPr>
             <a:r>
-              <a:rPr lang="" altLang="en-US" sz="2800" b="1">
+              <a:rPr lang="en-US" altLang="en-US" sz="2800" b="1">
                 <a:solidFill>
                   <a:srgbClr val="E17925"/>
                 </a:solidFill>
@@ -9440,7 +8994,7 @@
               <a:t>eventDrop</a:t>
             </a:r>
             <a:r>
-              <a:rPr lang="" altLang="en-US" sz="2800"/>
+              <a:rPr lang="en-US" altLang="en-US" sz="2800"/>
               <a:t>: function (</a:t>
             </a:r>
             <a:r>
@@ -9452,10 +9006,10 @@
               <a:t>info</a:t>
             </a:r>
             <a:r>
-              <a:rPr lang="" altLang="en-US" sz="2800"/>
+              <a:rPr lang="en-US" altLang="en-US" sz="2800"/>
               <a:t>) { ... }</a:t>
             </a:r>
-            <a:endParaRPr lang="" altLang="en-US" sz="2800"/>
+            <a:endParaRPr lang="en-US" altLang="en-US" sz="2800"/>
           </a:p>
           <a:p>
             <a:pPr marL="0" indent="0">
@@ -9465,7 +9019,7 @@
               <a:buNone/>
             </a:pPr>
             <a:r>
-              <a:rPr lang="" altLang="en-US" sz="2800" b="1">
+              <a:rPr lang="en-US" altLang="en-US" sz="2800" b="1">
                 <a:solidFill>
                   <a:srgbClr val="E17925"/>
                 </a:solidFill>
@@ -9473,7 +9027,7 @@
               <a:t>eventResize</a:t>
             </a:r>
             <a:r>
-              <a:rPr lang="" altLang="en-US" sz="2800"/>
+              <a:rPr lang="en-US" altLang="en-US" sz="2800"/>
               <a:t>: function (</a:t>
             </a:r>
             <a:r>
@@ -9485,10 +9039,10 @@
               <a:t>info</a:t>
             </a:r>
             <a:r>
-              <a:rPr lang="" altLang="en-US" sz="2800"/>
+              <a:rPr lang="en-US" altLang="en-US" sz="2800"/>
               <a:t>) { ... }</a:t>
             </a:r>
-            <a:endParaRPr lang="" altLang="en-US" sz="2800"/>
+            <a:endParaRPr lang="en-US" altLang="en-US" sz="2800"/>
           </a:p>
         </p:txBody>
       </p:sp>
@@ -9500,7 +9054,7 @@
 </p:sld>
 </file>
 
-<file path=ppt/slides/slide26.xml><?xml version="1.0" encoding="utf-8"?>
+<file path=ppt/slides/slide23.xml><?xml version="1.0" encoding="utf-8"?>
 <p:sld xmlns:a="http://schemas.openxmlformats.org/drawingml/2006/main" xmlns:r="http://schemas.openxmlformats.org/officeDocument/2006/relationships" xmlns:p="http://schemas.openxmlformats.org/presentationml/2006/main">
   <p:cSld>
     <p:spTree>
@@ -9510,112 +9064,40 @@
         <p:nvPr/>
       </p:nvGrpSpPr>
       <p:grpSpPr/>
-      <p:grpSp>
-        <p:nvGrpSpPr>
-          <p:cNvPr id="8" name="Group 7"/>
-          <p:cNvGrpSpPr/>
-          <p:nvPr/>
-        </p:nvGrpSpPr>
-        <p:grpSpPr>
+      <p:sp>
+        <p:nvSpPr>
+          <p:cNvPr id="4" name="Title 3"/>
+          <p:cNvSpPr>
+            <a:spLocks noGrp="1"/>
+          </p:cNvSpPr>
+          <p:nvPr>
+            <p:ph type="title"/>
+          </p:nvPr>
+        </p:nvSpPr>
+        <p:spPr>
           <a:xfrm>
-            <a:off x="-18415" y="8255"/>
-            <a:ext cx="9179560" cy="6858000"/>
-            <a:chOff x="-29" y="13"/>
-            <a:chExt cx="14456" cy="10800"/>
+            <a:off x="628650" y="2249805"/>
+            <a:ext cx="7886700" cy="1307465"/>
           </a:xfrm>
-        </p:grpSpPr>
-        <p:sp>
-          <p:nvSpPr>
-            <p:cNvPr id="7" name="Rectangle 6"/>
-            <p:cNvSpPr/>
-            <p:nvPr/>
-          </p:nvSpPr>
-          <p:spPr>
-            <a:xfrm>
-              <a:off x="-29" y="13"/>
-              <a:ext cx="14457" cy="10800"/>
-            </a:xfrm>
-            <a:prstGeom prst="rect">
-              <a:avLst/>
-            </a:prstGeom>
-            <a:gradFill rotWithShape="0">
-              <a:gsLst>
-                <a:gs pos="0">
-                  <a:schemeClr val="accent1"/>
-                </a:gs>
-                <a:gs pos="100000">
-                  <a:schemeClr val="accent2"/>
-                </a:gs>
-              </a:gsLst>
-              <a:lin ang="5400000" scaled="1"/>
-            </a:gradFill>
-            <a:ln w="9525" cap="flat" cmpd="sng" algn="ctr">
-              <a:solidFill>
-                <a:schemeClr val="accent1"/>
-              </a:solidFill>
-              <a:prstDash val="solid"/>
-              <a:round/>
-              <a:headEnd type="none" w="med" len="med"/>
-              <a:tailEnd type="none" w="med" len="med"/>
-            </a:ln>
-          </p:spPr>
-          <p:txBody>
-            <a:bodyPr vert="horz" wrap="none" lIns="91440" tIns="45720" rIns="91440" bIns="45720" numCol="1" anchor="ctr" anchorCtr="0" compatLnSpc="1"/>
-            <a:p>
-              <a:pPr marL="0" marR="0" indent="0" algn="l" defTabSz="914400" rtl="0" eaLnBrk="1" fontAlgn="base" latinLnBrk="0" hangingPunct="1">
-                <a:lnSpc>
-                  <a:spcPct val="100000"/>
-                </a:lnSpc>
-                <a:spcBef>
-                  <a:spcPct val="0"/>
-                </a:spcBef>
-                <a:spcAft>
-                  <a:spcPct val="0"/>
-                </a:spcAft>
-                <a:buClrTx/>
-                <a:buSzTx/>
-                <a:buFontTx/>
-                <a:buNone/>
-              </a:pPr>
-              <a:endParaRPr kumimoji="0" lang="zh-CN" altLang="en-US" sz="1800" b="0" i="0" u="none" strike="noStrike" cap="none" normalizeH="0" baseline="0" smtClean="0">
-                <a:ln>
-                  <a:noFill/>
-                </a:ln>
-                <a:solidFill>
-                  <a:schemeClr val="tx1"/>
-                </a:solidFill>
-                <a:effectLst/>
+        </p:spPr>
+        <p:txBody>
+          <a:bodyPr/>
+          <a:p>
+            <a:pPr algn="ctr"/>
+            <a:r>
+              <a:rPr lang="en-US" altLang="en-US" b="1" dirty="0">
                 <a:latin typeface="Arial" panose="02080604020202020204" pitchFamily="34" charset="0"/>
-                <a:ea typeface="SimSun" pitchFamily="2" charset="-122"/>
-              </a:endParaRPr>
-            </a:p>
-          </p:txBody>
-        </p:sp>
-        <p:pic>
-          <p:nvPicPr>
-            <p:cNvPr id="6" name="Picture 5"/>
-            <p:cNvPicPr>
-              <a:picLocks noChangeAspect="1"/>
-            </p:cNvPicPr>
-            <p:nvPr/>
-          </p:nvPicPr>
-          <p:blipFill>
-            <a:blip r:embed="rId1"/>
-            <a:stretch>
-              <a:fillRect/>
-            </a:stretch>
-          </p:blipFill>
-          <p:spPr>
-            <a:xfrm>
-              <a:off x="2739" y="18"/>
-              <a:ext cx="8922" cy="10790"/>
-            </a:xfrm>
-            <a:prstGeom prst="rect">
-              <a:avLst/>
-            </a:prstGeom>
-          </p:spPr>
-        </p:pic>
-      </p:grpSp>
+                <a:cs typeface="Arial" panose="02080604020202020204" pitchFamily="34" charset="0"/>
+              </a:rPr>
+              <a:t>Gestione utenti</a:t>
+            </a:r>
+            <a:endParaRPr lang="en-US" altLang="en-US" b="1" dirty="0">
+              <a:latin typeface="Arial" panose="02080604020202020204" pitchFamily="34" charset="0"/>
+              <a:cs typeface="Arial" panose="02080604020202020204" pitchFamily="34" charset="0"/>
+            </a:endParaRPr>
+          </a:p>
+        </p:txBody>
+      </p:sp>
     </p:spTree>
   </p:cSld>
   <p:clrMapOvr>
@@ -9624,7 +9106,7 @@
 </p:sld>
 </file>
 
-<file path=ppt/slides/slide27.xml><?xml version="1.0" encoding="utf-8"?>
+<file path=ppt/slides/slide24.xml><?xml version="1.0" encoding="utf-8"?>
 <p:sld xmlns:a="http://schemas.openxmlformats.org/drawingml/2006/main" xmlns:r="http://schemas.openxmlformats.org/officeDocument/2006/relationships" xmlns:p="http://schemas.openxmlformats.org/presentationml/2006/main">
   <p:cSld>
     <p:spTree>
@@ -9644,26 +9126,127 @@
             <p:ph type="title"/>
           </p:nvPr>
         </p:nvSpPr>
+        <p:spPr/>
+        <p:txBody>
+          <a:bodyPr/>
+          <a:p>
+            <a:pPr algn="r">
+              <a:buClrTx/>
+              <a:buSzTx/>
+              <a:buFontTx/>
+            </a:pPr>
+            <a:r>
+              <a:rPr lang="en-US" sz="4400" b="1" dirty="0">
+                <a:latin typeface="Arial" panose="02080604020202020204" pitchFamily="34" charset="0"/>
+                <a:cs typeface="Arial" panose="02080604020202020204" pitchFamily="34" charset="0"/>
+              </a:rPr>
+              <a:t>IMPLEMENTAZIONE </a:t>
+            </a:r>
+            <a:r>
+              <a:rPr lang="en-US" sz="1200" b="1" dirty="0">
+                <a:latin typeface="Arial" panose="02080604020202020204" pitchFamily="34" charset="0"/>
+                <a:cs typeface="Arial" panose="02080604020202020204" pitchFamily="34" charset="0"/>
+              </a:rPr>
+              <a:t>(utenti)</a:t>
+            </a:r>
+            <a:endParaRPr lang="en-US" sz="1200" b="1" dirty="0">
+              <a:latin typeface="Arial" panose="02080604020202020204" pitchFamily="34" charset="0"/>
+              <a:cs typeface="Arial" panose="02080604020202020204" pitchFamily="34" charset="0"/>
+            </a:endParaRPr>
+          </a:p>
+        </p:txBody>
+      </p:sp>
+      <p:sp>
+        <p:nvSpPr>
+          <p:cNvPr id="5" name="Content Placeholder 4"/>
+          <p:cNvSpPr>
+            <a:spLocks noGrp="1"/>
+          </p:cNvSpPr>
+          <p:nvPr>
+            <p:ph idx="1"/>
+          </p:nvPr>
+        </p:nvSpPr>
         <p:spPr>
           <a:xfrm>
-            <a:off x="628650" y="2249805"/>
-            <a:ext cx="7886700" cy="1307465"/>
+            <a:off x="457200" y="959485"/>
+            <a:ext cx="8229600" cy="4953000"/>
           </a:xfrm>
         </p:spPr>
         <p:txBody>
           <a:bodyPr/>
           <a:p>
-            <a:pPr algn="ctr"/>
-            <a:r>
-              <a:rPr lang="" altLang="en-US" b="1" dirty="0">
-                <a:latin typeface="Arial" panose="02080604020202020204" pitchFamily="34" charset="0"/>
-                <a:cs typeface="Arial" panose="02080604020202020204" pitchFamily="34" charset="0"/>
-              </a:rPr>
-              <a:t>Gestione utenti</a:t>
-            </a:r>
-            <a:endParaRPr lang="" altLang="en-US" b="1" dirty="0">
-              <a:latin typeface="Arial" panose="02080604020202020204" pitchFamily="34" charset="0"/>
-              <a:cs typeface="Arial" panose="02080604020202020204" pitchFamily="34" charset="0"/>
+            <a:r>
+              <a:rPr lang="en-US" altLang="en-US"/>
+              <a:t>Gestione completa degli utenti locali:</a:t>
+            </a:r>
+            <a:endParaRPr lang="en-US" altLang="en-US"/>
+          </a:p>
+          <a:p>
+            <a:pPr lvl="1"/>
+            <a:r>
+              <a:rPr lang="en-US" altLang="en-US"/>
+              <a:t>Creazione</a:t>
+            </a:r>
+            <a:endParaRPr lang="en-US" altLang="en-US"/>
+          </a:p>
+          <a:p>
+            <a:pPr lvl="1"/>
+            <a:r>
+              <a:rPr lang="en-US" altLang="en-US"/>
+              <a:t>Eliminazione</a:t>
+            </a:r>
+            <a:endParaRPr lang="en-US" altLang="en-US"/>
+          </a:p>
+          <a:p>
+            <a:pPr lvl="1"/>
+            <a:r>
+              <a:rPr lang="en-US" altLang="en-US"/>
+              <a:t>Modifica</a:t>
+            </a:r>
+            <a:endParaRPr lang="en-US" altLang="en-US"/>
+          </a:p>
+          <a:p>
+            <a:pPr lvl="1"/>
+            <a:r>
+              <a:rPr lang="en-US" altLang="en-US"/>
+              <a:t>Promozione</a:t>
+            </a:r>
+            <a:endParaRPr lang="en-US" altLang="en-US"/>
+          </a:p>
+          <a:p>
+            <a:pPr lvl="0">
+              <a:lnSpc>
+                <a:spcPct val="150000"/>
+              </a:lnSpc>
+            </a:pPr>
+            <a:r>
+              <a:rPr lang="en-US" altLang="en-US"/>
+              <a:t>Solamente utenti admin</a:t>
+            </a:r>
+            <a:endParaRPr lang="en-US" altLang="en-US"/>
+          </a:p>
+          <a:p>
+            <a:pPr lvl="0">
+              <a:lnSpc>
+                <a:spcPct val="150000"/>
+              </a:lnSpc>
+            </a:pPr>
+            <a:r>
+              <a:rPr lang="en-US" altLang="en-US"/>
+              <a:t>Pagine dinamiche</a:t>
+            </a:r>
+            <a:r>
+              <a:rPr lang="en-US" altLang="en-US" b="1">
+                <a:solidFill>
+                  <a:srgbClr val="E17925"/>
+                </a:solidFill>
+              </a:rPr>
+              <a:t>*</a:t>
+            </a:r>
+            <a:endParaRPr lang="en-US" altLang="en-US" b="1">
+              <a:solidFill>
+                <a:srgbClr val="E17925"/>
+              </a:solidFill>
             </a:endParaRPr>
           </a:p>
         </p:txBody>
@@ -9676,160 +9259,7 @@
 </p:sld>
 </file>
 
-<file path=ppt/slides/slide28.xml><?xml version="1.0" encoding="utf-8"?>
-<p:sld xmlns:a="http://schemas.openxmlformats.org/drawingml/2006/main" xmlns:r="http://schemas.openxmlformats.org/officeDocument/2006/relationships" xmlns:p="http://schemas.openxmlformats.org/presentationml/2006/main">
-  <p:cSld>
-    <p:spTree>
-      <p:nvGrpSpPr>
-        <p:cNvPr id="1" name=""/>
-        <p:cNvGrpSpPr/>
-        <p:nvPr/>
-      </p:nvGrpSpPr>
-      <p:grpSpPr/>
-      <p:sp>
-        <p:nvSpPr>
-          <p:cNvPr id="4" name="Title 3"/>
-          <p:cNvSpPr>
-            <a:spLocks noGrp="1"/>
-          </p:cNvSpPr>
-          <p:nvPr>
-            <p:ph type="title"/>
-          </p:nvPr>
-        </p:nvSpPr>
-        <p:spPr/>
-        <p:txBody>
-          <a:bodyPr/>
-          <a:p>
-            <a:pPr algn="r">
-              <a:buClrTx/>
-              <a:buSzTx/>
-              <a:buFontTx/>
-            </a:pPr>
-            <a:r>
-              <a:rPr lang="en-US" sz="4400" b="1" dirty="0">
-                <a:latin typeface="Arial" panose="02080604020202020204" pitchFamily="34" charset="0"/>
-                <a:cs typeface="Arial" panose="02080604020202020204" pitchFamily="34" charset="0"/>
-              </a:rPr>
-              <a:t>IMPLEMENTAZIONE </a:t>
-            </a:r>
-            <a:r>
-              <a:rPr lang="en-US" sz="1200" b="1" dirty="0">
-                <a:latin typeface="Arial" panose="02080604020202020204" pitchFamily="34" charset="0"/>
-                <a:cs typeface="Arial" panose="02080604020202020204" pitchFamily="34" charset="0"/>
-              </a:rPr>
-              <a:t>(utenti)</a:t>
-            </a:r>
-            <a:endParaRPr lang="en-US" sz="1200" b="1" dirty="0">
-              <a:latin typeface="Arial" panose="02080604020202020204" pitchFamily="34" charset="0"/>
-              <a:cs typeface="Arial" panose="02080604020202020204" pitchFamily="34" charset="0"/>
-            </a:endParaRPr>
-          </a:p>
-        </p:txBody>
-      </p:sp>
-      <p:sp>
-        <p:nvSpPr>
-          <p:cNvPr id="5" name="Content Placeholder 4"/>
-          <p:cNvSpPr>
-            <a:spLocks noGrp="1"/>
-          </p:cNvSpPr>
-          <p:nvPr>
-            <p:ph idx="1"/>
-          </p:nvPr>
-        </p:nvSpPr>
-        <p:spPr>
-          <a:xfrm>
-            <a:off x="457200" y="959485"/>
-            <a:ext cx="8229600" cy="4953000"/>
-          </a:xfrm>
-        </p:spPr>
-        <p:txBody>
-          <a:bodyPr/>
-          <a:p>
-            <a:r>
-              <a:rPr lang="" altLang="en-US"/>
-              <a:t>Gestione completa degli utenti locali:</a:t>
-            </a:r>
-            <a:endParaRPr lang="" altLang="en-US"/>
-          </a:p>
-          <a:p>
-            <a:pPr lvl="1"/>
-            <a:r>
-              <a:rPr lang="" altLang="en-US"/>
-              <a:t>Creazione</a:t>
-            </a:r>
-            <a:endParaRPr lang="" altLang="en-US"/>
-          </a:p>
-          <a:p>
-            <a:pPr lvl="1"/>
-            <a:r>
-              <a:rPr lang="" altLang="en-US"/>
-              <a:t>Eliminazione</a:t>
-            </a:r>
-            <a:endParaRPr lang="" altLang="en-US"/>
-          </a:p>
-          <a:p>
-            <a:pPr lvl="1"/>
-            <a:r>
-              <a:rPr lang="" altLang="en-US"/>
-              <a:t>Modifica</a:t>
-            </a:r>
-            <a:endParaRPr lang="" altLang="en-US"/>
-          </a:p>
-          <a:p>
-            <a:pPr lvl="1"/>
-            <a:r>
-              <a:rPr lang="" altLang="en-US"/>
-              <a:t>Promozione</a:t>
-            </a:r>
-            <a:endParaRPr lang="" altLang="en-US"/>
-          </a:p>
-          <a:p>
-            <a:pPr lvl="0">
-              <a:lnSpc>
-                <a:spcPct val="150000"/>
-              </a:lnSpc>
-            </a:pPr>
-            <a:r>
-              <a:rPr lang="" altLang="en-US"/>
-              <a:t>Solamente utenti admin</a:t>
-            </a:r>
-            <a:endParaRPr lang="" altLang="en-US"/>
-          </a:p>
-          <a:p>
-            <a:pPr lvl="0">
-              <a:lnSpc>
-                <a:spcPct val="150000"/>
-              </a:lnSpc>
-            </a:pPr>
-            <a:r>
-              <a:rPr lang="" altLang="en-US"/>
-              <a:t>Pagine dinamiche</a:t>
-            </a:r>
-            <a:r>
-              <a:rPr lang="" altLang="en-US" b="1">
-                <a:solidFill>
-                  <a:srgbClr val="E17925"/>
-                </a:solidFill>
-              </a:rPr>
-              <a:t>*</a:t>
-            </a:r>
-            <a:endParaRPr lang="" altLang="en-US" b="1">
-              <a:solidFill>
-                <a:srgbClr val="E17925"/>
-              </a:solidFill>
-            </a:endParaRPr>
-          </a:p>
-        </p:txBody>
-      </p:sp>
-    </p:spTree>
-  </p:cSld>
-  <p:clrMapOvr>
-    <a:masterClrMapping/>
-  </p:clrMapOvr>
-</p:sld>
-</file>
-
-<file path=ppt/slides/slide29.xml><?xml version="1.0" encoding="utf-8"?>
+<file path=ppt/slides/slide25.xml><?xml version="1.0" encoding="utf-8"?>
 <p:sld xmlns:a="http://schemas.openxmlformats.org/drawingml/2006/main" xmlns:r="http://schemas.openxmlformats.org/officeDocument/2006/relationships" xmlns:p="http://schemas.openxmlformats.org/presentationml/2006/main">
   <p:cSld>
     <p:spTree>
@@ -9945,196 +9375,7 @@
 </p:sld>
 </file>
 
-<file path=ppt/slides/slide3.xml><?xml version="1.0" encoding="utf-8"?>
-<p:sld xmlns:a="http://schemas.openxmlformats.org/drawingml/2006/main" xmlns:r="http://schemas.openxmlformats.org/officeDocument/2006/relationships" xmlns:p="http://schemas.openxmlformats.org/presentationml/2006/main">
-  <p:cSld>
-    <p:spTree>
-      <p:nvGrpSpPr>
-        <p:cNvPr id="1" name=""/>
-        <p:cNvGrpSpPr/>
-        <p:nvPr/>
-      </p:nvGrpSpPr>
-      <p:grpSpPr/>
-      <p:sp>
-        <p:nvSpPr>
-          <p:cNvPr id="2" name="Title 1"/>
-          <p:cNvSpPr>
-            <a:spLocks noGrp="1"/>
-          </p:cNvSpPr>
-          <p:nvPr>
-            <p:ph type="title"/>
-          </p:nvPr>
-        </p:nvSpPr>
-        <p:spPr/>
-        <p:txBody>
-          <a:bodyPr/>
-          <a:p>
-            <a:pPr algn="r" fontAlgn="auto" latinLnBrk="1">
-              <a:buClrTx/>
-              <a:buSzTx/>
-              <a:buFontTx/>
-            </a:pPr>
-            <a:r>
-              <a:rPr lang="en-US" sz="4800" b="1" dirty="0">
-                <a:latin typeface="Arial" panose="02080604020202020204" pitchFamily="34" charset="0"/>
-                <a:cs typeface="Arial" panose="02080604020202020204" pitchFamily="34" charset="0"/>
-              </a:rPr>
-              <a:t>INDICE</a:t>
-            </a:r>
-            <a:endParaRPr lang="en-US" sz="4800" b="1" dirty="0">
-              <a:latin typeface="Arial" panose="02080604020202020204" pitchFamily="34" charset="0"/>
-              <a:cs typeface="Arial" panose="02080604020202020204" pitchFamily="34" charset="0"/>
-            </a:endParaRPr>
-          </a:p>
-        </p:txBody>
-      </p:sp>
-      <p:sp>
-        <p:nvSpPr>
-          <p:cNvPr id="3" name="Content Placeholder 2"/>
-          <p:cNvSpPr>
-            <a:spLocks noGrp="1"/>
-          </p:cNvSpPr>
-          <p:nvPr>
-            <p:ph idx="1"/>
-          </p:nvPr>
-        </p:nvSpPr>
-        <p:spPr>
-          <a:xfrm>
-            <a:off x="457200" y="561975"/>
-            <a:ext cx="8229600" cy="5302250"/>
-          </a:xfrm>
-        </p:spPr>
-        <p:txBody>
-          <a:bodyPr/>
-          <a:p>
-            <a:pPr marL="285750" indent="-285750">
-              <a:lnSpc>
-                <a:spcPct val="100000"/>
-              </a:lnSpc>
-              <a:buFont typeface="Arial" panose="02080604020202020204" pitchFamily="34" charset="0"/>
-              <a:buChar char="•"/>
-            </a:pPr>
-            <a:r>
-              <a:rPr lang="it-IT" sz="4000" dirty="0">
-                <a:sym typeface="+mn-ea"/>
-              </a:rPr>
-              <a:t>Scopo </a:t>
-            </a:r>
-            <a:endParaRPr lang="it-IT" sz="4000" dirty="0"/>
-          </a:p>
-          <a:p>
-            <a:pPr marL="285750" indent="-285750">
-              <a:lnSpc>
-                <a:spcPct val="100000"/>
-              </a:lnSpc>
-              <a:buFont typeface="Arial" panose="02080604020202020204" pitchFamily="34" charset="0"/>
-              <a:buChar char="•"/>
-            </a:pPr>
-            <a:r>
-              <a:rPr lang="it-IT" sz="4000" dirty="0">
-                <a:sym typeface="+mn-ea"/>
-              </a:rPr>
-              <a:t>Analisi</a:t>
-            </a:r>
-            <a:endParaRPr lang="it-IT" sz="4000" dirty="0"/>
-          </a:p>
-          <a:p>
-            <a:pPr marL="285750" indent="-285750">
-              <a:lnSpc>
-                <a:spcPct val="100000"/>
-              </a:lnSpc>
-              <a:buFont typeface="Arial" panose="02080604020202020204" pitchFamily="34" charset="0"/>
-              <a:buChar char="•"/>
-            </a:pPr>
-            <a:r>
-              <a:rPr lang="it-IT" sz="4000" dirty="0" err="1">
-                <a:sym typeface="+mn-ea"/>
-              </a:rPr>
-              <a:t>Gantt</a:t>
-            </a:r>
-            <a:endParaRPr lang="it-IT" sz="4000" dirty="0"/>
-          </a:p>
-          <a:p>
-            <a:pPr marL="285750" indent="-285750">
-              <a:lnSpc>
-                <a:spcPct val="100000"/>
-              </a:lnSpc>
-              <a:buFont typeface="Arial" panose="02080604020202020204" pitchFamily="34" charset="0"/>
-              <a:buChar char="•"/>
-            </a:pPr>
-            <a:r>
-              <a:rPr lang="it-IT" sz="4000" dirty="0">
-                <a:sym typeface="+mn-ea"/>
-              </a:rPr>
-              <a:t>Progettazione</a:t>
-            </a:r>
-            <a:endParaRPr lang="it-IT" sz="4000" dirty="0"/>
-          </a:p>
-          <a:p>
-            <a:pPr marL="285750" indent="-285750">
-              <a:lnSpc>
-                <a:spcPct val="100000"/>
-              </a:lnSpc>
-              <a:buFont typeface="Arial" panose="02080604020202020204" pitchFamily="34" charset="0"/>
-              <a:buChar char="•"/>
-            </a:pPr>
-            <a:r>
-              <a:rPr lang="it-IT" sz="4000" dirty="0">
-                <a:sym typeface="+mn-ea"/>
-              </a:rPr>
-              <a:t>Implementazione</a:t>
-            </a:r>
-            <a:endParaRPr lang="it-IT" sz="4000" dirty="0">
-              <a:sym typeface="+mn-ea"/>
-            </a:endParaRPr>
-          </a:p>
-          <a:p>
-            <a:pPr marL="285750" indent="-285750">
-              <a:lnSpc>
-                <a:spcPct val="100000"/>
-              </a:lnSpc>
-              <a:buFont typeface="Arial" panose="02080604020202020204" pitchFamily="34" charset="0"/>
-              <a:buChar char="•"/>
-            </a:pPr>
-            <a:r>
-              <a:rPr lang="en-US" altLang="it-IT" sz="4000" dirty="0">
-                <a:sym typeface="+mn-ea"/>
-              </a:rPr>
-              <a:t>Test</a:t>
-            </a:r>
-            <a:endParaRPr lang="en-US" altLang="it-IT" sz="4000" dirty="0">
-              <a:sym typeface="+mn-ea"/>
-            </a:endParaRPr>
-          </a:p>
-          <a:p>
-            <a:pPr marL="285750" indent="-285750">
-              <a:lnSpc>
-                <a:spcPct val="100000"/>
-              </a:lnSpc>
-              <a:buFont typeface="Arial" panose="02080604020202020204" pitchFamily="34" charset="0"/>
-              <a:buChar char="•"/>
-            </a:pPr>
-            <a:r>
-              <a:rPr lang="en-US" altLang="it-IT" sz="4000" dirty="0">
-                <a:sym typeface="+mn-ea"/>
-              </a:rPr>
-              <a:t>Conclusioni</a:t>
-            </a:r>
-            <a:endParaRPr lang="en-US" altLang="it-IT" sz="4000" dirty="0">
-              <a:sym typeface="+mn-ea"/>
-            </a:endParaRPr>
-          </a:p>
-        </p:txBody>
-      </p:sp>
-    </p:spTree>
-  </p:cSld>
-  <p:clrMapOvr>
-    <a:masterClrMapping/>
-  </p:clrMapOvr>
-</p:sld>
-</file>
-
-<file path=ppt/slides/slide30.xml><?xml version="1.0" encoding="utf-8"?>
+<file path=ppt/slides/slide26.xml><?xml version="1.0" encoding="utf-8"?>
 <p:sld xmlns:a="http://schemas.openxmlformats.org/drawingml/2006/main" xmlns:r="http://schemas.openxmlformats.org/officeDocument/2006/relationships" xmlns:p="http://schemas.openxmlformats.org/presentationml/2006/main">
   <p:cSld>
     <p:spTree>
@@ -10231,27 +9472,27 @@
           <a:p>
             <a:pPr algn="ctr"/>
             <a:r>
-              <a:rPr lang="" altLang="en-US"/>
+              <a:rPr lang="en-US" altLang="en-US"/>
               <a:t>Modifica</a:t>
             </a:r>
-            <a:endParaRPr lang="" altLang="en-US"/>
-          </a:p>
-          <a:p>
-            <a:endParaRPr lang="" altLang="en-US"/>
-          </a:p>
-          <a:p>
-            <a:r>
-              <a:rPr lang="" altLang="en-US"/>
+            <a:endParaRPr lang="en-US" altLang="en-US"/>
+          </a:p>
+          <a:p>
+            <a:endParaRPr lang="en-US" altLang="en-US"/>
+          </a:p>
+          <a:p>
+            <a:r>
+              <a:rPr lang="en-US" altLang="en-US"/>
               <a:t>API:</a:t>
             </a:r>
-            <a:endParaRPr lang="" altLang="en-US"/>
-          </a:p>
-          <a:p>
-            <a:r>
-              <a:rPr lang="" altLang="en-US" i="1"/>
+            <a:endParaRPr lang="en-US" altLang="en-US"/>
+          </a:p>
+          <a:p>
+            <a:r>
+              <a:rPr lang="en-US" altLang="en-US" i="1"/>
               <a:t>user/update</a:t>
             </a:r>
-            <a:endParaRPr lang="" altLang="en-US" i="1"/>
+            <a:endParaRPr lang="en-US" altLang="en-US" i="1"/>
           </a:p>
         </p:txBody>
       </p:sp>
@@ -10278,27 +9519,27 @@
           <a:p>
             <a:pPr algn="ctr"/>
             <a:r>
-              <a:rPr lang="" altLang="en-US"/>
+              <a:rPr lang="en-US" altLang="en-US"/>
               <a:t>Elimina</a:t>
             </a:r>
-            <a:endParaRPr lang="" altLang="en-US"/>
-          </a:p>
-          <a:p>
-            <a:endParaRPr lang="" altLang="en-US"/>
-          </a:p>
-          <a:p>
-            <a:r>
-              <a:rPr lang="" altLang="en-US"/>
+            <a:endParaRPr lang="en-US" altLang="en-US"/>
+          </a:p>
+          <a:p>
+            <a:endParaRPr lang="en-US" altLang="en-US"/>
+          </a:p>
+          <a:p>
+            <a:r>
+              <a:rPr lang="en-US" altLang="en-US"/>
               <a:t>API:</a:t>
             </a:r>
-            <a:endParaRPr lang="" altLang="en-US"/>
-          </a:p>
-          <a:p>
-            <a:r>
-              <a:rPr lang="" altLang="en-US" i="1"/>
+            <a:endParaRPr lang="en-US" altLang="en-US"/>
+          </a:p>
+          <a:p>
+            <a:r>
+              <a:rPr lang="en-US" altLang="en-US" i="1"/>
               <a:t>user/delete</a:t>
             </a:r>
-            <a:endParaRPr lang="" altLang="en-US" i="1"/>
+            <a:endParaRPr lang="en-US" altLang="en-US" i="1"/>
           </a:p>
         </p:txBody>
       </p:sp>
@@ -10325,27 +9566,27 @@
           <a:p>
             <a:pPr algn="ctr"/>
             <a:r>
-              <a:rPr lang="" altLang="en-US"/>
+              <a:rPr lang="en-US" altLang="en-US"/>
               <a:t>Promuovi</a:t>
             </a:r>
-            <a:endParaRPr lang="" altLang="en-US"/>
-          </a:p>
-          <a:p>
-            <a:endParaRPr lang="" altLang="en-US"/>
-          </a:p>
-          <a:p>
-            <a:r>
-              <a:rPr lang="" altLang="en-US"/>
+            <a:endParaRPr lang="en-US" altLang="en-US"/>
+          </a:p>
+          <a:p>
+            <a:endParaRPr lang="en-US" altLang="en-US"/>
+          </a:p>
+          <a:p>
+            <a:r>
+              <a:rPr lang="en-US" altLang="en-US"/>
               <a:t>API:</a:t>
             </a:r>
-            <a:endParaRPr lang="" altLang="en-US"/>
-          </a:p>
-          <a:p>
-            <a:r>
-              <a:rPr lang="" altLang="en-US" i="1"/>
+            <a:endParaRPr lang="en-US" altLang="en-US"/>
+          </a:p>
+          <a:p>
+            <a:r>
+              <a:rPr lang="en-US" altLang="en-US" i="1"/>
               <a:t>user/promote</a:t>
             </a:r>
-            <a:endParaRPr lang="" altLang="en-US" i="1"/>
+            <a:endParaRPr lang="en-US" altLang="en-US" i="1"/>
           </a:p>
         </p:txBody>
       </p:sp>
@@ -10471,7 +9712,7 @@
 </p:sld>
 </file>
 
-<file path=ppt/slides/slide31.xml><?xml version="1.0" encoding="utf-8"?>
+<file path=ppt/slides/slide27.xml><?xml version="1.0" encoding="utf-8"?>
 <p:sld xmlns:a="http://schemas.openxmlformats.org/drawingml/2006/main" xmlns:r="http://schemas.openxmlformats.org/officeDocument/2006/relationships" xmlns:p="http://schemas.openxmlformats.org/presentationml/2006/main">
   <p:cSld>
     <p:spTree>
@@ -10502,7 +9743,7 @@
           <a:p>
             <a:pPr algn="ctr"/>
             <a:r>
-              <a:rPr lang="" altLang="en-US" b="1" dirty="0">
+              <a:rPr lang="en-US" altLang="en-US" b="1" dirty="0">
                 <a:latin typeface="Arial" panose="02080604020202020204" pitchFamily="34" charset="0"/>
                 <a:cs typeface="Arial" panose="02080604020202020204" pitchFamily="34" charset="0"/>
               </a:rPr>
@@ -10523,7 +9764,7 @@
 </p:sld>
 </file>
 
-<file path=ppt/slides/slide32.xml><?xml version="1.0" encoding="utf-8"?>
+<file path=ppt/slides/slide28.xml><?xml version="1.0" encoding="utf-8"?>
 <p:sld xmlns:a="http://schemas.openxmlformats.org/drawingml/2006/main" xmlns:r="http://schemas.openxmlformats.org/officeDocument/2006/relationships" xmlns:p="http://schemas.openxmlformats.org/presentationml/2006/main">
   <p:cSld>
     <p:spTree>
@@ -10557,14 +9798,14 @@
               <a:t>IMPLEMENTAZIONE </a:t>
             </a:r>
             <a:r>
-              <a:rPr lang="" altLang="en-US" sz="1200" b="1" dirty="0">
+              <a:rPr lang="en-US" altLang="en-US" sz="1200" b="1" dirty="0">
                 <a:latin typeface="Arial" panose="02080604020202020204" pitchFamily="34" charset="0"/>
                 <a:cs typeface="Arial" panose="02080604020202020204" pitchFamily="34" charset="0"/>
                 <a:sym typeface="+mn-ea"/>
               </a:rPr>
               <a:t>(raspberry)</a:t>
             </a:r>
-            <a:endParaRPr lang="" altLang="en-US" sz="1200" b="1" dirty="0">
+            <a:endParaRPr lang="en-US" altLang="en-US" sz="1200" b="1" dirty="0">
               <a:latin typeface="Arial" panose="02080604020202020204" pitchFamily="34" charset="0"/>
               <a:cs typeface="Arial" panose="02080604020202020204" pitchFamily="34" charset="0"/>
               <a:sym typeface="+mn-ea"/>
@@ -10590,10 +9831,10 @@
               <a:buNone/>
             </a:pPr>
             <a:r>
-              <a:rPr lang="" altLang="en-US"/>
+              <a:rPr lang="en-US" altLang="en-US"/>
               <a:t>Ciclo di vita:</a:t>
             </a:r>
-            <a:endParaRPr lang="" altLang="en-US"/>
+            <a:endParaRPr lang="en-US" altLang="en-US"/>
           </a:p>
           <a:p>
             <a:pPr marL="514350" indent="-514350">
@@ -10603,18 +9844,18 @@
               <a:buAutoNum type="arabicPeriod"/>
             </a:pPr>
             <a:r>
-              <a:rPr lang="" altLang="en-US"/>
+              <a:rPr lang="en-US" altLang="en-US"/>
               <a:t>Carica il file di config (</a:t>
             </a:r>
             <a:r>
-              <a:rPr lang="" altLang="en-US" i="1"/>
+              <a:rPr lang="en-US" altLang="en-US" i="1"/>
               <a:t>config.json</a:t>
             </a:r>
             <a:r>
-              <a:rPr lang="" altLang="en-US"/>
+              <a:rPr lang="en-US" altLang="en-US"/>
               <a:t>)</a:t>
             </a:r>
-            <a:endParaRPr lang="" altLang="en-US"/>
+            <a:endParaRPr lang="en-US" altLang="en-US"/>
           </a:p>
           <a:p>
             <a:pPr marL="514350" indent="-514350">
@@ -10624,18 +9865,18 @@
               <a:buAutoNum type="arabicPeriod"/>
             </a:pPr>
             <a:r>
-              <a:rPr lang="" altLang="en-US"/>
+              <a:rPr lang="en-US" altLang="en-US"/>
               <a:t>Legge i dati dalle APIs (</a:t>
             </a:r>
             <a:r>
-              <a:rPr lang="" altLang="en-US" i="1"/>
+              <a:rPr lang="en-US" altLang="en-US" i="1"/>
               <a:t>calendar</a:t>
             </a:r>
             <a:r>
-              <a:rPr lang="" altLang="en-US"/>
+              <a:rPr lang="en-US" altLang="en-US"/>
               <a:t>)</a:t>
             </a:r>
-            <a:endParaRPr lang="" altLang="en-US"/>
+            <a:endParaRPr lang="en-US" altLang="en-US"/>
           </a:p>
           <a:p>
             <a:pPr marL="514350" indent="-514350">
@@ -10645,10 +9886,10 @@
               <a:buAutoNum type="arabicPeriod"/>
             </a:pPr>
             <a:r>
-              <a:rPr lang="" altLang="en-US"/>
+              <a:rPr lang="en-US" altLang="en-US"/>
               <a:t>Mostra i dati nella tabella (JQuery)</a:t>
             </a:r>
-            <a:endParaRPr lang="" altLang="en-US"/>
+            <a:endParaRPr lang="en-US" altLang="en-US"/>
           </a:p>
           <a:p>
             <a:pPr marL="514350" indent="-514350">
@@ -10658,10 +9899,10 @@
               <a:buAutoNum type="arabicPeriod"/>
             </a:pPr>
             <a:r>
-              <a:rPr lang="" altLang="en-US"/>
+              <a:rPr lang="en-US" altLang="en-US"/>
               <a:t>Aspetta 20 secondi</a:t>
             </a:r>
-            <a:endParaRPr lang="" altLang="en-US"/>
+            <a:endParaRPr lang="en-US" altLang="en-US"/>
           </a:p>
           <a:p>
             <a:pPr marL="514350" indent="-514350">
@@ -10671,16 +9912,16 @@
               <a:buAutoNum type="arabicPeriod"/>
             </a:pPr>
             <a:r>
-              <a:rPr lang="" altLang="en-US"/>
+              <a:rPr lang="en-US" altLang="en-US"/>
               <a:t>REPEAT!</a:t>
             </a:r>
-            <a:endParaRPr lang="" altLang="en-US"/>
+            <a:endParaRPr lang="en-US" altLang="en-US"/>
           </a:p>
           <a:p>
             <a:pPr marL="514350" indent="-514350">
               <a:buAutoNum type="arabicPeriod"/>
             </a:pPr>
-            <a:endParaRPr lang="" altLang="en-US"/>
+            <a:endParaRPr lang="en-US" altLang="en-US"/>
           </a:p>
         </p:txBody>
       </p:sp>
@@ -10692,7 +9933,7 @@
 </p:sld>
 </file>
 
-<file path=ppt/slides/slide33.xml><?xml version="1.0" encoding="utf-8"?>
+<file path=ppt/slides/slide29.xml><?xml version="1.0" encoding="utf-8"?>
 <p:sld xmlns:a="http://schemas.openxmlformats.org/drawingml/2006/main" xmlns:r="http://schemas.openxmlformats.org/officeDocument/2006/relationships" xmlns:p="http://schemas.openxmlformats.org/presentationml/2006/main">
   <p:cSld>
     <p:spTree>
@@ -10863,7 +10104,196 @@
 </p:sld>
 </file>
 
-<file path=ppt/slides/slide34.xml><?xml version="1.0" encoding="utf-8"?>
+<file path=ppt/slides/slide3.xml><?xml version="1.0" encoding="utf-8"?>
+<p:sld xmlns:a="http://schemas.openxmlformats.org/drawingml/2006/main" xmlns:r="http://schemas.openxmlformats.org/officeDocument/2006/relationships" xmlns:p="http://schemas.openxmlformats.org/presentationml/2006/main">
+  <p:cSld>
+    <p:spTree>
+      <p:nvGrpSpPr>
+        <p:cNvPr id="1" name=""/>
+        <p:cNvGrpSpPr/>
+        <p:nvPr/>
+      </p:nvGrpSpPr>
+      <p:grpSpPr/>
+      <p:sp>
+        <p:nvSpPr>
+          <p:cNvPr id="2" name="Title 1"/>
+          <p:cNvSpPr>
+            <a:spLocks noGrp="1"/>
+          </p:cNvSpPr>
+          <p:nvPr>
+            <p:ph type="title"/>
+          </p:nvPr>
+        </p:nvSpPr>
+        <p:spPr/>
+        <p:txBody>
+          <a:bodyPr/>
+          <a:p>
+            <a:pPr algn="r" fontAlgn="auto" latinLnBrk="1">
+              <a:buClrTx/>
+              <a:buSzTx/>
+              <a:buFontTx/>
+            </a:pPr>
+            <a:r>
+              <a:rPr lang="en-US" sz="4800" b="1" dirty="0">
+                <a:latin typeface="Arial" panose="02080604020202020204" pitchFamily="34" charset="0"/>
+                <a:cs typeface="Arial" panose="02080604020202020204" pitchFamily="34" charset="0"/>
+              </a:rPr>
+              <a:t>INDICE</a:t>
+            </a:r>
+            <a:endParaRPr lang="en-US" sz="4800" b="1" dirty="0">
+              <a:latin typeface="Arial" panose="02080604020202020204" pitchFamily="34" charset="0"/>
+              <a:cs typeface="Arial" panose="02080604020202020204" pitchFamily="34" charset="0"/>
+            </a:endParaRPr>
+          </a:p>
+        </p:txBody>
+      </p:sp>
+      <p:sp>
+        <p:nvSpPr>
+          <p:cNvPr id="3" name="Content Placeholder 2"/>
+          <p:cNvSpPr>
+            <a:spLocks noGrp="1"/>
+          </p:cNvSpPr>
+          <p:nvPr>
+            <p:ph idx="1"/>
+          </p:nvPr>
+        </p:nvSpPr>
+        <p:spPr>
+          <a:xfrm>
+            <a:off x="457200" y="561975"/>
+            <a:ext cx="8229600" cy="5302250"/>
+          </a:xfrm>
+        </p:spPr>
+        <p:txBody>
+          <a:bodyPr/>
+          <a:p>
+            <a:pPr marL="285750" indent="-285750">
+              <a:lnSpc>
+                <a:spcPct val="100000"/>
+              </a:lnSpc>
+              <a:buFont typeface="Arial" panose="02080604020202020204" pitchFamily="34" charset="0"/>
+              <a:buChar char="•"/>
+            </a:pPr>
+            <a:r>
+              <a:rPr lang="it-IT" sz="4000" dirty="0">
+                <a:sym typeface="+mn-ea"/>
+              </a:rPr>
+              <a:t>Scopo </a:t>
+            </a:r>
+            <a:endParaRPr lang="it-IT" sz="4000" dirty="0"/>
+          </a:p>
+          <a:p>
+            <a:pPr marL="285750" indent="-285750">
+              <a:lnSpc>
+                <a:spcPct val="100000"/>
+              </a:lnSpc>
+              <a:buFont typeface="Arial" panose="02080604020202020204" pitchFamily="34" charset="0"/>
+              <a:buChar char="•"/>
+            </a:pPr>
+            <a:r>
+              <a:rPr lang="it-IT" sz="4000" dirty="0">
+                <a:sym typeface="+mn-ea"/>
+              </a:rPr>
+              <a:t>Analisi</a:t>
+            </a:r>
+            <a:endParaRPr lang="it-IT" sz="4000" dirty="0"/>
+          </a:p>
+          <a:p>
+            <a:pPr marL="285750" indent="-285750">
+              <a:lnSpc>
+                <a:spcPct val="100000"/>
+              </a:lnSpc>
+              <a:buFont typeface="Arial" panose="02080604020202020204" pitchFamily="34" charset="0"/>
+              <a:buChar char="•"/>
+            </a:pPr>
+            <a:r>
+              <a:rPr lang="it-IT" sz="4000" dirty="0" err="1">
+                <a:sym typeface="+mn-ea"/>
+              </a:rPr>
+              <a:t>Gantt</a:t>
+            </a:r>
+            <a:endParaRPr lang="it-IT" sz="4000" dirty="0"/>
+          </a:p>
+          <a:p>
+            <a:pPr marL="285750" indent="-285750">
+              <a:lnSpc>
+                <a:spcPct val="100000"/>
+              </a:lnSpc>
+              <a:buFont typeface="Arial" panose="02080604020202020204" pitchFamily="34" charset="0"/>
+              <a:buChar char="•"/>
+            </a:pPr>
+            <a:r>
+              <a:rPr lang="it-IT" sz="4000" dirty="0">
+                <a:sym typeface="+mn-ea"/>
+              </a:rPr>
+              <a:t>Progettazione</a:t>
+            </a:r>
+            <a:endParaRPr lang="it-IT" sz="4000" dirty="0"/>
+          </a:p>
+          <a:p>
+            <a:pPr marL="285750" indent="-285750">
+              <a:lnSpc>
+                <a:spcPct val="100000"/>
+              </a:lnSpc>
+              <a:buFont typeface="Arial" panose="02080604020202020204" pitchFamily="34" charset="0"/>
+              <a:buChar char="•"/>
+            </a:pPr>
+            <a:r>
+              <a:rPr lang="it-IT" sz="4000" dirty="0">
+                <a:sym typeface="+mn-ea"/>
+              </a:rPr>
+              <a:t>Implementazione</a:t>
+            </a:r>
+            <a:endParaRPr lang="it-IT" sz="4000" dirty="0">
+              <a:sym typeface="+mn-ea"/>
+            </a:endParaRPr>
+          </a:p>
+          <a:p>
+            <a:pPr marL="285750" indent="-285750">
+              <a:lnSpc>
+                <a:spcPct val="100000"/>
+              </a:lnSpc>
+              <a:buFont typeface="Arial" panose="02080604020202020204" pitchFamily="34" charset="0"/>
+              <a:buChar char="•"/>
+            </a:pPr>
+            <a:r>
+              <a:rPr lang="en-US" altLang="it-IT" sz="4000" dirty="0">
+                <a:sym typeface="+mn-ea"/>
+              </a:rPr>
+              <a:t>Test</a:t>
+            </a:r>
+            <a:endParaRPr lang="en-US" altLang="it-IT" sz="4000" dirty="0">
+              <a:sym typeface="+mn-ea"/>
+            </a:endParaRPr>
+          </a:p>
+          <a:p>
+            <a:pPr marL="285750" indent="-285750">
+              <a:lnSpc>
+                <a:spcPct val="100000"/>
+              </a:lnSpc>
+              <a:buFont typeface="Arial" panose="02080604020202020204" pitchFamily="34" charset="0"/>
+              <a:buChar char="•"/>
+            </a:pPr>
+            <a:r>
+              <a:rPr lang="en-US" altLang="it-IT" sz="4000" dirty="0">
+                <a:sym typeface="+mn-ea"/>
+              </a:rPr>
+              <a:t>Conclusioni</a:t>
+            </a:r>
+            <a:endParaRPr lang="en-US" altLang="it-IT" sz="4000" dirty="0">
+              <a:sym typeface="+mn-ea"/>
+            </a:endParaRPr>
+          </a:p>
+        </p:txBody>
+      </p:sp>
+    </p:spTree>
+  </p:cSld>
+  <p:clrMapOvr>
+    <a:masterClrMapping/>
+  </p:clrMapOvr>
+</p:sld>
+</file>
+
+<file path=ppt/slides/slide30.xml><?xml version="1.0" encoding="utf-8"?>
 <p:sld xmlns:a="http://schemas.openxmlformats.org/drawingml/2006/main" xmlns:r="http://schemas.openxmlformats.org/officeDocument/2006/relationships" xmlns:p="http://schemas.openxmlformats.org/presentationml/2006/main">
   <p:cSld>
     <p:spTree>
@@ -10944,7 +10374,7 @@
 </p:sld>
 </file>
 
-<file path=ppt/slides/slide35.xml><?xml version="1.0" encoding="utf-8"?>
+<file path=ppt/slides/slide31.xml><?xml version="1.0" encoding="utf-8"?>
 <p:sld xmlns:a="http://schemas.openxmlformats.org/drawingml/2006/main" xmlns:r="http://schemas.openxmlformats.org/officeDocument/2006/relationships" xmlns:p="http://schemas.openxmlformats.org/presentationml/2006/main">
   <p:cSld>
     <p:spTree>
@@ -10975,13 +10405,13 @@
           <a:p>
             <a:pPr algn="ctr"/>
             <a:r>
-              <a:rPr lang="" altLang="en-US" b="1" dirty="0">
+              <a:rPr lang="en-US" altLang="en-US" b="1" dirty="0">
                 <a:latin typeface="Arial" panose="02080604020202020204" pitchFamily="34" charset="0"/>
                 <a:cs typeface="Arial" panose="02080604020202020204" pitchFamily="34" charset="0"/>
               </a:rPr>
               <a:t>Report</a:t>
             </a:r>
-            <a:endParaRPr lang="" altLang="en-US" b="1" dirty="0">
+            <a:endParaRPr lang="en-US" altLang="en-US" b="1" dirty="0">
               <a:latin typeface="Arial" panose="02080604020202020204" pitchFamily="34" charset="0"/>
               <a:cs typeface="Arial" panose="02080604020202020204" pitchFamily="34" charset="0"/>
             </a:endParaRPr>
@@ -10996,7 +10426,7 @@
 </p:sld>
 </file>
 
-<file path=ppt/slides/slide36.xml><?xml version="1.0" encoding="utf-8"?>
+<file path=ppt/slides/slide32.xml><?xml version="1.0" encoding="utf-8"?>
 <p:sld xmlns:a="http://schemas.openxmlformats.org/drawingml/2006/main" xmlns:r="http://schemas.openxmlformats.org/officeDocument/2006/relationships" xmlns:p="http://schemas.openxmlformats.org/presentationml/2006/main">
   <p:cSld>
     <p:spTree>
@@ -11030,14 +10460,14 @@
               <a:t>IMPLEMENTAZIONE </a:t>
             </a:r>
             <a:r>
-              <a:rPr lang="" altLang="en-US" sz="1200" b="1" dirty="0">
+              <a:rPr lang="en-US" altLang="en-US" sz="1200" b="1" dirty="0">
                 <a:latin typeface="Arial" panose="02080604020202020204" pitchFamily="34" charset="0"/>
                 <a:cs typeface="Arial" panose="02080604020202020204" pitchFamily="34" charset="0"/>
                 <a:sym typeface="+mn-ea"/>
               </a:rPr>
               <a:t>(report)</a:t>
             </a:r>
-            <a:endParaRPr lang="" altLang="en-US" sz="1200" b="1" dirty="0">
+            <a:endParaRPr lang="en-US" altLang="en-US" sz="1200" b="1" dirty="0">
               <a:latin typeface="Arial" panose="02080604020202020204" pitchFamily="34" charset="0"/>
               <a:cs typeface="Arial" panose="02080604020202020204" pitchFamily="34" charset="0"/>
               <a:sym typeface="+mn-ea"/>
@@ -11060,57 +10490,57 @@
           <a:bodyPr/>
           <a:p>
             <a:r>
-              <a:rPr lang="" altLang="en-US"/>
+              <a:rPr lang="en-US" altLang="en-US"/>
               <a:t>Monitorizzare il servizio</a:t>
             </a:r>
-            <a:endParaRPr lang="" altLang="en-US"/>
-          </a:p>
-          <a:p>
-            <a:r>
-              <a:rPr lang="" altLang="en-US"/>
+            <a:endParaRPr lang="en-US" altLang="en-US"/>
+          </a:p>
+          <a:p>
+            <a:r>
+              <a:rPr lang="en-US" altLang="en-US"/>
               <a:t>5 tipi di report</a:t>
             </a:r>
-            <a:endParaRPr lang="" altLang="en-US"/>
+            <a:endParaRPr lang="en-US" altLang="en-US"/>
           </a:p>
           <a:p>
             <a:pPr lvl="1"/>
             <a:r>
-              <a:rPr lang="" altLang="en-US"/>
+              <a:rPr lang="en-US" altLang="en-US"/>
               <a:t>Giornaliero</a:t>
             </a:r>
-            <a:endParaRPr lang="" altLang="en-US"/>
+            <a:endParaRPr lang="en-US" altLang="en-US"/>
           </a:p>
           <a:p>
             <a:pPr lvl="1"/>
             <a:r>
-              <a:rPr lang="" altLang="en-US"/>
+              <a:rPr lang="en-US" altLang="en-US"/>
               <a:t>Settimanale</a:t>
             </a:r>
-            <a:endParaRPr lang="" altLang="en-US"/>
+            <a:endParaRPr lang="en-US" altLang="en-US"/>
           </a:p>
           <a:p>
             <a:pPr lvl="1"/>
             <a:r>
-              <a:rPr lang="" altLang="en-US"/>
+              <a:rPr lang="en-US" altLang="en-US"/>
               <a:t>Mensile</a:t>
             </a:r>
-            <a:endParaRPr lang="" altLang="en-US"/>
+            <a:endParaRPr lang="en-US" altLang="en-US"/>
           </a:p>
           <a:p>
             <a:pPr lvl="1"/>
             <a:r>
-              <a:rPr lang="" altLang="en-US"/>
+              <a:rPr lang="en-US" altLang="en-US"/>
               <a:t>Annuale</a:t>
             </a:r>
-            <a:endParaRPr lang="" altLang="en-US"/>
+            <a:endParaRPr lang="en-US" altLang="en-US"/>
           </a:p>
           <a:p>
             <a:pPr lvl="1"/>
             <a:r>
-              <a:rPr lang="" altLang="en-US"/>
+              <a:rPr lang="en-US" altLang="en-US"/>
               <a:t>Completo</a:t>
             </a:r>
-            <a:endParaRPr lang="" altLang="en-US"/>
+            <a:endParaRPr lang="en-US" altLang="en-US"/>
           </a:p>
           <a:p>
             <a:pPr lvl="0">
@@ -11119,10 +10549,10 @@
               </a:lnSpc>
             </a:pPr>
             <a:r>
-              <a:rPr lang="" altLang="en-US"/>
+              <a:rPr lang="en-US" altLang="en-US"/>
               <a:t>Possibilità di mostrare prenotazioni vecchie</a:t>
             </a:r>
-            <a:endParaRPr lang="" altLang="en-US"/>
+            <a:endParaRPr lang="en-US" altLang="en-US"/>
           </a:p>
         </p:txBody>
       </p:sp>
@@ -11134,7 +10564,7 @@
 </p:sld>
 </file>
 
-<file path=ppt/slides/slide37.xml><?xml version="1.0" encoding="utf-8"?>
+<file path=ppt/slides/slide33.xml><?xml version="1.0" encoding="utf-8"?>
 <p:sld xmlns:a="http://schemas.openxmlformats.org/drawingml/2006/main" xmlns:r="http://schemas.openxmlformats.org/officeDocument/2006/relationships" xmlns:p="http://schemas.openxmlformats.org/presentationml/2006/main">
   <p:cSld>
     <p:spTree>
@@ -11256,7 +10686,7 @@
 </p:sld>
 </file>
 
-<file path=ppt/slides/slide38.xml><?xml version="1.0" encoding="utf-8"?>
+<file path=ppt/slides/slide34.xml><?xml version="1.0" encoding="utf-8"?>
 <p:sld xmlns:a="http://schemas.openxmlformats.org/drawingml/2006/main" xmlns:r="http://schemas.openxmlformats.org/officeDocument/2006/relationships" xmlns:p="http://schemas.openxmlformats.org/presentationml/2006/main">
   <p:cSld>
     <p:spTree>
@@ -11348,7 +10778,7 @@
 </p:sld>
 </file>
 
-<file path=ppt/slides/slide39.xml><?xml version="1.0" encoding="utf-8"?>
+<file path=ppt/slides/slide35.xml><?xml version="1.0" encoding="utf-8"?>
 <p:sld xmlns:a="http://schemas.openxmlformats.org/drawingml/2006/main" xmlns:r="http://schemas.openxmlformats.org/officeDocument/2006/relationships" xmlns:p="http://schemas.openxmlformats.org/presentationml/2006/main">
   <p:cSld>
     <p:spTree>
@@ -11435,170 +10865,7 @@
 </p:sld>
 </file>
 
-<file path=ppt/slides/slide4.xml><?xml version="1.0" encoding="utf-8"?>
-<p:sld xmlns:a="http://schemas.openxmlformats.org/drawingml/2006/main" xmlns:r="http://schemas.openxmlformats.org/officeDocument/2006/relationships" xmlns:p="http://schemas.openxmlformats.org/presentationml/2006/main">
-  <p:cSld>
-    <p:spTree>
-      <p:nvGrpSpPr>
-        <p:cNvPr id="1" name=""/>
-        <p:cNvGrpSpPr/>
-        <p:nvPr/>
-      </p:nvGrpSpPr>
-      <p:grpSpPr/>
-      <p:sp>
-        <p:nvSpPr>
-          <p:cNvPr id="2" name="Title 1"/>
-          <p:cNvSpPr>
-            <a:spLocks noGrp="1"/>
-          </p:cNvSpPr>
-          <p:nvPr>
-            <p:ph type="title"/>
-          </p:nvPr>
-        </p:nvSpPr>
-        <p:spPr/>
-        <p:txBody>
-          <a:bodyPr/>
-          <a:p>
-            <a:pPr algn="r"/>
-            <a:r>
-              <a:rPr lang="en-US" sz="4800" b="1" dirty="0">
-                <a:latin typeface="Arial" panose="02080604020202020204" pitchFamily="34" charset="0"/>
-                <a:cs typeface="Arial" panose="02080604020202020204" pitchFamily="34" charset="0"/>
-              </a:rPr>
-              <a:t>SCOPO</a:t>
-            </a:r>
-            <a:endParaRPr lang="en-US" sz="4800" b="1" dirty="0">
-              <a:latin typeface="Arial" panose="02080604020202020204" pitchFamily="34" charset="0"/>
-              <a:cs typeface="Arial" panose="02080604020202020204" pitchFamily="34" charset="0"/>
-            </a:endParaRPr>
-          </a:p>
-        </p:txBody>
-      </p:sp>
-      <p:sp>
-        <p:nvSpPr>
-          <p:cNvPr id="3" name="Content Placeholder 2"/>
-          <p:cNvSpPr>
-            <a:spLocks noGrp="1"/>
-          </p:cNvSpPr>
-          <p:nvPr>
-            <p:ph idx="1"/>
-          </p:nvPr>
-        </p:nvSpPr>
-        <p:spPr>
-          <a:xfrm>
-            <a:off x="457200" y="846455"/>
-            <a:ext cx="8229600" cy="4953000"/>
-          </a:xfrm>
-        </p:spPr>
-        <p:txBody>
-          <a:bodyPr/>
-          <a:p>
-            <a:pPr>
-              <a:lnSpc>
-                <a:spcPct val="150000"/>
-              </a:lnSpc>
-            </a:pPr>
-            <a:r>
-              <a:rPr lang="en-US" altLang="en-US"/>
-              <a:t>Riservazione aula A-418</a:t>
-            </a:r>
-            <a:endParaRPr lang="en-US" altLang="en-US"/>
-          </a:p>
-          <a:p>
-            <a:pPr>
-              <a:lnSpc>
-                <a:spcPct val="150000"/>
-              </a:lnSpc>
-            </a:pPr>
-            <a:r>
-              <a:rPr lang="en-US" altLang="en-US"/>
-              <a:t>Web</a:t>
-            </a:r>
-            <a:endParaRPr lang="en-US" altLang="en-US"/>
-          </a:p>
-          <a:p>
-            <a:pPr lvl="1">
-              <a:lnSpc>
-                <a:spcPct val="150000"/>
-              </a:lnSpc>
-            </a:pPr>
-            <a:r>
-              <a:rPr lang="en-US" altLang="en-US" sz="2800"/>
-              <a:t>Gestione utenti</a:t>
-            </a:r>
-            <a:endParaRPr lang="en-US" altLang="en-US" sz="2800"/>
-          </a:p>
-          <a:p>
-            <a:pPr lvl="1">
-              <a:lnSpc>
-                <a:spcPct val="150000"/>
-              </a:lnSpc>
-            </a:pPr>
-            <a:r>
-              <a:rPr lang="en-US" altLang="en-US" sz="2800"/>
-              <a:t>Gestione prenotazioni</a:t>
-            </a:r>
-            <a:endParaRPr lang="en-US" altLang="en-US" sz="2800"/>
-          </a:p>
-          <a:p>
-            <a:pPr lvl="1">
-              <a:lnSpc>
-                <a:spcPct val="150000"/>
-              </a:lnSpc>
-            </a:pPr>
-            <a:r>
-              <a:rPr lang="en-US" altLang="en-US" sz="2800"/>
-              <a:t>Generazione report</a:t>
-            </a:r>
-            <a:endParaRPr lang="en-US" altLang="en-US"/>
-          </a:p>
-          <a:p>
-            <a:pPr>
-              <a:lnSpc>
-                <a:spcPct val="150000"/>
-              </a:lnSpc>
-            </a:pPr>
-            <a:r>
-              <a:rPr lang="en-US" altLang="en-US"/>
-              <a:t>Schermo + Raspberry Pi</a:t>
-            </a:r>
-            <a:endParaRPr lang="en-US" altLang="en-US"/>
-          </a:p>
-        </p:txBody>
-      </p:sp>
-      <p:pic>
-        <p:nvPicPr>
-          <p:cNvPr id="4" name="Picture 3"/>
-          <p:cNvPicPr>
-            <a:picLocks noChangeAspect="1"/>
-          </p:cNvPicPr>
-          <p:nvPr/>
-        </p:nvPicPr>
-        <p:blipFill>
-          <a:blip r:embed="rId1"/>
-          <a:stretch>
-            <a:fillRect/>
-          </a:stretch>
-        </p:blipFill>
-        <p:spPr>
-          <a:xfrm>
-            <a:off x="5816600" y="4614545"/>
-            <a:ext cx="1172845" cy="1044575"/>
-          </a:xfrm>
-          <a:prstGeom prst="rect">
-            <a:avLst/>
-          </a:prstGeom>
-        </p:spPr>
-      </p:pic>
-    </p:spTree>
-  </p:cSld>
-  <p:clrMapOvr>
-    <a:masterClrMapping/>
-  </p:clrMapOvr>
-</p:sld>
-</file>
-
-<file path=ppt/slides/slide40.xml><?xml version="1.0" encoding="utf-8"?>
+<file path=ppt/slides/slide36.xml><?xml version="1.0" encoding="utf-8"?>
 <p:sld xmlns:a="http://schemas.openxmlformats.org/drawingml/2006/main" xmlns:r="http://schemas.openxmlformats.org/officeDocument/2006/relationships" xmlns:p="http://schemas.openxmlformats.org/presentationml/2006/main">
   <p:cSld>
     <p:spTree>
@@ -11986,7 +11253,7 @@
 </p:sld>
 </file>
 
-<file path=ppt/slides/slide41.xml><?xml version="1.0" encoding="utf-8"?>
+<file path=ppt/slides/slide37.xml><?xml version="1.0" encoding="utf-8"?>
 <p:sld xmlns:a="http://schemas.openxmlformats.org/drawingml/2006/main" xmlns:r="http://schemas.openxmlformats.org/officeDocument/2006/relationships" xmlns:p="http://schemas.openxmlformats.org/presentationml/2006/main">
   <p:cSld>
     <p:spTree>
@@ -12038,7 +11305,7 @@
 </p:sld>
 </file>
 
-<file path=ppt/slides/slide42.xml><?xml version="1.0" encoding="utf-8"?>
+<file path=ppt/slides/slide38.xml><?xml version="1.0" encoding="utf-8"?>
 <p:sld xmlns:a="http://schemas.openxmlformats.org/drawingml/2006/main" xmlns:r="http://schemas.openxmlformats.org/officeDocument/2006/relationships" xmlns:p="http://schemas.openxmlformats.org/presentationml/2006/main">
   <p:cSld>
     <p:spTree>
@@ -12090,7 +11357,7 @@
 </p:sld>
 </file>
 
-<file path=ppt/slides/slide43.xml><?xml version="1.0" encoding="utf-8"?>
+<file path=ppt/slides/slide39.xml><?xml version="1.0" encoding="utf-8"?>
 <p:sld xmlns:a="http://schemas.openxmlformats.org/drawingml/2006/main" xmlns:r="http://schemas.openxmlformats.org/officeDocument/2006/relationships" xmlns:p="http://schemas.openxmlformats.org/presentationml/2006/main">
   <p:cSld>
     <p:spTree>
@@ -12143,6 +11410,169 @@
           </a:p>
         </p:txBody>
       </p:sp>
+    </p:spTree>
+  </p:cSld>
+  <p:clrMapOvr>
+    <a:masterClrMapping/>
+  </p:clrMapOvr>
+</p:sld>
+</file>
+
+<file path=ppt/slides/slide4.xml><?xml version="1.0" encoding="utf-8"?>
+<p:sld xmlns:a="http://schemas.openxmlformats.org/drawingml/2006/main" xmlns:r="http://schemas.openxmlformats.org/officeDocument/2006/relationships" xmlns:p="http://schemas.openxmlformats.org/presentationml/2006/main">
+  <p:cSld>
+    <p:spTree>
+      <p:nvGrpSpPr>
+        <p:cNvPr id="1" name=""/>
+        <p:cNvGrpSpPr/>
+        <p:nvPr/>
+      </p:nvGrpSpPr>
+      <p:grpSpPr/>
+      <p:sp>
+        <p:nvSpPr>
+          <p:cNvPr id="2" name="Title 1"/>
+          <p:cNvSpPr>
+            <a:spLocks noGrp="1"/>
+          </p:cNvSpPr>
+          <p:nvPr>
+            <p:ph type="title"/>
+          </p:nvPr>
+        </p:nvSpPr>
+        <p:spPr/>
+        <p:txBody>
+          <a:bodyPr/>
+          <a:p>
+            <a:pPr algn="r"/>
+            <a:r>
+              <a:rPr lang="en-US" sz="4800" b="1" dirty="0">
+                <a:latin typeface="Arial" panose="02080604020202020204" pitchFamily="34" charset="0"/>
+                <a:cs typeface="Arial" panose="02080604020202020204" pitchFamily="34" charset="0"/>
+              </a:rPr>
+              <a:t>SCOPO</a:t>
+            </a:r>
+            <a:endParaRPr lang="en-US" sz="4800" b="1" dirty="0">
+              <a:latin typeface="Arial" panose="02080604020202020204" pitchFamily="34" charset="0"/>
+              <a:cs typeface="Arial" panose="02080604020202020204" pitchFamily="34" charset="0"/>
+            </a:endParaRPr>
+          </a:p>
+        </p:txBody>
+      </p:sp>
+      <p:sp>
+        <p:nvSpPr>
+          <p:cNvPr id="3" name="Content Placeholder 2"/>
+          <p:cNvSpPr>
+            <a:spLocks noGrp="1"/>
+          </p:cNvSpPr>
+          <p:nvPr>
+            <p:ph idx="1"/>
+          </p:nvPr>
+        </p:nvSpPr>
+        <p:spPr>
+          <a:xfrm>
+            <a:off x="457200" y="846455"/>
+            <a:ext cx="8229600" cy="4953000"/>
+          </a:xfrm>
+        </p:spPr>
+        <p:txBody>
+          <a:bodyPr/>
+          <a:p>
+            <a:pPr>
+              <a:lnSpc>
+                <a:spcPct val="150000"/>
+              </a:lnSpc>
+            </a:pPr>
+            <a:r>
+              <a:rPr lang="en-US" altLang="en-US"/>
+              <a:t>Riservazione aula A-418</a:t>
+            </a:r>
+            <a:endParaRPr lang="en-US" altLang="en-US"/>
+          </a:p>
+          <a:p>
+            <a:pPr>
+              <a:lnSpc>
+                <a:spcPct val="150000"/>
+              </a:lnSpc>
+            </a:pPr>
+            <a:r>
+              <a:rPr lang="en-US" altLang="en-US"/>
+              <a:t>Web</a:t>
+            </a:r>
+            <a:endParaRPr lang="en-US" altLang="en-US"/>
+          </a:p>
+          <a:p>
+            <a:pPr lvl="1">
+              <a:lnSpc>
+                <a:spcPct val="150000"/>
+              </a:lnSpc>
+            </a:pPr>
+            <a:r>
+              <a:rPr lang="en-US" altLang="en-US" sz="2800"/>
+              <a:t>Gestione utenti</a:t>
+            </a:r>
+            <a:endParaRPr lang="en-US" altLang="en-US" sz="2800"/>
+          </a:p>
+          <a:p>
+            <a:pPr lvl="1">
+              <a:lnSpc>
+                <a:spcPct val="150000"/>
+              </a:lnSpc>
+            </a:pPr>
+            <a:r>
+              <a:rPr lang="en-US" altLang="en-US" sz="2800"/>
+              <a:t>Gestione prenotazioni</a:t>
+            </a:r>
+            <a:endParaRPr lang="en-US" altLang="en-US" sz="2800"/>
+          </a:p>
+          <a:p>
+            <a:pPr lvl="1">
+              <a:lnSpc>
+                <a:spcPct val="150000"/>
+              </a:lnSpc>
+            </a:pPr>
+            <a:r>
+              <a:rPr lang="en-US" altLang="en-US" sz="2800"/>
+              <a:t>Generazione report</a:t>
+            </a:r>
+            <a:endParaRPr lang="en-US" altLang="en-US"/>
+          </a:p>
+          <a:p>
+            <a:pPr>
+              <a:lnSpc>
+                <a:spcPct val="150000"/>
+              </a:lnSpc>
+            </a:pPr>
+            <a:r>
+              <a:rPr lang="en-US" altLang="en-US"/>
+              <a:t>Schermo + Raspberry Pi</a:t>
+            </a:r>
+            <a:endParaRPr lang="en-US" altLang="en-US"/>
+          </a:p>
+        </p:txBody>
+      </p:sp>
+      <p:pic>
+        <p:nvPicPr>
+          <p:cNvPr id="4" name="Picture 3"/>
+          <p:cNvPicPr>
+            <a:picLocks noChangeAspect="1"/>
+          </p:cNvPicPr>
+          <p:nvPr/>
+        </p:nvPicPr>
+        <p:blipFill>
+          <a:blip r:embed="rId1"/>
+          <a:stretch>
+            <a:fillRect/>
+          </a:stretch>
+        </p:blipFill>
+        <p:spPr>
+          <a:xfrm>
+            <a:off x="5816600" y="4614545"/>
+            <a:ext cx="1172845" cy="1044575"/>
+          </a:xfrm>
+          <a:prstGeom prst="rect">
+            <a:avLst/>
+          </a:prstGeom>
+        </p:spPr>
+      </p:pic>
     </p:spTree>
   </p:cSld>
   <p:clrMapOvr>
@@ -12465,202 +11895,26 @@
       <p:grpSpPr/>
       <p:sp>
         <p:nvSpPr>
-          <p:cNvPr id="2" name="Title 1"/>
-          <p:cNvSpPr>
-            <a:spLocks noGrp="1"/>
-          </p:cNvSpPr>
-          <p:nvPr>
-            <p:ph type="title"/>
+          <p:cNvPr id="4" name="Title 3"/>
+          <p:cNvSpPr>
+            <a:spLocks noGrp="1" noChangeArrowheads="1"/>
+          </p:cNvSpPr>
+          <p:nvPr>
+            <p:ph type="ctrTitle"/>
           </p:nvPr>
         </p:nvSpPr>
         <p:spPr/>
         <p:txBody>
           <a:bodyPr/>
           <a:p>
-            <a:pPr algn="r"/>
-            <a:r>
-              <a:rPr lang="en-US" sz="4800" b="1" dirty="0">
-                <a:latin typeface="Arial" panose="02080604020202020204" pitchFamily="34" charset="0"/>
-                <a:cs typeface="Arial" panose="02080604020202020204" pitchFamily="34" charset="0"/>
-              </a:rPr>
-              <a:t>GANTT</a:t>
-            </a:r>
-            <a:r>
-              <a:rPr lang="en-US" altLang="en-US" sz="2400" b="1" dirty="0">
-                <a:latin typeface="Arial" panose="02080604020202020204" pitchFamily="34" charset="0"/>
-                <a:cs typeface="Arial" panose="02080604020202020204" pitchFamily="34" charset="0"/>
-              </a:rPr>
-              <a:t> Progettazione</a:t>
-            </a:r>
-            <a:r>
-              <a:rPr lang="en-US" sz="4800" b="1" dirty="0">
-                <a:latin typeface="Arial" panose="02080604020202020204" pitchFamily="34" charset="0"/>
-                <a:cs typeface="Arial" panose="02080604020202020204" pitchFamily="34" charset="0"/>
-              </a:rPr>
-              <a:t> </a:t>
-            </a:r>
-            <a:r>
-              <a:rPr lang="en-US" sz="1200" b="1" dirty="0">
-                <a:latin typeface="Arial" panose="02080604020202020204" pitchFamily="34" charset="0"/>
-                <a:cs typeface="Arial" panose="02080604020202020204" pitchFamily="34" charset="0"/>
-              </a:rPr>
-              <a:t>(consuntivo)</a:t>
-            </a:r>
-            <a:endParaRPr lang="en-US" altLang="en-US" sz="1200" b="1" dirty="0">
-              <a:latin typeface="Arial" panose="02080604020202020204" pitchFamily="34" charset="0"/>
-              <a:cs typeface="Arial" panose="02080604020202020204" pitchFamily="34" charset="0"/>
-            </a:endParaRPr>
-          </a:p>
-        </p:txBody>
-      </p:sp>
-      <p:grpSp>
-        <p:nvGrpSpPr>
-          <p:cNvPr id="4" name="Group 3"/>
-          <p:cNvGrpSpPr/>
-          <p:nvPr/>
-        </p:nvGrpSpPr>
-        <p:grpSpPr>
-          <a:xfrm>
-            <a:off x="1666448" y="3722027"/>
-            <a:ext cx="6181090" cy="1758023"/>
-            <a:chOff x="2529" y="2364"/>
-            <a:chExt cx="7203" cy="1794"/>
-          </a:xfrm>
-        </p:grpSpPr>
-        <p:pic>
-          <p:nvPicPr>
-            <p:cNvPr id="5" name="Picture 1" descr="GanttConsuntivo"/>
-            <p:cNvPicPr>
-              <a:picLocks noChangeAspect="1"/>
-            </p:cNvPicPr>
-            <p:nvPr/>
-          </p:nvPicPr>
-          <p:blipFill>
-            <a:blip r:embed="rId1"/>
-            <a:srcRect l="2812" t="21929" r="55280" b="66930"/>
-            <a:stretch>
-              <a:fillRect/>
-            </a:stretch>
-          </p:blipFill>
-          <p:spPr>
-            <a:xfrm>
-              <a:off x="2529" y="2903"/>
-              <a:ext cx="7074" cy="1255"/>
-            </a:xfrm>
-            <a:prstGeom prst="rect">
-              <a:avLst/>
-            </a:prstGeom>
-            <a:ln>
-              <a:solidFill>
-                <a:schemeClr val="tx1"/>
-              </a:solidFill>
-            </a:ln>
-          </p:spPr>
-        </p:pic>
-        <p:sp>
-          <p:nvSpPr>
-            <p:cNvPr id="3" name="Text Box 2"/>
-            <p:cNvSpPr txBox="1"/>
-            <p:nvPr/>
-          </p:nvSpPr>
-          <p:spPr>
-            <a:xfrm>
-              <a:off x="2529" y="2364"/>
-              <a:ext cx="7203" cy="376"/>
-            </a:xfrm>
-            <a:prstGeom prst="rect">
-              <a:avLst/>
-            </a:prstGeom>
-            <a:noFill/>
-          </p:spPr>
-          <p:txBody>
-            <a:bodyPr wrap="square" rtlCol="0">
-              <a:spAutoFit/>
-            </a:bodyPr>
-            <a:p>
-              <a:r>
-                <a:rPr lang="en-US" altLang="en-US"/>
-                <a:t>Consuntivo</a:t>
-              </a:r>
-              <a:endParaRPr lang="en-US" altLang="en-US"/>
-            </a:p>
-          </p:txBody>
-        </p:sp>
-      </p:grpSp>
-      <p:grpSp>
-        <p:nvGrpSpPr>
-          <p:cNvPr id="11" name="Group 10"/>
-          <p:cNvGrpSpPr/>
-          <p:nvPr/>
-        </p:nvGrpSpPr>
-        <p:grpSpPr>
-          <a:xfrm>
-            <a:off x="1666240" y="1345287"/>
-            <a:ext cx="6267377" cy="1738273"/>
-            <a:chOff x="2624" y="2107"/>
-            <a:chExt cx="9882" cy="2749"/>
-          </a:xfrm>
-        </p:grpSpPr>
-        <p:sp>
-          <p:nvSpPr>
-            <p:cNvPr id="9" name="Text Box 8"/>
-            <p:cNvSpPr txBox="1"/>
-            <p:nvPr/>
-          </p:nvSpPr>
-          <p:spPr>
-            <a:xfrm>
-              <a:off x="2717" y="2107"/>
-              <a:ext cx="9789" cy="582"/>
-            </a:xfrm>
-            <a:prstGeom prst="rect">
-              <a:avLst/>
-            </a:prstGeom>
-            <a:noFill/>
-          </p:spPr>
-          <p:txBody>
-            <a:bodyPr wrap="square" rtlCol="0">
-              <a:spAutoFit/>
-            </a:bodyPr>
-            <a:p>
-              <a:r>
-                <a:rPr lang="en-US" altLang="en-US"/>
-                <a:t>Preventivo</a:t>
-              </a:r>
-              <a:endParaRPr lang="en-US" altLang="en-US"/>
-            </a:p>
-          </p:txBody>
-        </p:sp>
-        <p:pic>
-          <p:nvPicPr>
-            <p:cNvPr id="10" name="Picture 10" descr="GanttPreventivo"/>
-            <p:cNvPicPr>
-              <a:picLocks noChangeAspect="1"/>
-            </p:cNvPicPr>
-            <p:nvPr/>
-          </p:nvPicPr>
-          <p:blipFill>
-            <a:blip r:embed="rId2"/>
-            <a:srcRect l="3074" t="19771" r="58858" b="68644"/>
-            <a:stretch>
-              <a:fillRect/>
-            </a:stretch>
-          </p:blipFill>
-          <p:spPr>
-            <a:xfrm>
-              <a:off x="2624" y="2690"/>
-              <a:ext cx="9128" cy="2166"/>
-            </a:xfrm>
-            <a:prstGeom prst="rect">
-              <a:avLst/>
-            </a:prstGeom>
-            <a:ln>
-              <a:solidFill>
-                <a:schemeClr val="tx1"/>
-              </a:solidFill>
-            </a:ln>
-          </p:spPr>
-        </p:pic>
-      </p:grpSp>
+            <a:r>
+              <a:rPr lang="en-US" altLang="en-US"/>
+              <a:t>Architettura del sistema</a:t>
+            </a:r>
+            <a:endParaRPr lang="en-US" altLang="en-US"/>
+          </a:p>
+        </p:txBody>
+      </p:sp>
     </p:spTree>
   </p:cSld>
   <p:clrMapOvr>
@@ -12699,23 +11953,16 @@
                 <a:latin typeface="Arial" panose="02080604020202020204" pitchFamily="34" charset="0"/>
                 <a:cs typeface="Arial" panose="02080604020202020204" pitchFamily="34" charset="0"/>
               </a:rPr>
-              <a:t>GANTT</a:t>
-            </a:r>
-            <a:r>
-              <a:rPr lang="en-US" altLang="en-US" sz="2400" b="1" dirty="0">
+              <a:t>ARCHITETTURA </a:t>
+            </a:r>
+            <a:r>
+              <a:rPr lang="en-US" altLang="en-US" sz="1200" b="1" dirty="0">
                 <a:latin typeface="Arial" panose="02080604020202020204" pitchFamily="34" charset="0"/>
                 <a:cs typeface="Arial" panose="02080604020202020204" pitchFamily="34" charset="0"/>
               </a:rPr>
-              <a:t> Implementazione </a:t>
-            </a:r>
-            <a:r>
-              <a:rPr lang="en-US" sz="1200" b="1" dirty="0">
-                <a:latin typeface="Arial" panose="02080604020202020204" pitchFamily="34" charset="0"/>
-                <a:cs typeface="Arial" panose="02080604020202020204" pitchFamily="34" charset="0"/>
-              </a:rPr>
-              <a:t>(consuntivo)</a:t>
-            </a:r>
-            <a:endParaRPr lang="en-US" altLang="en-US" sz="1200" b="1" dirty="0">
+              <a:t>(SISTEMA)</a:t>
+            </a:r>
+            <a:endParaRPr lang="en-US" sz="4800" b="1" dirty="0">
               <a:latin typeface="Arial" panose="02080604020202020204" pitchFamily="34" charset="0"/>
               <a:cs typeface="Arial" panose="02080604020202020204" pitchFamily="34" charset="0"/>
             </a:endParaRPr>
@@ -12724,163 +11971,104 @@
       </p:sp>
       <p:grpSp>
         <p:nvGrpSpPr>
-          <p:cNvPr id="7" name="Group 6"/>
+          <p:cNvPr id="6" name="Gruppo 6"/>
           <p:cNvGrpSpPr/>
           <p:nvPr/>
         </p:nvGrpSpPr>
         <p:grpSpPr>
           <a:xfrm>
-            <a:off x="75565" y="1460500"/>
-            <a:ext cx="3766185" cy="3458210"/>
-            <a:chOff x="5" y="2014"/>
-            <a:chExt cx="7227" cy="6251"/>
+            <a:off x="453390" y="1845310"/>
+            <a:ext cx="8237855" cy="3556187"/>
+            <a:chOff x="0" y="0"/>
+            <a:chExt cx="6120130" cy="2362746"/>
           </a:xfrm>
         </p:grpSpPr>
-        <p:sp>
-          <p:nvSpPr>
-            <p:cNvPr id="9" name="Text Box 8"/>
-            <p:cNvSpPr txBox="1"/>
-            <p:nvPr/>
-          </p:nvSpPr>
-          <p:spPr>
-            <a:xfrm>
-              <a:off x="1977" y="2014"/>
-              <a:ext cx="3618" cy="666"/>
-            </a:xfrm>
-            <a:prstGeom prst="rect">
-              <a:avLst/>
-            </a:prstGeom>
-            <a:noFill/>
-            <a:ln>
-              <a:solidFill>
-                <a:schemeClr val="tx1"/>
-              </a:solidFill>
-            </a:ln>
-          </p:spPr>
-          <p:txBody>
-            <a:bodyPr wrap="square" rtlCol="0">
-              <a:spAutoFit/>
-            </a:bodyPr>
-            <a:p>
-              <a:pPr algn="ctr"/>
-              <a:r>
-                <a:rPr lang="en-US" altLang="en-US"/>
-                <a:t>Preventivo</a:t>
-              </a:r>
-              <a:endParaRPr lang="en-US" altLang="en-US"/>
-            </a:p>
-          </p:txBody>
-        </p:sp>
         <p:pic>
           <p:nvPicPr>
-            <p:cNvPr id="6" name="Picture 10" descr="GanttPreventivo"/>
+            <p:cNvPr id="4" name="Immagine 4"/>
             <p:cNvPicPr>
               <a:picLocks noChangeAspect="1"/>
             </p:cNvPicPr>
             <p:nvPr/>
           </p:nvPicPr>
           <p:blipFill>
-            <a:blip r:embed="rId1"/>
-            <a:srcRect l="8968" t="30696" r="58104" b="36400"/>
+            <a:blip r:embed="rId1">
+              <a:extLst>
+                <a:ext uri="{28A0092B-C50C-407E-A947-70E740481C1C}">
+                  <a14:useLocalDpi xmlns:a14="http://schemas.microsoft.com/office/drawing/2010/main" val="0"/>
+                </a:ext>
+              </a:extLst>
+            </a:blip>
             <a:stretch>
               <a:fillRect/>
             </a:stretch>
           </p:blipFill>
           <p:spPr>
             <a:xfrm>
-              <a:off x="5" y="2840"/>
-              <a:ext cx="7227" cy="5425"/>
+              <a:off x="0" y="0"/>
+              <a:ext cx="6120130" cy="2221230"/>
             </a:xfrm>
             <a:prstGeom prst="rect">
               <a:avLst/>
             </a:prstGeom>
-            <a:ln>
-              <a:solidFill>
-                <a:schemeClr val="tx1"/>
-              </a:solidFill>
-            </a:ln>
           </p:spPr>
         </p:pic>
-      </p:grpSp>
-      <p:grpSp>
-        <p:nvGrpSpPr>
-          <p:cNvPr id="11" name="Group 10"/>
-          <p:cNvGrpSpPr/>
-          <p:nvPr/>
-        </p:nvGrpSpPr>
-        <p:grpSpPr>
-          <a:xfrm>
-            <a:off x="4160520" y="1424940"/>
-            <a:ext cx="4803775" cy="3415030"/>
-            <a:chOff x="6859" y="2501"/>
-            <a:chExt cx="6821" cy="4867"/>
-          </a:xfrm>
-        </p:grpSpPr>
         <p:sp>
           <p:nvSpPr>
-            <p:cNvPr id="3" name="Text Box 2"/>
+            <p:cNvPr id="5" name="Casella di testo 5"/>
             <p:cNvSpPr txBox="1"/>
             <p:nvPr/>
           </p:nvSpPr>
           <p:spPr>
             <a:xfrm>
-              <a:off x="8719" y="2501"/>
-              <a:ext cx="3100" cy="525"/>
+              <a:off x="0" y="2274570"/>
+              <a:ext cx="6120130" cy="88176"/>
             </a:xfrm>
             <a:prstGeom prst="rect">
               <a:avLst/>
             </a:prstGeom>
-            <a:noFill/>
+            <a:solidFill>
+              <a:prstClr val="white"/>
+            </a:solidFill>
             <a:ln>
-              <a:solidFill>
-                <a:schemeClr val="tx1"/>
-              </a:solidFill>
+              <a:noFill/>
             </a:ln>
           </p:spPr>
           <p:txBody>
-            <a:bodyPr wrap="square" rtlCol="0">
+            <a:bodyPr rot="0" spcFirstLastPara="0" vertOverflow="overflow" horzOverflow="overflow" vert="horz" wrap="square" lIns="0" tIns="0" rIns="0" bIns="0" numCol="1" spcCol="0" rtlCol="0" fromWordArt="0" anchor="t" anchorCtr="0" forceAA="0" compatLnSpc="1">
               <a:spAutoFit/>
             </a:bodyPr>
+            <a:lstStyle/>
             <a:p>
-              <a:pPr algn="ctr"/>
+              <a:pPr algn="ctr">
+                <a:lnSpc>
+                  <a:spcPct val="108000"/>
+                </a:lnSpc>
+                <a:spcBef>
+                  <a:spcPts val="600"/>
+                </a:spcBef>
+                <a:spcAft>
+                  <a:spcPts val="600"/>
+                </a:spcAft>
+              </a:pPr>
               <a:r>
-                <a:rPr lang="en-US" altLang="en-US"/>
-                <a:t>Consuntivo</a:t>
+                <a:rPr lang="en-US" altLang="zh-CN" sz="800" kern="100">
+                  <a:latin typeface="Arial"/>
+                  <a:ea typeface="Times New Roman"/>
+                  <a:cs typeface="Times New Roman"/>
+                  <a:sym typeface="Times New Roman"/>
+                </a:rPr>
+                <a:t>Figure 7 - Struttura del programma</a:t>
               </a:r>
-              <a:endParaRPr lang="en-US" altLang="en-US"/>
+              <a:endParaRPr lang="en-US" altLang="zh-CN" sz="1000" b="1" kern="100">
+                <a:latin typeface="Arial"/>
+                <a:ea typeface="Times New Roman"/>
+                <a:cs typeface="Times New Roman"/>
+                <a:sym typeface="Times New Roman"/>
+              </a:endParaRPr>
             </a:p>
           </p:txBody>
         </p:sp>
-        <p:pic>
-          <p:nvPicPr>
-            <p:cNvPr id="8" name="Picture 1" descr="GanttConsuntivo"/>
-            <p:cNvPicPr>
-              <a:picLocks noChangeAspect="1"/>
-            </p:cNvPicPr>
-            <p:nvPr/>
-          </p:nvPicPr>
-          <p:blipFill>
-            <a:blip r:embed="rId2"/>
-            <a:srcRect l="2939" t="33300" r="59672" b="39960"/>
-            <a:stretch>
-              <a:fillRect/>
-            </a:stretch>
-          </p:blipFill>
-          <p:spPr>
-            <a:xfrm>
-              <a:off x="6859" y="3258"/>
-              <a:ext cx="6821" cy="4110"/>
-            </a:xfrm>
-            <a:prstGeom prst="rect">
-              <a:avLst/>
-            </a:prstGeom>
-            <a:ln>
-              <a:solidFill>
-                <a:schemeClr val="tx1"/>
-              </a:solidFill>
-            </a:ln>
-          </p:spPr>
-        </p:pic>
       </p:grpSp>
     </p:spTree>
   </p:cSld>
